--- a/meeting/Lithops实验.pptx
+++ b/meeting/Lithops实验.pptx
@@ -11,12 +11,19 @@
     <p:sldId id="374" r:id="rId3"/>
     <p:sldId id="589" r:id="rId5"/>
     <p:sldId id="591" r:id="rId6"/>
-    <p:sldId id="592" r:id="rId7"/>
-    <p:sldId id="599" r:id="rId8"/>
-    <p:sldId id="598" r:id="rId9"/>
-    <p:sldId id="593" r:id="rId10"/>
-    <p:sldId id="600" r:id="rId11"/>
-    <p:sldId id="464" r:id="rId12"/>
+    <p:sldId id="604" r:id="rId7"/>
+    <p:sldId id="592" r:id="rId8"/>
+    <p:sldId id="605" r:id="rId9"/>
+    <p:sldId id="607" r:id="rId10"/>
+    <p:sldId id="599" r:id="rId11"/>
+    <p:sldId id="606" r:id="rId12"/>
+    <p:sldId id="608" r:id="rId13"/>
+    <p:sldId id="598" r:id="rId14"/>
+    <p:sldId id="609" r:id="rId15"/>
+    <p:sldId id="610" r:id="rId16"/>
+    <p:sldId id="593" r:id="rId17"/>
+    <p:sldId id="600" r:id="rId18"/>
+    <p:sldId id="464" r:id="rId19"/>
   </p:sldIdLst>
   <p:sldSz cx="12192000" cy="6858000"/>
   <p:notesSz cx="6858000" cy="9144000"/>
@@ -139,6 +146,32 @@
   </mc:AlternateContent>
   <c:chart>
     <c:title>
+      <c:tx>
+        <c:rich>
+          <a:bodyPr rot="0" spcFirstLastPara="0" vertOverflow="ellipsis" vert="horz" wrap="square" anchor="ctr" anchorCtr="1"/>
+          <a:lstStyle/>
+          <a:p>
+            <a:pPr defTabSz="914400">
+              <a:defRPr lang="zh-CN" sz="1400" b="0" i="0" u="none" strike="noStrike" kern="1200" spc="0" baseline="0">
+                <a:solidFill>
+                  <a:schemeClr val="tx1">
+                    <a:lumMod val="65000"/>
+                    <a:lumOff val="35000"/>
+                  </a:schemeClr>
+                </a:solidFill>
+                <a:latin typeface="+mn-lt"/>
+                <a:ea typeface="+mn-ea"/>
+                <a:cs typeface="+mn-cs"/>
+              </a:defRPr>
+            </a:pPr>
+            <a:r>
+              <a:rPr lang="en-US" altLang="zh-CN" b="1"/>
+              <a:t>OSS Latency</a:t>
+            </a:r>
+            <a:endParaRPr lang="en-US" altLang="zh-CN" b="1"/>
+          </a:p>
+        </c:rich>
+      </c:tx>
       <c:layout/>
       <c:overlay val="0"/>
       <c:spPr>
@@ -148,25 +181,6 @@
         </a:ln>
         <a:effectLst/>
       </c:spPr>
-      <c:txPr>
-        <a:bodyPr rot="0" spcFirstLastPara="0" vertOverflow="ellipsis" vert="horz" wrap="square" anchor="ctr" anchorCtr="1"/>
-        <a:lstStyle/>
-        <a:p>
-          <a:pPr>
-            <a:defRPr lang="zh-CN" sz="1400" b="0" i="0" u="none" strike="noStrike" kern="1200" spc="0" baseline="0">
-              <a:solidFill>
-                <a:schemeClr val="tx1">
-                  <a:lumMod val="65000"/>
-                  <a:lumOff val="35000"/>
-                </a:schemeClr>
-              </a:solidFill>
-              <a:latin typeface="+mn-lt"/>
-              <a:ea typeface="+mn-ea"/>
-              <a:cs typeface="+mn-cs"/>
-            </a:defRPr>
-          </a:pPr>
-        </a:p>
-      </c:txPr>
     </c:title>
     <c:autoTitleDeleted val="0"/>
     <c:plotArea>
@@ -198,7 +212,19 @@
             <a:effectLst/>
           </c:spPr>
           <c:marker>
-            <c:symbol val="none"/>
+            <c:symbol val="circle"/>
+            <c:size val="5"/>
+            <c:spPr>
+              <a:solidFill>
+                <a:schemeClr val="accent1"/>
+              </a:solidFill>
+              <a:ln w="9525">
+                <a:solidFill>
+                  <a:schemeClr val="accent1"/>
+                </a:solidFill>
+              </a:ln>
+              <a:effectLst/>
+            </c:spPr>
           </c:marker>
           <c:dLbls>
             <c:delete val="1"/>
@@ -290,7 +316,19 @@
             <a:effectLst/>
           </c:spPr>
           <c:marker>
-            <c:symbol val="none"/>
+            <c:symbol val="circle"/>
+            <c:size val="5"/>
+            <c:spPr>
+              <a:solidFill>
+                <a:schemeClr val="accent2"/>
+              </a:solidFill>
+              <a:ln w="9525">
+                <a:solidFill>
+                  <a:schemeClr val="accent2"/>
+                </a:solidFill>
+              </a:ln>
+              <a:effectLst/>
+            </c:spPr>
           </c:marker>
           <c:dLbls>
             <c:delete val="1"/>
@@ -366,7 +404,7 @@
           <c:showPercent val="0"/>
           <c:showBubbleSize val="0"/>
         </c:dLbls>
-        <c:marker val="0"/>
+        <c:marker val="1"/>
         <c:smooth val="0"/>
         <c:axId val="139660685"/>
         <c:axId val="472562404"/>
@@ -379,7 +417,40 @@
         <c:delete val="0"/>
         <c:axPos val="b"/>
         <c:title>
-          <c:layout/>
+          <c:tx>
+            <c:rich>
+              <a:bodyPr rot="0" spcFirstLastPara="0" vertOverflow="ellipsis" vert="horz" wrap="square" anchor="ctr" anchorCtr="1"/>
+              <a:lstStyle/>
+              <a:p>
+                <a:pPr defTabSz="914400">
+                  <a:defRPr lang="zh-CN" sz="1000" b="0" i="0" u="none" strike="noStrike" kern="1200" baseline="0">
+                    <a:solidFill>
+                      <a:schemeClr val="tx1">
+                        <a:lumMod val="65000"/>
+                        <a:lumOff val="35000"/>
+                      </a:schemeClr>
+                    </a:solidFill>
+                    <a:latin typeface="+mn-lt"/>
+                    <a:ea typeface="+mn-ea"/>
+                    <a:cs typeface="+mn-cs"/>
+                  </a:defRPr>
+                </a:pPr>
+                <a:r>
+                  <a:rPr lang="en-US" altLang="zh-CN" sz="1200" b="1"/>
+                  <a:t>Request Size/bytes</a:t>
+                </a:r>
+                <a:endParaRPr lang="en-US" altLang="zh-CN" sz="1200" b="1"/>
+              </a:p>
+            </c:rich>
+          </c:tx>
+          <c:layout>
+            <c:manualLayout>
+              <c:xMode val="edge"/>
+              <c:yMode val="edge"/>
+              <c:x val="0.38068609667875"/>
+              <c:y val="0.881080592309262"/>
+            </c:manualLayout>
+          </c:layout>
           <c:overlay val="0"/>
           <c:spPr>
             <a:noFill/>
@@ -388,25 +459,6 @@
             </a:ln>
             <a:effectLst/>
           </c:spPr>
-          <c:txPr>
-            <a:bodyPr rot="0" spcFirstLastPara="0" vertOverflow="ellipsis" vert="horz" wrap="square" anchor="ctr" anchorCtr="1"/>
-            <a:lstStyle/>
-            <a:p>
-              <a:pPr>
-                <a:defRPr lang="zh-CN" sz="1000" b="0" i="0" u="none" strike="noStrike" kern="1200" baseline="0">
-                  <a:solidFill>
-                    <a:schemeClr val="tx1">
-                      <a:lumMod val="65000"/>
-                      <a:lumOff val="35000"/>
-                    </a:schemeClr>
-                  </a:solidFill>
-                  <a:latin typeface="+mn-lt"/>
-                  <a:ea typeface="+mn-ea"/>
-                  <a:cs typeface="+mn-cs"/>
-                </a:defRPr>
-              </a:pPr>
-            </a:p>
-          </c:txPr>
         </c:title>
         <c:majorTickMark val="none"/>
         <c:minorTickMark val="none"/>
@@ -453,6 +505,7 @@
       <c:valAx>
         <c:axId val="472562404"/>
         <c:scaling>
+          <c:logBase val="5"/>
           <c:orientation val="minMax"/>
         </c:scaling>
         <c:delete val="0"/>
@@ -472,6 +525,32 @@
           </c:spPr>
         </c:majorGridlines>
         <c:title>
+          <c:tx>
+            <c:rich>
+              <a:bodyPr rot="-5400000" spcFirstLastPara="0" vertOverflow="ellipsis" vert="horz" wrap="square" anchor="ctr" anchorCtr="1"/>
+              <a:lstStyle/>
+              <a:p>
+                <a:pPr defTabSz="914400">
+                  <a:defRPr lang="zh-CN" sz="1000" b="0" i="0" u="none" strike="noStrike" kern="1200" baseline="0">
+                    <a:solidFill>
+                      <a:schemeClr val="tx1">
+                        <a:lumMod val="65000"/>
+                        <a:lumOff val="35000"/>
+                      </a:schemeClr>
+                    </a:solidFill>
+                    <a:latin typeface="+mn-lt"/>
+                    <a:ea typeface="+mn-ea"/>
+                    <a:cs typeface="+mn-cs"/>
+                  </a:defRPr>
+                </a:pPr>
+                <a:r>
+                  <a:rPr lang="en-US" altLang="zh-CN" sz="1200" b="1"/>
+                  <a:t>Latency/ms</a:t>
+                </a:r>
+                <a:endParaRPr lang="en-US" altLang="zh-CN" sz="1200" b="1"/>
+              </a:p>
+            </c:rich>
+          </c:tx>
           <c:layout/>
           <c:overlay val="0"/>
           <c:spPr>
@@ -481,25 +560,6 @@
             </a:ln>
             <a:effectLst/>
           </c:spPr>
-          <c:txPr>
-            <a:bodyPr rot="-5400000" spcFirstLastPara="0" vertOverflow="ellipsis" vert="horz" wrap="square" anchor="ctr" anchorCtr="1"/>
-            <a:lstStyle/>
-            <a:p>
-              <a:pPr>
-                <a:defRPr lang="zh-CN" sz="1000" b="0" i="0" u="none" strike="noStrike" kern="1200" baseline="0">
-                  <a:solidFill>
-                    <a:schemeClr val="tx1">
-                      <a:lumMod val="65000"/>
-                      <a:lumOff val="35000"/>
-                    </a:schemeClr>
-                  </a:solidFill>
-                  <a:latin typeface="+mn-lt"/>
-                  <a:ea typeface="+mn-ea"/>
-                  <a:cs typeface="+mn-cs"/>
-                </a:defRPr>
-              </a:pPr>
-            </a:p>
-          </c:txPr>
         </c:title>
         <c:numFmt formatCode="General" sourceLinked="1"/>
         <c:majorTickMark val="none"/>
@@ -545,7 +605,74 @@
     </c:plotArea>
     <c:legend>
       <c:legendPos val="b"/>
-      <c:layout/>
+      <c:legendEntry>
+        <c:idx val="0"/>
+        <c:txPr>
+          <a:bodyPr rot="0" spcFirstLastPara="0" vertOverflow="ellipsis" vert="horz" wrap="square" anchor="ctr" anchorCtr="1"/>
+          <a:lstStyle/>
+          <a:p>
+            <a:pPr>
+              <a:defRPr lang="zh-CN" sz="1200" b="1" i="0" u="none" strike="noStrike" kern="1200" cap="none" spc="0" normalizeH="0" baseline="0">
+                <a:solidFill>
+                  <a:schemeClr val="tx1">
+                    <a:lumMod val="65000"/>
+                    <a:lumOff val="35000"/>
+                  </a:schemeClr>
+                </a:solidFill>
+                <a:uFill>
+                  <a:solidFill>
+                    <a:schemeClr val="tx1">
+                      <a:lumMod val="65000"/>
+                      <a:lumOff val="35000"/>
+                    </a:schemeClr>
+                  </a:solidFill>
+                </a:uFill>
+                <a:latin typeface="+mn-lt"/>
+                <a:ea typeface="+mn-ea"/>
+                <a:cs typeface="+mn-cs"/>
+              </a:defRPr>
+            </a:pPr>
+          </a:p>
+        </c:txPr>
+      </c:legendEntry>
+      <c:legendEntry>
+        <c:idx val="1"/>
+        <c:txPr>
+          <a:bodyPr rot="0" spcFirstLastPara="0" vertOverflow="ellipsis" vert="horz" wrap="square" anchor="ctr" anchorCtr="1"/>
+          <a:lstStyle/>
+          <a:p>
+            <a:pPr>
+              <a:defRPr lang="zh-CN" sz="1200" b="1" i="0" u="none" strike="noStrike" kern="1200" cap="none" spc="0" normalizeH="0" baseline="0">
+                <a:solidFill>
+                  <a:schemeClr val="tx1">
+                    <a:lumMod val="65000"/>
+                    <a:lumOff val="35000"/>
+                  </a:schemeClr>
+                </a:solidFill>
+                <a:uFill>
+                  <a:solidFill>
+                    <a:schemeClr val="tx1">
+                      <a:lumMod val="65000"/>
+                      <a:lumOff val="35000"/>
+                    </a:schemeClr>
+                  </a:solidFill>
+                </a:uFill>
+                <a:latin typeface="+mn-lt"/>
+                <a:ea typeface="+mn-ea"/>
+                <a:cs typeface="+mn-cs"/>
+              </a:defRPr>
+            </a:pPr>
+          </a:p>
+        </c:txPr>
+      </c:legendEntry>
+      <c:layout>
+        <c:manualLayout>
+          <c:xMode val="edge"/>
+          <c:yMode val="edge"/>
+          <c:x val="0.158147549899831"/>
+          <c:y val="0.158227953444268"/>
+        </c:manualLayout>
+      </c:layout>
       <c:overlay val="0"/>
       <c:spPr>
         <a:noFill/>
@@ -623,6 +750,32 @@
   </mc:AlternateContent>
   <c:chart>
     <c:title>
+      <c:tx>
+        <c:rich>
+          <a:bodyPr rot="0" spcFirstLastPara="0" vertOverflow="ellipsis" vert="horz" wrap="square" anchor="ctr" anchorCtr="1"/>
+          <a:lstStyle/>
+          <a:p>
+            <a:pPr defTabSz="914400">
+              <a:defRPr lang="zh-CN" sz="1400" b="0" i="0" u="none" strike="noStrike" kern="1200" spc="0" baseline="0">
+                <a:solidFill>
+                  <a:schemeClr val="tx1">
+                    <a:lumMod val="65000"/>
+                    <a:lumOff val="35000"/>
+                  </a:schemeClr>
+                </a:solidFill>
+                <a:latin typeface="+mn-lt"/>
+                <a:ea typeface="+mn-ea"/>
+                <a:cs typeface="+mn-cs"/>
+              </a:defRPr>
+            </a:pPr>
+            <a:r>
+              <a:rPr lang="en-US" altLang="zh-CN" b="1"/>
+              <a:t>OSS Latency</a:t>
+            </a:r>
+            <a:endParaRPr lang="en-US" altLang="zh-CN" b="1"/>
+          </a:p>
+        </c:rich>
+      </c:tx>
       <c:layout/>
       <c:overlay val="0"/>
       <c:spPr>
@@ -632,25 +785,6 @@
         </a:ln>
         <a:effectLst/>
       </c:spPr>
-      <c:txPr>
-        <a:bodyPr rot="0" spcFirstLastPara="0" vertOverflow="ellipsis" vert="horz" wrap="square" anchor="ctr" anchorCtr="1"/>
-        <a:lstStyle/>
-        <a:p>
-          <a:pPr>
-            <a:defRPr lang="zh-CN" sz="1400" b="0" i="0" u="none" strike="noStrike" kern="1200" spc="0" baseline="0">
-              <a:solidFill>
-                <a:schemeClr val="tx1">
-                  <a:lumMod val="65000"/>
-                  <a:lumOff val="35000"/>
-                </a:schemeClr>
-              </a:solidFill>
-              <a:latin typeface="+mn-lt"/>
-              <a:ea typeface="+mn-ea"/>
-              <a:cs typeface="+mn-cs"/>
-            </a:defRPr>
-          </a:pPr>
-        </a:p>
-      </c:txPr>
     </c:title>
     <c:autoTitleDeleted val="0"/>
     <c:plotArea>
@@ -663,7 +797,7 @@
           <c:order val="0"/>
           <c:tx>
             <c:strRef>
-              <c:f>[测试.xlsx]Sheet1!$A$20</c:f>
+              <c:f>[测试.xlsx]Sheet1!$A$6</c:f>
               <c:strCache>
                 <c:ptCount val="1"/>
                 <c:pt idx="0">
@@ -682,14 +816,33 @@
             <a:effectLst/>
           </c:spPr>
           <c:marker>
-            <c:symbol val="none"/>
+            <c:symbol val="circle"/>
+            <c:size val="5"/>
+            <c:spPr>
+              <a:solidFill>
+                <a:schemeClr val="accent1"/>
+              </a:solidFill>
+              <a:ln w="9525">
+                <a:solidFill>
+                  <a:schemeClr val="accent1"/>
+                </a:solidFill>
+              </a:ln>
+              <a:effectLst/>
+            </c:spPr>
           </c:marker>
           <c:dLbls>
             <c:delete val="1"/>
           </c:dLbls>
           <c:cat>
             <c:strRef>
-              <c:f>[测试.xlsx]Sheet1!$B$19:$F$19</c:f>
+              <c:extLst>
+                <c:ext xmlns:c15="http://schemas.microsoft.com/office/drawing/2012/chart" uri="{02D57815-91ED-43cb-92C2-25804820EDAC}">
+                  <c15:fullRef>
+                    <c15:sqref>[测试.xlsx]Sheet1!$B$5:$G$5</c15:sqref>
+                  </c15:fullRef>
+                </c:ext>
+              </c:extLst>
+              <c:f>[测试.xlsx]Sheet1!$B$5:$F$5</c:f>
               <c:strCache>
                 <c:ptCount val="5"/>
                 <c:pt idx="0">
@@ -712,24 +865,31 @@
           </c:cat>
           <c:val>
             <c:numRef>
-              <c:f>[测试.xlsx]Sheet1!$B$20:$F$20</c:f>
+              <c:extLst>
+                <c:ext xmlns:c15="http://schemas.microsoft.com/office/drawing/2012/chart" uri="{02D57815-91ED-43cb-92C2-25804820EDAC}">
+                  <c15:fullRef>
+                    <c15:sqref>Sheet1!$B$6:$G$6</c15:sqref>
+                  </c15:fullRef>
+                </c:ext>
+              </c:extLst>
+              <c:f>[测试.xlsx]Sheet1!$B$6:$F$6</c:f>
               <c:numCache>
                 <c:formatCode>General</c:formatCode>
                 <c:ptCount val="5"/>
                 <c:pt idx="0">
-                  <c:v>14.8951053619384</c:v>
+                  <c:v>16.3732767105102</c:v>
                 </c:pt>
                 <c:pt idx="1">
-                  <c:v>17.2685384750366</c:v>
+                  <c:v>16.145372390747</c:v>
                 </c:pt>
                 <c:pt idx="2">
-                  <c:v>22.2160816192627</c:v>
+                  <c:v>22.7810382843017</c:v>
                 </c:pt>
                 <c:pt idx="3">
-                  <c:v>62.1669054031372</c:v>
+                  <c:v>73.9938497543334</c:v>
                 </c:pt>
                 <c:pt idx="4">
-                  <c:v>344.270586967468</c:v>
+                  <c:v>458.817744255066</c:v>
                 </c:pt>
               </c:numCache>
             </c:numRef>
@@ -741,7 +901,7 @@
           <c:order val="1"/>
           <c:tx>
             <c:strRef>
-              <c:f>[测试.xlsx]Sheet1!$A$21</c:f>
+              <c:f>[测试.xlsx]Sheet1!$A$7</c:f>
               <c:strCache>
                 <c:ptCount val="1"/>
                 <c:pt idx="0">
@@ -760,14 +920,33 @@
             <a:effectLst/>
           </c:spPr>
           <c:marker>
-            <c:symbol val="none"/>
+            <c:symbol val="circle"/>
+            <c:size val="5"/>
+            <c:spPr>
+              <a:solidFill>
+                <a:schemeClr val="accent2"/>
+              </a:solidFill>
+              <a:ln w="9525">
+                <a:solidFill>
+                  <a:schemeClr val="accent2"/>
+                </a:solidFill>
+              </a:ln>
+              <a:effectLst/>
+            </c:spPr>
           </c:marker>
           <c:dLbls>
             <c:delete val="1"/>
           </c:dLbls>
           <c:cat>
             <c:strRef>
-              <c:f>[测试.xlsx]Sheet1!$B$19:$F$19</c:f>
+              <c:extLst>
+                <c:ext xmlns:c15="http://schemas.microsoft.com/office/drawing/2012/chart" uri="{02D57815-91ED-43cb-92C2-25804820EDAC}">
+                  <c15:fullRef>
+                    <c15:sqref>[测试.xlsx]Sheet1!$B$5:$G$5</c15:sqref>
+                  </c15:fullRef>
+                </c:ext>
+              </c:extLst>
+              <c:f>[测试.xlsx]Sheet1!$B$5:$F$5</c:f>
               <c:strCache>
                 <c:ptCount val="5"/>
                 <c:pt idx="0">
@@ -790,24 +969,31 @@
           </c:cat>
           <c:val>
             <c:numRef>
-              <c:f>[测试.xlsx]Sheet1!$B$21:$F$21</c:f>
+              <c:extLst>
+                <c:ext xmlns:c15="http://schemas.microsoft.com/office/drawing/2012/chart" uri="{02D57815-91ED-43cb-92C2-25804820EDAC}">
+                  <c15:fullRef>
+                    <c15:sqref>Sheet1!$B$7:$G$7</c15:sqref>
+                  </c15:fullRef>
+                </c:ext>
+              </c:extLst>
+              <c:f>[测试.xlsx]Sheet1!$B$7:$F$7</c:f>
               <c:numCache>
                 <c:formatCode>General</c:formatCode>
                 <c:ptCount val="5"/>
                 <c:pt idx="0">
-                  <c:v>23.1925010681152</c:v>
+                  <c:v>24.6359586715698</c:v>
                 </c:pt>
                 <c:pt idx="1">
-                  <c:v>20.9561109542846</c:v>
+                  <c:v>26.3666152954101</c:v>
                 </c:pt>
                 <c:pt idx="2">
-                  <c:v>29.0525913238525</c:v>
+                  <c:v>36.5656852722167</c:v>
                 </c:pt>
                 <c:pt idx="3">
-                  <c:v>64.4365310668945</c:v>
+                  <c:v>82.224440574646</c:v>
                 </c:pt>
                 <c:pt idx="4">
-                  <c:v>292.951107025146</c:v>
+                  <c:v>289.632534980773</c:v>
                 </c:pt>
               </c:numCache>
             </c:numRef>
@@ -822,20 +1008,53 @@
           <c:showPercent val="0"/>
           <c:showBubbleSize val="0"/>
         </c:dLbls>
-        <c:marker val="0"/>
+        <c:marker val="1"/>
         <c:smooth val="0"/>
-        <c:axId val="318301584"/>
-        <c:axId val="411584849"/>
+        <c:axId val="139660685"/>
+        <c:axId val="472562404"/>
       </c:lineChart>
       <c:catAx>
-        <c:axId val="318301584"/>
+        <c:axId val="139660685"/>
         <c:scaling>
           <c:orientation val="minMax"/>
         </c:scaling>
         <c:delete val="0"/>
         <c:axPos val="b"/>
         <c:title>
-          <c:layout/>
+          <c:tx>
+            <c:rich>
+              <a:bodyPr rot="0" spcFirstLastPara="0" vertOverflow="ellipsis" vert="horz" wrap="square" anchor="ctr" anchorCtr="1"/>
+              <a:lstStyle/>
+              <a:p>
+                <a:pPr defTabSz="914400">
+                  <a:defRPr lang="zh-CN" sz="1000" b="0" i="0" u="none" strike="noStrike" kern="1200" baseline="0">
+                    <a:solidFill>
+                      <a:schemeClr val="tx1">
+                        <a:lumMod val="65000"/>
+                        <a:lumOff val="35000"/>
+                      </a:schemeClr>
+                    </a:solidFill>
+                    <a:latin typeface="+mn-lt"/>
+                    <a:ea typeface="+mn-ea"/>
+                    <a:cs typeface="+mn-cs"/>
+                  </a:defRPr>
+                </a:pPr>
+                <a:r>
+                  <a:rPr lang="en-US" altLang="zh-CN" sz="1200" b="1"/>
+                  <a:t>Request Size/bytes</a:t>
+                </a:r>
+                <a:endParaRPr lang="en-US" altLang="zh-CN" sz="1200" b="1"/>
+              </a:p>
+            </c:rich>
+          </c:tx>
+          <c:layout>
+            <c:manualLayout>
+              <c:xMode val="edge"/>
+              <c:yMode val="edge"/>
+              <c:x val="0.38068609667875"/>
+              <c:y val="0.881080592309262"/>
+            </c:manualLayout>
+          </c:layout>
           <c:overlay val="0"/>
           <c:spPr>
             <a:noFill/>
@@ -844,25 +1063,6 @@
             </a:ln>
             <a:effectLst/>
           </c:spPr>
-          <c:txPr>
-            <a:bodyPr rot="0" spcFirstLastPara="0" vertOverflow="ellipsis" vert="horz" wrap="square" anchor="ctr" anchorCtr="1"/>
-            <a:lstStyle/>
-            <a:p>
-              <a:pPr>
-                <a:defRPr lang="zh-CN" sz="1000" b="0" i="0" u="none" strike="noStrike" kern="1200" baseline="0">
-                  <a:solidFill>
-                    <a:schemeClr val="tx1">
-                      <a:lumMod val="65000"/>
-                      <a:lumOff val="35000"/>
-                    </a:schemeClr>
-                  </a:solidFill>
-                  <a:latin typeface="+mn-lt"/>
-                  <a:ea typeface="+mn-ea"/>
-                  <a:cs typeface="+mn-cs"/>
-                </a:defRPr>
-              </a:pPr>
-            </a:p>
-          </c:txPr>
         </c:title>
         <c:majorTickMark val="none"/>
         <c:minorTickMark val="none"/>
@@ -899,7 +1099,7 @@
             </a:pPr>
           </a:p>
         </c:txPr>
-        <c:crossAx val="411584849"/>
+        <c:crossAx val="472562404"/>
         <c:crosses val="autoZero"/>
         <c:auto val="1"/>
         <c:lblAlgn val="ctr"/>
@@ -907,8 +1107,9 @@
         <c:noMultiLvlLbl val="0"/>
       </c:catAx>
       <c:valAx>
-        <c:axId val="411584849"/>
+        <c:axId val="472562404"/>
         <c:scaling>
+          <c:logBase val="5"/>
           <c:orientation val="minMax"/>
         </c:scaling>
         <c:delete val="0"/>
@@ -928,6 +1129,32 @@
           </c:spPr>
         </c:majorGridlines>
         <c:title>
+          <c:tx>
+            <c:rich>
+              <a:bodyPr rot="-5400000" spcFirstLastPara="0" vertOverflow="ellipsis" vert="horz" wrap="square" anchor="ctr" anchorCtr="1"/>
+              <a:lstStyle/>
+              <a:p>
+                <a:pPr defTabSz="914400">
+                  <a:defRPr lang="zh-CN" sz="1000" b="0" i="0" u="none" strike="noStrike" kern="1200" baseline="0">
+                    <a:solidFill>
+                      <a:schemeClr val="tx1">
+                        <a:lumMod val="65000"/>
+                        <a:lumOff val="35000"/>
+                      </a:schemeClr>
+                    </a:solidFill>
+                    <a:latin typeface="+mn-lt"/>
+                    <a:ea typeface="+mn-ea"/>
+                    <a:cs typeface="+mn-cs"/>
+                  </a:defRPr>
+                </a:pPr>
+                <a:r>
+                  <a:rPr lang="en-US" altLang="zh-CN" sz="1200" b="1"/>
+                  <a:t>Latency/ms</a:t>
+                </a:r>
+                <a:endParaRPr lang="en-US" altLang="zh-CN" sz="1200" b="1"/>
+              </a:p>
+            </c:rich>
+          </c:tx>
           <c:layout/>
           <c:overlay val="0"/>
           <c:spPr>
@@ -937,25 +1164,6 @@
             </a:ln>
             <a:effectLst/>
           </c:spPr>
-          <c:txPr>
-            <a:bodyPr rot="-5400000" spcFirstLastPara="0" vertOverflow="ellipsis" vert="horz" wrap="square" anchor="ctr" anchorCtr="1"/>
-            <a:lstStyle/>
-            <a:p>
-              <a:pPr>
-                <a:defRPr lang="zh-CN" sz="1000" b="0" i="0" u="none" strike="noStrike" kern="1200" baseline="0">
-                  <a:solidFill>
-                    <a:schemeClr val="tx1">
-                      <a:lumMod val="65000"/>
-                      <a:lumOff val="35000"/>
-                    </a:schemeClr>
-                  </a:solidFill>
-                  <a:latin typeface="+mn-lt"/>
-                  <a:ea typeface="+mn-ea"/>
-                  <a:cs typeface="+mn-cs"/>
-                </a:defRPr>
-              </a:pPr>
-            </a:p>
-          </c:txPr>
         </c:title>
         <c:numFmt formatCode="General" sourceLinked="1"/>
         <c:majorTickMark val="none"/>
@@ -987,7 +1195,7 @@
             </a:pPr>
           </a:p>
         </c:txPr>
-        <c:crossAx val="318301584"/>
+        <c:crossAx val="139660685"/>
         <c:crosses val="autoZero"/>
         <c:crossBetween val="between"/>
       </c:valAx>
@@ -1001,7 +1209,74 @@
     </c:plotArea>
     <c:legend>
       <c:legendPos val="b"/>
-      <c:layout/>
+      <c:legendEntry>
+        <c:idx val="0"/>
+        <c:txPr>
+          <a:bodyPr rot="0" spcFirstLastPara="0" vertOverflow="ellipsis" vert="horz" wrap="square" anchor="ctr" anchorCtr="1"/>
+          <a:lstStyle/>
+          <a:p>
+            <a:pPr>
+              <a:defRPr lang="zh-CN" sz="1200" b="1" i="0" u="none" strike="noStrike" kern="1200" cap="none" spc="0" normalizeH="0" baseline="0">
+                <a:solidFill>
+                  <a:schemeClr val="tx1">
+                    <a:lumMod val="65000"/>
+                    <a:lumOff val="35000"/>
+                  </a:schemeClr>
+                </a:solidFill>
+                <a:uFill>
+                  <a:solidFill>
+                    <a:schemeClr val="tx1">
+                      <a:lumMod val="65000"/>
+                      <a:lumOff val="35000"/>
+                    </a:schemeClr>
+                  </a:solidFill>
+                </a:uFill>
+                <a:latin typeface="+mn-lt"/>
+                <a:ea typeface="+mn-ea"/>
+                <a:cs typeface="+mn-cs"/>
+              </a:defRPr>
+            </a:pPr>
+          </a:p>
+        </c:txPr>
+      </c:legendEntry>
+      <c:legendEntry>
+        <c:idx val="1"/>
+        <c:txPr>
+          <a:bodyPr rot="0" spcFirstLastPara="0" vertOverflow="ellipsis" vert="horz" wrap="square" anchor="ctr" anchorCtr="1"/>
+          <a:lstStyle/>
+          <a:p>
+            <a:pPr>
+              <a:defRPr lang="zh-CN" sz="1200" b="1" i="0" u="none" strike="noStrike" kern="1200" cap="none" spc="0" normalizeH="0" baseline="0">
+                <a:solidFill>
+                  <a:schemeClr val="tx1">
+                    <a:lumMod val="65000"/>
+                    <a:lumOff val="35000"/>
+                  </a:schemeClr>
+                </a:solidFill>
+                <a:uFill>
+                  <a:solidFill>
+                    <a:schemeClr val="tx1">
+                      <a:lumMod val="65000"/>
+                      <a:lumOff val="35000"/>
+                    </a:schemeClr>
+                  </a:solidFill>
+                </a:uFill>
+                <a:latin typeface="+mn-lt"/>
+                <a:ea typeface="+mn-ea"/>
+                <a:cs typeface="+mn-cs"/>
+              </a:defRPr>
+            </a:pPr>
+          </a:p>
+        </c:txPr>
+      </c:legendEntry>
+      <c:layout>
+        <c:manualLayout>
+          <c:xMode val="edge"/>
+          <c:yMode val="edge"/>
+          <c:x val="0.158147549899831"/>
+          <c:y val="0.158227953444268"/>
+        </c:manualLayout>
+      </c:layout>
       <c:overlay val="0"/>
       <c:spPr>
         <a:noFill/>
@@ -7171,6 +7446,2358 @@
 </p:sld>
 </file>
 
+<file path=ppt/slides/slide10.xml><?xml version="1.0" encoding="utf-8"?>
+<p:sld xmlns:a="http://schemas.openxmlformats.org/drawingml/2006/main" xmlns:r="http://schemas.openxmlformats.org/officeDocument/2006/relationships" xmlns:p="http://schemas.openxmlformats.org/presentationml/2006/main">
+  <p:cSld>
+    <p:spTree>
+      <p:nvGrpSpPr>
+        <p:cNvPr id="1" name=""/>
+        <p:cNvGrpSpPr/>
+        <p:nvPr/>
+      </p:nvGrpSpPr>
+      <p:grpSpPr/>
+      <p:sp>
+        <p:nvSpPr>
+          <p:cNvPr id="2" name="标题 1"/>
+          <p:cNvSpPr>
+            <a:spLocks noGrp="1"/>
+          </p:cNvSpPr>
+          <p:nvPr>
+            <p:ph type="title"/>
+          </p:nvPr>
+        </p:nvSpPr>
+        <p:spPr/>
+        <p:txBody>
+          <a:bodyPr/>
+          <a:p>
+            <a:r>
+              <a:rPr lang="en-US" altLang="zh-CN">
+                <a:sym typeface="+mn-ea"/>
+              </a:rPr>
+              <a:t>OSS</a:t>
+            </a:r>
+            <a:r>
+              <a:rPr lang="zh-CN" altLang="en-US">
+                <a:sym typeface="+mn-ea"/>
+              </a:rPr>
+              <a:t>读写吞吐量</a:t>
+            </a:r>
+            <a:endParaRPr lang="en-US" altLang="zh-CN"/>
+          </a:p>
+        </p:txBody>
+      </p:sp>
+      <p:sp>
+        <p:nvSpPr>
+          <p:cNvPr id="3" name="内容占位符 2"/>
+          <p:cNvSpPr>
+            <a:spLocks noGrp="1"/>
+          </p:cNvSpPr>
+          <p:nvPr>
+            <p:ph idx="1"/>
+          </p:nvPr>
+        </p:nvSpPr>
+        <p:spPr>
+          <a:xfrm>
+            <a:off x="838200" y="1380227"/>
+            <a:ext cx="10515600" cy="4796737"/>
+          </a:xfrm>
+        </p:spPr>
+        <p:txBody>
+          <a:bodyPr/>
+          <a:p>
+            <a:r>
+              <a:rPr lang="en-US" altLang="zh-CN"/>
+              <a:t>  </a:t>
+            </a:r>
+            <a:r>
+              <a:rPr lang="zh-CN" altLang="en-US"/>
+              <a:t>实验结果</a:t>
+            </a:r>
+            <a:endParaRPr lang="zh-CN" altLang="en-US"/>
+          </a:p>
+          <a:p>
+            <a:pPr lvl="1"/>
+            <a:r>
+              <a:rPr lang="en-US" altLang="zh-CN"/>
+              <a:t> </a:t>
+            </a:r>
+            <a:r>
+              <a:rPr lang="zh-CN" altLang="en-US"/>
+              <a:t>与现有工作的</a:t>
+            </a:r>
+            <a:r>
+              <a:rPr lang="zh-CN" altLang="en-US"/>
+              <a:t>实验结果对比</a:t>
+            </a:r>
+            <a:endParaRPr lang="zh-CN" altLang="en-US"/>
+          </a:p>
+        </p:txBody>
+      </p:sp>
+    </p:spTree>
+  </p:cSld>
+  <p:clrMapOvr>
+    <a:masterClrMapping/>
+  </p:clrMapOvr>
+</p:sld>
+</file>
+
+<file path=ppt/slides/slide11.xml><?xml version="1.0" encoding="utf-8"?>
+<p:sld xmlns:a="http://schemas.openxmlformats.org/drawingml/2006/main" xmlns:r="http://schemas.openxmlformats.org/officeDocument/2006/relationships" xmlns:p="http://schemas.openxmlformats.org/presentationml/2006/main">
+  <p:cSld>
+    <p:spTree>
+      <p:nvGrpSpPr>
+        <p:cNvPr id="1" name=""/>
+        <p:cNvGrpSpPr/>
+        <p:nvPr/>
+      </p:nvGrpSpPr>
+      <p:grpSpPr/>
+      <p:sp>
+        <p:nvSpPr>
+          <p:cNvPr id="2" name="标题 1"/>
+          <p:cNvSpPr>
+            <a:spLocks noGrp="1"/>
+          </p:cNvSpPr>
+          <p:nvPr>
+            <p:ph type="title"/>
+          </p:nvPr>
+        </p:nvSpPr>
+        <p:spPr/>
+        <p:txBody>
+          <a:bodyPr/>
+          <a:p>
+            <a:r>
+              <a:rPr lang="en-US" altLang="zh-CN">
+                <a:sym typeface="+mn-ea"/>
+              </a:rPr>
+              <a:t>Wordcount runtime breakdown</a:t>
+            </a:r>
+            <a:endParaRPr lang="en-US" altLang="zh-CN"/>
+          </a:p>
+        </p:txBody>
+      </p:sp>
+      <p:sp>
+        <p:nvSpPr>
+          <p:cNvPr id="3" name="内容占位符 2"/>
+          <p:cNvSpPr>
+            <a:spLocks noGrp="1"/>
+          </p:cNvSpPr>
+          <p:nvPr>
+            <p:ph idx="1"/>
+          </p:nvPr>
+        </p:nvSpPr>
+        <p:spPr>
+          <a:xfrm>
+            <a:off x="838200" y="1380227"/>
+            <a:ext cx="10515600" cy="4796737"/>
+          </a:xfrm>
+        </p:spPr>
+        <p:txBody>
+          <a:bodyPr/>
+          <a:p>
+            <a:r>
+              <a:rPr lang="en-US" altLang="zh-CN"/>
+              <a:t> WordCount workflow</a:t>
+            </a:r>
+            <a:endParaRPr lang="zh-CN" altLang="en-US"/>
+          </a:p>
+          <a:p>
+            <a:pPr marL="457200" lvl="1" indent="0">
+              <a:buNone/>
+            </a:pPr>
+            <a:endParaRPr lang="zh-CN" altLang="en-US"/>
+          </a:p>
+        </p:txBody>
+      </p:sp>
+      <p:sp>
+        <p:nvSpPr>
+          <p:cNvPr id="5" name="文本框 4"/>
+          <p:cNvSpPr txBox="1"/>
+          <p:nvPr/>
+        </p:nvSpPr>
+        <p:spPr>
+          <a:xfrm>
+            <a:off x="734060" y="3944620"/>
+            <a:ext cx="1730375" cy="922020"/>
+          </a:xfrm>
+          <a:prstGeom prst="rect">
+            <a:avLst/>
+          </a:prstGeom>
+          <a:solidFill>
+            <a:schemeClr val="bg2">
+              <a:lumMod val="90000"/>
+            </a:schemeClr>
+          </a:solidFill>
+        </p:spPr>
+        <p:txBody>
+          <a:bodyPr wrap="square" rtlCol="0">
+            <a:spAutoFit/>
+          </a:bodyPr>
+          <a:p>
+            <a:r>
+              <a:rPr lang="en-US" altLang="zh-CN"/>
+              <a:t>Deer Bear R</a:t>
+            </a:r>
+            <a:r>
+              <a:rPr lang="en-US" altLang="zh-CN"/>
+              <a:t>iver</a:t>
+            </a:r>
+            <a:endParaRPr lang="en-US" altLang="zh-CN"/>
+          </a:p>
+          <a:p>
+            <a:r>
+              <a:rPr lang="en-US" altLang="zh-CN"/>
+              <a:t>Car Car R</a:t>
+            </a:r>
+            <a:r>
+              <a:rPr lang="en-US" altLang="zh-CN"/>
+              <a:t>iver</a:t>
+            </a:r>
+            <a:endParaRPr lang="en-US" altLang="zh-CN"/>
+          </a:p>
+          <a:p>
+            <a:r>
+              <a:rPr lang="en-US" altLang="zh-CN"/>
+              <a:t>Deer Car B</a:t>
+            </a:r>
+            <a:r>
+              <a:rPr lang="en-US" altLang="zh-CN"/>
+              <a:t>ear</a:t>
+            </a:r>
+            <a:endParaRPr lang="en-US" altLang="zh-CN"/>
+          </a:p>
+        </p:txBody>
+      </p:sp>
+      <p:sp>
+        <p:nvSpPr>
+          <p:cNvPr id="6" name="文本框 5"/>
+          <p:cNvSpPr txBox="1"/>
+          <p:nvPr/>
+        </p:nvSpPr>
+        <p:spPr>
+          <a:xfrm>
+            <a:off x="1188720" y="2266950"/>
+            <a:ext cx="821690" cy="398780"/>
+          </a:xfrm>
+          <a:prstGeom prst="rect">
+            <a:avLst/>
+          </a:prstGeom>
+          <a:noFill/>
+        </p:spPr>
+        <p:txBody>
+          <a:bodyPr wrap="square" rtlCol="0">
+            <a:spAutoFit/>
+          </a:bodyPr>
+          <a:p>
+            <a:r>
+              <a:rPr lang="en-US" altLang="zh-CN" sz="2000" b="1"/>
+              <a:t>Input</a:t>
+            </a:r>
+            <a:endParaRPr lang="en-US" altLang="zh-CN" sz="2000" b="1"/>
+          </a:p>
+        </p:txBody>
+      </p:sp>
+      <p:sp>
+        <p:nvSpPr>
+          <p:cNvPr id="7" name="文本框 6"/>
+          <p:cNvSpPr txBox="1"/>
+          <p:nvPr/>
+        </p:nvSpPr>
+        <p:spPr>
+          <a:xfrm>
+            <a:off x="3199130" y="2266950"/>
+            <a:ext cx="1196340" cy="398780"/>
+          </a:xfrm>
+          <a:prstGeom prst="rect">
+            <a:avLst/>
+          </a:prstGeom>
+          <a:noFill/>
+        </p:spPr>
+        <p:txBody>
+          <a:bodyPr wrap="square" rtlCol="0">
+            <a:spAutoFit/>
+          </a:bodyPr>
+          <a:p>
+            <a:r>
+              <a:rPr lang="en-US" altLang="zh-CN" sz="2000" b="1"/>
+              <a:t>Split</a:t>
+            </a:r>
+            <a:r>
+              <a:rPr lang="en-US" altLang="zh-CN" sz="2000" b="1"/>
+              <a:t>ting</a:t>
+            </a:r>
+            <a:endParaRPr lang="en-US" altLang="zh-CN" sz="2000" b="1"/>
+          </a:p>
+        </p:txBody>
+      </p:sp>
+      <p:sp>
+        <p:nvSpPr>
+          <p:cNvPr id="8" name="文本框 7"/>
+          <p:cNvSpPr txBox="1"/>
+          <p:nvPr/>
+        </p:nvSpPr>
+        <p:spPr>
+          <a:xfrm>
+            <a:off x="2936875" y="3188970"/>
+            <a:ext cx="1730375" cy="368300"/>
+          </a:xfrm>
+          <a:prstGeom prst="rect">
+            <a:avLst/>
+          </a:prstGeom>
+          <a:solidFill>
+            <a:schemeClr val="bg2">
+              <a:lumMod val="90000"/>
+            </a:schemeClr>
+          </a:solidFill>
+        </p:spPr>
+        <p:txBody>
+          <a:bodyPr wrap="square" rtlCol="0">
+            <a:spAutoFit/>
+          </a:bodyPr>
+          <a:p>
+            <a:r>
+              <a:rPr lang="en-US" altLang="zh-CN"/>
+              <a:t>Deer Bear R</a:t>
+            </a:r>
+            <a:r>
+              <a:rPr lang="en-US" altLang="zh-CN"/>
+              <a:t>iver</a:t>
+            </a:r>
+            <a:endParaRPr lang="en-US" altLang="zh-CN"/>
+          </a:p>
+        </p:txBody>
+      </p:sp>
+      <p:sp>
+        <p:nvSpPr>
+          <p:cNvPr id="9" name="文本框 8"/>
+          <p:cNvSpPr txBox="1"/>
+          <p:nvPr/>
+        </p:nvSpPr>
+        <p:spPr>
+          <a:xfrm>
+            <a:off x="2936240" y="4221480"/>
+            <a:ext cx="1730375" cy="368300"/>
+          </a:xfrm>
+          <a:prstGeom prst="rect">
+            <a:avLst/>
+          </a:prstGeom>
+          <a:solidFill>
+            <a:schemeClr val="bg2">
+              <a:lumMod val="90000"/>
+            </a:schemeClr>
+          </a:solidFill>
+        </p:spPr>
+        <p:txBody>
+          <a:bodyPr wrap="square" rtlCol="0">
+            <a:spAutoFit/>
+          </a:bodyPr>
+          <a:p>
+            <a:r>
+              <a:rPr lang="en-US" altLang="zh-CN"/>
+              <a:t>Car Car R</a:t>
+            </a:r>
+            <a:r>
+              <a:rPr lang="en-US" altLang="zh-CN"/>
+              <a:t>iver</a:t>
+            </a:r>
+            <a:endParaRPr lang="en-US" altLang="zh-CN"/>
+          </a:p>
+        </p:txBody>
+      </p:sp>
+      <p:sp>
+        <p:nvSpPr>
+          <p:cNvPr id="10" name="文本框 9"/>
+          <p:cNvSpPr txBox="1"/>
+          <p:nvPr/>
+        </p:nvSpPr>
+        <p:spPr>
+          <a:xfrm>
+            <a:off x="2936240" y="5209540"/>
+            <a:ext cx="1730375" cy="368300"/>
+          </a:xfrm>
+          <a:prstGeom prst="rect">
+            <a:avLst/>
+          </a:prstGeom>
+          <a:solidFill>
+            <a:schemeClr val="bg2">
+              <a:lumMod val="90000"/>
+            </a:schemeClr>
+          </a:solidFill>
+        </p:spPr>
+        <p:txBody>
+          <a:bodyPr wrap="square" rtlCol="0">
+            <a:spAutoFit/>
+          </a:bodyPr>
+          <a:p>
+            <a:r>
+              <a:rPr lang="en-US" altLang="zh-CN"/>
+              <a:t>Deer Car B</a:t>
+            </a:r>
+            <a:r>
+              <a:rPr lang="en-US" altLang="zh-CN"/>
+              <a:t>ear</a:t>
+            </a:r>
+            <a:endParaRPr lang="en-US" altLang="zh-CN"/>
+          </a:p>
+        </p:txBody>
+      </p:sp>
+      <p:cxnSp>
+        <p:nvCxnSpPr>
+          <p:cNvPr id="11" name="直接箭头连接符 10"/>
+          <p:cNvCxnSpPr>
+            <a:stCxn id="5" idx="3"/>
+            <a:endCxn id="8" idx="1"/>
+          </p:cNvCxnSpPr>
+          <p:nvPr/>
+        </p:nvCxnSpPr>
+        <p:spPr>
+          <a:xfrm flipV="1">
+            <a:off x="2464435" y="3373120"/>
+            <a:ext cx="472440" cy="1032510"/>
+          </a:xfrm>
+          <a:prstGeom prst="straightConnector1">
+            <a:avLst/>
+          </a:prstGeom>
+          <a:ln w="19050">
+            <a:solidFill>
+              <a:schemeClr val="tx1"/>
+            </a:solidFill>
+            <a:headEnd type="none" w="med" len="med"/>
+            <a:tailEnd type="triangle" w="lg" len="lg"/>
+          </a:ln>
+        </p:spPr>
+        <p:style>
+          <a:lnRef idx="1">
+            <a:schemeClr val="accent1"/>
+          </a:lnRef>
+          <a:fillRef idx="0">
+            <a:schemeClr val="accent1"/>
+          </a:fillRef>
+          <a:effectRef idx="0">
+            <a:schemeClr val="accent1"/>
+          </a:effectRef>
+          <a:fontRef idx="minor">
+            <a:schemeClr val="tx1"/>
+          </a:fontRef>
+        </p:style>
+      </p:cxnSp>
+      <p:cxnSp>
+        <p:nvCxnSpPr>
+          <p:cNvPr id="12" name="直接箭头连接符 11"/>
+          <p:cNvCxnSpPr>
+            <a:stCxn id="5" idx="3"/>
+            <a:endCxn id="9" idx="1"/>
+          </p:cNvCxnSpPr>
+          <p:nvPr/>
+        </p:nvCxnSpPr>
+        <p:spPr>
+          <a:xfrm>
+            <a:off x="2464435" y="4405630"/>
+            <a:ext cx="471805" cy="0"/>
+          </a:xfrm>
+          <a:prstGeom prst="straightConnector1">
+            <a:avLst/>
+          </a:prstGeom>
+          <a:ln w="19050">
+            <a:solidFill>
+              <a:schemeClr val="tx1"/>
+            </a:solidFill>
+            <a:headEnd type="none" w="med" len="med"/>
+            <a:tailEnd type="triangle" w="lg" len="lg"/>
+          </a:ln>
+        </p:spPr>
+        <p:style>
+          <a:lnRef idx="1">
+            <a:schemeClr val="accent1"/>
+          </a:lnRef>
+          <a:fillRef idx="0">
+            <a:schemeClr val="accent1"/>
+          </a:fillRef>
+          <a:effectRef idx="0">
+            <a:schemeClr val="accent1"/>
+          </a:effectRef>
+          <a:fontRef idx="minor">
+            <a:schemeClr val="tx1"/>
+          </a:fontRef>
+        </p:style>
+      </p:cxnSp>
+      <p:cxnSp>
+        <p:nvCxnSpPr>
+          <p:cNvPr id="13" name="直接箭头连接符 12"/>
+          <p:cNvCxnSpPr>
+            <a:stCxn id="5" idx="3"/>
+            <a:endCxn id="10" idx="1"/>
+          </p:cNvCxnSpPr>
+          <p:nvPr/>
+        </p:nvCxnSpPr>
+        <p:spPr>
+          <a:xfrm>
+            <a:off x="2464435" y="4405630"/>
+            <a:ext cx="471805" cy="988060"/>
+          </a:xfrm>
+          <a:prstGeom prst="straightConnector1">
+            <a:avLst/>
+          </a:prstGeom>
+          <a:ln w="19050">
+            <a:solidFill>
+              <a:schemeClr val="tx1"/>
+            </a:solidFill>
+            <a:headEnd type="none" w="med" len="med"/>
+            <a:tailEnd type="triangle" w="lg" len="lg"/>
+          </a:ln>
+        </p:spPr>
+        <p:style>
+          <a:lnRef idx="1">
+            <a:schemeClr val="accent1"/>
+          </a:lnRef>
+          <a:fillRef idx="0">
+            <a:schemeClr val="accent1"/>
+          </a:fillRef>
+          <a:effectRef idx="0">
+            <a:schemeClr val="accent1"/>
+          </a:effectRef>
+          <a:fontRef idx="minor">
+            <a:schemeClr val="tx1"/>
+          </a:fontRef>
+        </p:style>
+      </p:cxnSp>
+      <p:sp>
+        <p:nvSpPr>
+          <p:cNvPr id="14" name="文本框 13"/>
+          <p:cNvSpPr txBox="1"/>
+          <p:nvPr/>
+        </p:nvSpPr>
+        <p:spPr>
+          <a:xfrm>
+            <a:off x="5236210" y="2266950"/>
+            <a:ext cx="1276350" cy="398780"/>
+          </a:xfrm>
+          <a:prstGeom prst="rect">
+            <a:avLst/>
+          </a:prstGeom>
+          <a:noFill/>
+        </p:spPr>
+        <p:txBody>
+          <a:bodyPr wrap="square" rtlCol="0">
+            <a:spAutoFit/>
+          </a:bodyPr>
+          <a:p>
+            <a:r>
+              <a:rPr lang="en-US" altLang="zh-CN" sz="2000" b="1"/>
+              <a:t>M</a:t>
+            </a:r>
+            <a:r>
+              <a:rPr lang="en-US" altLang="zh-CN" sz="2000" b="1"/>
+              <a:t>apping</a:t>
+            </a:r>
+            <a:endParaRPr lang="en-US" altLang="zh-CN" sz="2000" b="1"/>
+          </a:p>
+        </p:txBody>
+      </p:sp>
+      <p:sp>
+        <p:nvSpPr>
+          <p:cNvPr id="15" name="文本框 14"/>
+          <p:cNvSpPr txBox="1"/>
+          <p:nvPr/>
+        </p:nvSpPr>
+        <p:spPr>
+          <a:xfrm>
+            <a:off x="5317490" y="2912110"/>
+            <a:ext cx="1113155" cy="922020"/>
+          </a:xfrm>
+          <a:prstGeom prst="rect">
+            <a:avLst/>
+          </a:prstGeom>
+          <a:solidFill>
+            <a:schemeClr val="bg2">
+              <a:lumMod val="90000"/>
+            </a:schemeClr>
+          </a:solidFill>
+        </p:spPr>
+        <p:txBody>
+          <a:bodyPr wrap="square" rtlCol="0">
+            <a:spAutoFit/>
+          </a:bodyPr>
+          <a:p>
+            <a:r>
+              <a:rPr lang="en-US" altLang="zh-CN"/>
+              <a:t>Deer</a:t>
+            </a:r>
+            <a:r>
+              <a:rPr lang="zh-CN" altLang="en-US"/>
+              <a:t>，</a:t>
+            </a:r>
+            <a:r>
+              <a:rPr lang="en-US" altLang="zh-CN"/>
+              <a:t>1 </a:t>
+            </a:r>
+            <a:endParaRPr lang="en-US" altLang="zh-CN"/>
+          </a:p>
+          <a:p>
+            <a:r>
+              <a:rPr lang="en-US" altLang="zh-CN"/>
+              <a:t>Bear </a:t>
+            </a:r>
+            <a:r>
+              <a:rPr lang="zh-CN" altLang="en-US"/>
+              <a:t>，</a:t>
+            </a:r>
+            <a:r>
+              <a:rPr lang="en-US" altLang="zh-CN"/>
+              <a:t>1</a:t>
+            </a:r>
+            <a:endParaRPr lang="en-US" altLang="zh-CN"/>
+          </a:p>
+          <a:p>
+            <a:r>
+              <a:rPr lang="en-US" altLang="zh-CN"/>
+              <a:t>River</a:t>
+            </a:r>
+            <a:r>
+              <a:rPr lang="zh-CN" altLang="en-US"/>
+              <a:t>，</a:t>
+            </a:r>
+            <a:r>
+              <a:rPr lang="en-US" altLang="zh-CN"/>
+              <a:t>1</a:t>
+            </a:r>
+            <a:endParaRPr lang="en-US" altLang="zh-CN"/>
+          </a:p>
+        </p:txBody>
+      </p:sp>
+      <p:sp>
+        <p:nvSpPr>
+          <p:cNvPr id="16" name="文本框 15"/>
+          <p:cNvSpPr txBox="1"/>
+          <p:nvPr/>
+        </p:nvSpPr>
+        <p:spPr>
+          <a:xfrm>
+            <a:off x="5317490" y="4080510"/>
+            <a:ext cx="1113155" cy="645160"/>
+          </a:xfrm>
+          <a:prstGeom prst="rect">
+            <a:avLst/>
+          </a:prstGeom>
+          <a:solidFill>
+            <a:schemeClr val="bg2">
+              <a:lumMod val="90000"/>
+            </a:schemeClr>
+          </a:solidFill>
+        </p:spPr>
+        <p:txBody>
+          <a:bodyPr wrap="square" rtlCol="0">
+            <a:spAutoFit/>
+          </a:bodyPr>
+          <a:p>
+            <a:r>
+              <a:rPr lang="en-US" altLang="zh-CN"/>
+              <a:t>Car</a:t>
+            </a:r>
+            <a:r>
+              <a:rPr lang="zh-CN" altLang="en-US"/>
+              <a:t>，</a:t>
+            </a:r>
+            <a:r>
+              <a:rPr lang="en-US" altLang="zh-CN"/>
+              <a:t>2</a:t>
+            </a:r>
+            <a:endParaRPr lang="en-US" altLang="zh-CN"/>
+          </a:p>
+          <a:p>
+            <a:r>
+              <a:rPr lang="en-US" altLang="zh-CN"/>
+              <a:t>River</a:t>
+            </a:r>
+            <a:r>
+              <a:rPr lang="zh-CN" altLang="en-US"/>
+              <a:t>，</a:t>
+            </a:r>
+            <a:r>
+              <a:rPr lang="en-US" altLang="zh-CN"/>
+              <a:t>1</a:t>
+            </a:r>
+            <a:endParaRPr lang="en-US" altLang="zh-CN"/>
+          </a:p>
+        </p:txBody>
+      </p:sp>
+      <p:sp>
+        <p:nvSpPr>
+          <p:cNvPr id="17" name="文本框 16"/>
+          <p:cNvSpPr txBox="1"/>
+          <p:nvPr/>
+        </p:nvSpPr>
+        <p:spPr>
+          <a:xfrm>
+            <a:off x="5317490" y="4933315"/>
+            <a:ext cx="1113155" cy="922020"/>
+          </a:xfrm>
+          <a:prstGeom prst="rect">
+            <a:avLst/>
+          </a:prstGeom>
+          <a:solidFill>
+            <a:schemeClr val="bg2">
+              <a:lumMod val="90000"/>
+            </a:schemeClr>
+          </a:solidFill>
+        </p:spPr>
+        <p:txBody>
+          <a:bodyPr wrap="square" rtlCol="0">
+            <a:spAutoFit/>
+          </a:bodyPr>
+          <a:p>
+            <a:r>
+              <a:rPr lang="en-US" altLang="zh-CN"/>
+              <a:t>Deer</a:t>
+            </a:r>
+            <a:r>
+              <a:rPr lang="zh-CN" altLang="en-US"/>
+              <a:t>，</a:t>
+            </a:r>
+            <a:r>
+              <a:rPr lang="en-US" altLang="zh-CN"/>
+              <a:t>1</a:t>
+            </a:r>
+            <a:endParaRPr lang="en-US" altLang="zh-CN"/>
+          </a:p>
+          <a:p>
+            <a:r>
+              <a:rPr lang="en-US" altLang="zh-CN"/>
+              <a:t>Car</a:t>
+            </a:r>
+            <a:r>
+              <a:rPr lang="zh-CN" altLang="en-US"/>
+              <a:t>，</a:t>
+            </a:r>
+            <a:r>
+              <a:rPr lang="en-US" altLang="zh-CN"/>
+              <a:t>1 </a:t>
+            </a:r>
+            <a:endParaRPr lang="en-US" altLang="zh-CN"/>
+          </a:p>
+          <a:p>
+            <a:r>
+              <a:rPr lang="en-US" altLang="zh-CN"/>
+              <a:t>Bear</a:t>
+            </a:r>
+            <a:r>
+              <a:rPr lang="zh-CN" altLang="en-US"/>
+              <a:t>，</a:t>
+            </a:r>
+            <a:r>
+              <a:rPr lang="en-US" altLang="zh-CN"/>
+              <a:t>1</a:t>
+            </a:r>
+            <a:endParaRPr lang="en-US" altLang="zh-CN"/>
+          </a:p>
+        </p:txBody>
+      </p:sp>
+      <p:cxnSp>
+        <p:nvCxnSpPr>
+          <p:cNvPr id="18" name="直接箭头连接符 17"/>
+          <p:cNvCxnSpPr>
+            <a:stCxn id="8" idx="3"/>
+            <a:endCxn id="15" idx="1"/>
+          </p:cNvCxnSpPr>
+          <p:nvPr/>
+        </p:nvCxnSpPr>
+        <p:spPr>
+          <a:xfrm>
+            <a:off x="4667250" y="3373120"/>
+            <a:ext cx="650240" cy="0"/>
+          </a:xfrm>
+          <a:prstGeom prst="straightConnector1">
+            <a:avLst/>
+          </a:prstGeom>
+          <a:ln w="19050">
+            <a:solidFill>
+              <a:schemeClr val="tx1"/>
+            </a:solidFill>
+            <a:headEnd type="none" w="med" len="med"/>
+            <a:tailEnd type="triangle" w="lg" len="lg"/>
+          </a:ln>
+        </p:spPr>
+        <p:style>
+          <a:lnRef idx="1">
+            <a:schemeClr val="accent1"/>
+          </a:lnRef>
+          <a:fillRef idx="0">
+            <a:schemeClr val="accent1"/>
+          </a:fillRef>
+          <a:effectRef idx="0">
+            <a:schemeClr val="accent1"/>
+          </a:effectRef>
+          <a:fontRef idx="minor">
+            <a:schemeClr val="tx1"/>
+          </a:fontRef>
+        </p:style>
+      </p:cxnSp>
+      <p:cxnSp>
+        <p:nvCxnSpPr>
+          <p:cNvPr id="19" name="直接箭头连接符 18"/>
+          <p:cNvCxnSpPr>
+            <a:stCxn id="9" idx="3"/>
+            <a:endCxn id="16" idx="1"/>
+          </p:cNvCxnSpPr>
+          <p:nvPr/>
+        </p:nvCxnSpPr>
+        <p:spPr>
+          <a:xfrm flipV="1">
+            <a:off x="4666615" y="4403090"/>
+            <a:ext cx="650875" cy="2540"/>
+          </a:xfrm>
+          <a:prstGeom prst="straightConnector1">
+            <a:avLst/>
+          </a:prstGeom>
+          <a:ln w="19050">
+            <a:solidFill>
+              <a:schemeClr val="tx1"/>
+            </a:solidFill>
+            <a:headEnd type="none" w="med" len="med"/>
+            <a:tailEnd type="triangle" w="lg" len="lg"/>
+          </a:ln>
+        </p:spPr>
+        <p:style>
+          <a:lnRef idx="1">
+            <a:schemeClr val="accent1"/>
+          </a:lnRef>
+          <a:fillRef idx="0">
+            <a:schemeClr val="accent1"/>
+          </a:fillRef>
+          <a:effectRef idx="0">
+            <a:schemeClr val="accent1"/>
+          </a:effectRef>
+          <a:fontRef idx="minor">
+            <a:schemeClr val="tx1"/>
+          </a:fontRef>
+        </p:style>
+      </p:cxnSp>
+      <p:cxnSp>
+        <p:nvCxnSpPr>
+          <p:cNvPr id="20" name="直接箭头连接符 19"/>
+          <p:cNvCxnSpPr>
+            <a:stCxn id="10" idx="3"/>
+            <a:endCxn id="17" idx="1"/>
+          </p:cNvCxnSpPr>
+          <p:nvPr/>
+        </p:nvCxnSpPr>
+        <p:spPr>
+          <a:xfrm>
+            <a:off x="4666615" y="5393690"/>
+            <a:ext cx="650875" cy="635"/>
+          </a:xfrm>
+          <a:prstGeom prst="straightConnector1">
+            <a:avLst/>
+          </a:prstGeom>
+          <a:ln w="19050">
+            <a:solidFill>
+              <a:schemeClr val="tx1"/>
+            </a:solidFill>
+            <a:headEnd type="none" w="med" len="med"/>
+            <a:tailEnd type="triangle" w="lg" len="lg"/>
+          </a:ln>
+        </p:spPr>
+        <p:style>
+          <a:lnRef idx="1">
+            <a:schemeClr val="accent1"/>
+          </a:lnRef>
+          <a:fillRef idx="0">
+            <a:schemeClr val="accent1"/>
+          </a:fillRef>
+          <a:effectRef idx="0">
+            <a:schemeClr val="accent1"/>
+          </a:effectRef>
+          <a:fontRef idx="minor">
+            <a:schemeClr val="tx1"/>
+          </a:fontRef>
+        </p:style>
+      </p:cxnSp>
+      <p:sp>
+        <p:nvSpPr>
+          <p:cNvPr id="21" name="文本框 20"/>
+          <p:cNvSpPr txBox="1"/>
+          <p:nvPr/>
+        </p:nvSpPr>
+        <p:spPr>
+          <a:xfrm>
+            <a:off x="7687945" y="2266950"/>
+            <a:ext cx="1276350" cy="398780"/>
+          </a:xfrm>
+          <a:prstGeom prst="rect">
+            <a:avLst/>
+          </a:prstGeom>
+          <a:noFill/>
+        </p:spPr>
+        <p:txBody>
+          <a:bodyPr wrap="square" rtlCol="0">
+            <a:spAutoFit/>
+          </a:bodyPr>
+          <a:p>
+            <a:r>
+              <a:rPr lang="en-US" altLang="zh-CN" sz="2000" b="1"/>
+              <a:t>Reducing</a:t>
+            </a:r>
+            <a:endParaRPr lang="en-US" altLang="zh-CN" sz="2000" b="1"/>
+          </a:p>
+        </p:txBody>
+      </p:sp>
+      <p:sp>
+        <p:nvSpPr>
+          <p:cNvPr id="22" name="文本框 21"/>
+          <p:cNvSpPr txBox="1"/>
+          <p:nvPr/>
+        </p:nvSpPr>
+        <p:spPr>
+          <a:xfrm>
+            <a:off x="7769860" y="3227705"/>
+            <a:ext cx="1113155" cy="368300"/>
+          </a:xfrm>
+          <a:prstGeom prst="rect">
+            <a:avLst/>
+          </a:prstGeom>
+          <a:solidFill>
+            <a:schemeClr val="bg2">
+              <a:lumMod val="90000"/>
+            </a:schemeClr>
+          </a:solidFill>
+        </p:spPr>
+        <p:txBody>
+          <a:bodyPr wrap="square" rtlCol="0">
+            <a:spAutoFit/>
+          </a:bodyPr>
+          <a:p>
+            <a:r>
+              <a:rPr lang="en-US" altLang="zh-CN"/>
+              <a:t>Bear </a:t>
+            </a:r>
+            <a:r>
+              <a:rPr lang="zh-CN" altLang="en-US"/>
+              <a:t>，</a:t>
+            </a:r>
+            <a:r>
+              <a:rPr lang="en-US" altLang="zh-CN"/>
+              <a:t>2</a:t>
+            </a:r>
+            <a:endParaRPr lang="en-US" altLang="zh-CN"/>
+          </a:p>
+        </p:txBody>
+      </p:sp>
+      <p:sp>
+        <p:nvSpPr>
+          <p:cNvPr id="23" name="文本框 22"/>
+          <p:cNvSpPr txBox="1"/>
+          <p:nvPr/>
+        </p:nvSpPr>
+        <p:spPr>
+          <a:xfrm>
+            <a:off x="7769225" y="4080510"/>
+            <a:ext cx="1113155" cy="645160"/>
+          </a:xfrm>
+          <a:prstGeom prst="rect">
+            <a:avLst/>
+          </a:prstGeom>
+          <a:solidFill>
+            <a:schemeClr val="bg2">
+              <a:lumMod val="90000"/>
+            </a:schemeClr>
+          </a:solidFill>
+        </p:spPr>
+        <p:txBody>
+          <a:bodyPr wrap="square" rtlCol="0">
+            <a:spAutoFit/>
+          </a:bodyPr>
+          <a:p>
+            <a:r>
+              <a:rPr lang="en-US" altLang="zh-CN"/>
+              <a:t>Car</a:t>
+            </a:r>
+            <a:r>
+              <a:rPr lang="zh-CN" altLang="en-US"/>
+              <a:t>，</a:t>
+            </a:r>
+            <a:r>
+              <a:rPr lang="en-US" altLang="zh-CN"/>
+              <a:t>3</a:t>
+            </a:r>
+            <a:endParaRPr lang="en-US" altLang="zh-CN"/>
+          </a:p>
+          <a:p>
+            <a:r>
+              <a:rPr lang="en-US" altLang="zh-CN">
+                <a:sym typeface="+mn-ea"/>
+              </a:rPr>
+              <a:t>Deer</a:t>
+            </a:r>
+            <a:r>
+              <a:rPr lang="zh-CN" altLang="en-US"/>
+              <a:t>，</a:t>
+            </a:r>
+            <a:r>
+              <a:rPr lang="en-US" altLang="zh-CN"/>
+              <a:t>2</a:t>
+            </a:r>
+            <a:endParaRPr lang="en-US" altLang="zh-CN"/>
+          </a:p>
+        </p:txBody>
+      </p:sp>
+      <p:sp>
+        <p:nvSpPr>
+          <p:cNvPr id="24" name="文本框 23"/>
+          <p:cNvSpPr txBox="1"/>
+          <p:nvPr/>
+        </p:nvSpPr>
+        <p:spPr>
+          <a:xfrm>
+            <a:off x="7769860" y="5210175"/>
+            <a:ext cx="1113155" cy="368300"/>
+          </a:xfrm>
+          <a:prstGeom prst="rect">
+            <a:avLst/>
+          </a:prstGeom>
+          <a:solidFill>
+            <a:schemeClr val="bg2">
+              <a:lumMod val="90000"/>
+            </a:schemeClr>
+          </a:solidFill>
+        </p:spPr>
+        <p:txBody>
+          <a:bodyPr wrap="square" rtlCol="0">
+            <a:spAutoFit/>
+          </a:bodyPr>
+          <a:p>
+            <a:r>
+              <a:rPr lang="en-US" altLang="zh-CN">
+                <a:sym typeface="+mn-ea"/>
+              </a:rPr>
+              <a:t>River</a:t>
+            </a:r>
+            <a:r>
+              <a:rPr lang="zh-CN" altLang="en-US"/>
+              <a:t>，</a:t>
+            </a:r>
+            <a:r>
+              <a:rPr lang="en-US" altLang="zh-CN"/>
+              <a:t>2</a:t>
+            </a:r>
+            <a:endParaRPr lang="en-US" altLang="zh-CN"/>
+          </a:p>
+        </p:txBody>
+      </p:sp>
+      <p:cxnSp>
+        <p:nvCxnSpPr>
+          <p:cNvPr id="25" name="直接箭头连接符 24"/>
+          <p:cNvCxnSpPr>
+            <a:endCxn id="23" idx="1"/>
+          </p:cNvCxnSpPr>
+          <p:nvPr/>
+        </p:nvCxnSpPr>
+        <p:spPr>
+          <a:xfrm>
+            <a:off x="6429375" y="3098800"/>
+            <a:ext cx="1339850" cy="1304290"/>
+          </a:xfrm>
+          <a:prstGeom prst="straightConnector1">
+            <a:avLst/>
+          </a:prstGeom>
+          <a:ln w="19050">
+            <a:solidFill>
+              <a:schemeClr val="tx1"/>
+            </a:solidFill>
+            <a:headEnd type="none" w="med" len="med"/>
+            <a:tailEnd type="triangle" w="lg" len="lg"/>
+          </a:ln>
+        </p:spPr>
+        <p:style>
+          <a:lnRef idx="1">
+            <a:schemeClr val="accent1"/>
+          </a:lnRef>
+          <a:fillRef idx="0">
+            <a:schemeClr val="accent1"/>
+          </a:fillRef>
+          <a:effectRef idx="0">
+            <a:schemeClr val="accent1"/>
+          </a:effectRef>
+          <a:fontRef idx="minor">
+            <a:schemeClr val="tx1"/>
+          </a:fontRef>
+        </p:style>
+      </p:cxnSp>
+      <p:cxnSp>
+        <p:nvCxnSpPr>
+          <p:cNvPr id="26" name="直接箭头连接符 25"/>
+          <p:cNvCxnSpPr>
+            <a:endCxn id="23" idx="1"/>
+          </p:cNvCxnSpPr>
+          <p:nvPr/>
+        </p:nvCxnSpPr>
+        <p:spPr>
+          <a:xfrm flipV="1">
+            <a:off x="6429375" y="4403090"/>
+            <a:ext cx="1339850" cy="663575"/>
+          </a:xfrm>
+          <a:prstGeom prst="straightConnector1">
+            <a:avLst/>
+          </a:prstGeom>
+          <a:ln w="19050">
+            <a:solidFill>
+              <a:schemeClr val="tx1"/>
+            </a:solidFill>
+            <a:headEnd type="none" w="med" len="med"/>
+            <a:tailEnd type="triangle" w="lg" len="lg"/>
+          </a:ln>
+        </p:spPr>
+        <p:style>
+          <a:lnRef idx="1">
+            <a:schemeClr val="accent1"/>
+          </a:lnRef>
+          <a:fillRef idx="0">
+            <a:schemeClr val="accent1"/>
+          </a:fillRef>
+          <a:effectRef idx="0">
+            <a:schemeClr val="accent1"/>
+          </a:effectRef>
+          <a:fontRef idx="minor">
+            <a:schemeClr val="tx1"/>
+          </a:fontRef>
+        </p:style>
+      </p:cxnSp>
+      <p:cxnSp>
+        <p:nvCxnSpPr>
+          <p:cNvPr id="27" name="直接箭头连接符 26"/>
+          <p:cNvCxnSpPr>
+            <a:stCxn id="15" idx="3"/>
+            <a:endCxn id="22" idx="1"/>
+          </p:cNvCxnSpPr>
+          <p:nvPr/>
+        </p:nvCxnSpPr>
+        <p:spPr>
+          <a:xfrm>
+            <a:off x="6430645" y="3373120"/>
+            <a:ext cx="1339215" cy="38735"/>
+          </a:xfrm>
+          <a:prstGeom prst="straightConnector1">
+            <a:avLst/>
+          </a:prstGeom>
+          <a:ln w="19050">
+            <a:solidFill>
+              <a:schemeClr val="tx1"/>
+            </a:solidFill>
+            <a:headEnd type="none" w="med" len="med"/>
+            <a:tailEnd type="triangle" w="lg" len="lg"/>
+          </a:ln>
+        </p:spPr>
+        <p:style>
+          <a:lnRef idx="1">
+            <a:schemeClr val="accent1"/>
+          </a:lnRef>
+          <a:fillRef idx="0">
+            <a:schemeClr val="accent1"/>
+          </a:fillRef>
+          <a:effectRef idx="0">
+            <a:schemeClr val="accent1"/>
+          </a:effectRef>
+          <a:fontRef idx="minor">
+            <a:schemeClr val="tx1"/>
+          </a:fontRef>
+        </p:style>
+      </p:cxnSp>
+      <p:cxnSp>
+        <p:nvCxnSpPr>
+          <p:cNvPr id="28" name="直接箭头连接符 27"/>
+          <p:cNvCxnSpPr>
+            <a:endCxn id="24" idx="1"/>
+          </p:cNvCxnSpPr>
+          <p:nvPr/>
+        </p:nvCxnSpPr>
+        <p:spPr>
+          <a:xfrm>
+            <a:off x="6439535" y="3666490"/>
+            <a:ext cx="1330325" cy="1727835"/>
+          </a:xfrm>
+          <a:prstGeom prst="straightConnector1">
+            <a:avLst/>
+          </a:prstGeom>
+          <a:ln w="19050">
+            <a:solidFill>
+              <a:schemeClr val="tx1"/>
+            </a:solidFill>
+            <a:headEnd type="none" w="med" len="med"/>
+            <a:tailEnd type="triangle" w="lg" len="lg"/>
+          </a:ln>
+        </p:spPr>
+        <p:style>
+          <a:lnRef idx="1">
+            <a:schemeClr val="accent1"/>
+          </a:lnRef>
+          <a:fillRef idx="0">
+            <a:schemeClr val="accent1"/>
+          </a:fillRef>
+          <a:effectRef idx="0">
+            <a:schemeClr val="accent1"/>
+          </a:effectRef>
+          <a:fontRef idx="minor">
+            <a:schemeClr val="tx1"/>
+          </a:fontRef>
+        </p:style>
+      </p:cxnSp>
+      <p:cxnSp>
+        <p:nvCxnSpPr>
+          <p:cNvPr id="29" name="直接箭头连接符 28"/>
+          <p:cNvCxnSpPr>
+            <a:endCxn id="23" idx="1"/>
+          </p:cNvCxnSpPr>
+          <p:nvPr/>
+        </p:nvCxnSpPr>
+        <p:spPr>
+          <a:xfrm>
+            <a:off x="6419215" y="4224655"/>
+            <a:ext cx="1350010" cy="178435"/>
+          </a:xfrm>
+          <a:prstGeom prst="straightConnector1">
+            <a:avLst/>
+          </a:prstGeom>
+          <a:ln w="19050">
+            <a:solidFill>
+              <a:schemeClr val="tx1"/>
+            </a:solidFill>
+            <a:headEnd type="none" w="med" len="med"/>
+            <a:tailEnd type="triangle" w="lg" len="lg"/>
+          </a:ln>
+        </p:spPr>
+        <p:style>
+          <a:lnRef idx="1">
+            <a:schemeClr val="accent1"/>
+          </a:lnRef>
+          <a:fillRef idx="0">
+            <a:schemeClr val="accent1"/>
+          </a:fillRef>
+          <a:effectRef idx="0">
+            <a:schemeClr val="accent1"/>
+          </a:effectRef>
+          <a:fontRef idx="minor">
+            <a:schemeClr val="tx1"/>
+          </a:fontRef>
+        </p:style>
+      </p:cxnSp>
+      <p:cxnSp>
+        <p:nvCxnSpPr>
+          <p:cNvPr id="30" name="直接箭头连接符 29"/>
+          <p:cNvCxnSpPr/>
+          <p:nvPr/>
+        </p:nvCxnSpPr>
+        <p:spPr>
+          <a:xfrm>
+            <a:off x="6429375" y="4549140"/>
+            <a:ext cx="1339215" cy="811530"/>
+          </a:xfrm>
+          <a:prstGeom prst="straightConnector1">
+            <a:avLst/>
+          </a:prstGeom>
+          <a:ln w="19050">
+            <a:solidFill>
+              <a:schemeClr val="tx1"/>
+            </a:solidFill>
+            <a:headEnd type="none" w="med" len="med"/>
+            <a:tailEnd type="triangle" w="lg" len="lg"/>
+          </a:ln>
+        </p:spPr>
+        <p:style>
+          <a:lnRef idx="1">
+            <a:schemeClr val="accent1"/>
+          </a:lnRef>
+          <a:fillRef idx="0">
+            <a:schemeClr val="accent1"/>
+          </a:fillRef>
+          <a:effectRef idx="0">
+            <a:schemeClr val="accent1"/>
+          </a:effectRef>
+          <a:fontRef idx="minor">
+            <a:schemeClr val="tx1"/>
+          </a:fontRef>
+        </p:style>
+      </p:cxnSp>
+      <p:cxnSp>
+        <p:nvCxnSpPr>
+          <p:cNvPr id="31" name="直接箭头连接符 30"/>
+          <p:cNvCxnSpPr>
+            <a:stCxn id="17" idx="3"/>
+            <a:endCxn id="23" idx="1"/>
+          </p:cNvCxnSpPr>
+          <p:nvPr/>
+        </p:nvCxnSpPr>
+        <p:spPr>
+          <a:xfrm flipV="1">
+            <a:off x="6430645" y="4403090"/>
+            <a:ext cx="1338580" cy="991235"/>
+          </a:xfrm>
+          <a:prstGeom prst="straightConnector1">
+            <a:avLst/>
+          </a:prstGeom>
+          <a:ln w="19050">
+            <a:solidFill>
+              <a:schemeClr val="tx1"/>
+            </a:solidFill>
+            <a:headEnd type="none" w="med" len="med"/>
+            <a:tailEnd type="triangle" w="lg" len="lg"/>
+          </a:ln>
+        </p:spPr>
+        <p:style>
+          <a:lnRef idx="1">
+            <a:schemeClr val="accent1"/>
+          </a:lnRef>
+          <a:fillRef idx="0">
+            <a:schemeClr val="accent1"/>
+          </a:fillRef>
+          <a:effectRef idx="0">
+            <a:schemeClr val="accent1"/>
+          </a:effectRef>
+          <a:fontRef idx="minor">
+            <a:schemeClr val="tx1"/>
+          </a:fontRef>
+        </p:style>
+      </p:cxnSp>
+      <p:cxnSp>
+        <p:nvCxnSpPr>
+          <p:cNvPr id="32" name="直接箭头连接符 31"/>
+          <p:cNvCxnSpPr>
+            <a:endCxn id="22" idx="1"/>
+          </p:cNvCxnSpPr>
+          <p:nvPr/>
+        </p:nvCxnSpPr>
+        <p:spPr>
+          <a:xfrm flipV="1">
+            <a:off x="6429375" y="3411855"/>
+            <a:ext cx="1340485" cy="2232660"/>
+          </a:xfrm>
+          <a:prstGeom prst="straightConnector1">
+            <a:avLst/>
+          </a:prstGeom>
+          <a:ln w="19050">
+            <a:solidFill>
+              <a:schemeClr val="tx1"/>
+            </a:solidFill>
+            <a:headEnd type="none" w="med" len="med"/>
+            <a:tailEnd type="triangle" w="lg" len="lg"/>
+          </a:ln>
+        </p:spPr>
+        <p:style>
+          <a:lnRef idx="1">
+            <a:schemeClr val="accent1"/>
+          </a:lnRef>
+          <a:fillRef idx="0">
+            <a:schemeClr val="accent1"/>
+          </a:fillRef>
+          <a:effectRef idx="0">
+            <a:schemeClr val="accent1"/>
+          </a:effectRef>
+          <a:fontRef idx="minor">
+            <a:schemeClr val="tx1"/>
+          </a:fontRef>
+        </p:style>
+      </p:cxnSp>
+      <p:cxnSp>
+        <p:nvCxnSpPr>
+          <p:cNvPr id="33" name="直接箭头连接符 32"/>
+          <p:cNvCxnSpPr>
+            <a:stCxn id="22" idx="3"/>
+            <a:endCxn id="34" idx="1"/>
+          </p:cNvCxnSpPr>
+          <p:nvPr/>
+        </p:nvCxnSpPr>
+        <p:spPr>
+          <a:xfrm>
+            <a:off x="8883015" y="3411855"/>
+            <a:ext cx="1160780" cy="991870"/>
+          </a:xfrm>
+          <a:prstGeom prst="straightConnector1">
+            <a:avLst/>
+          </a:prstGeom>
+          <a:ln w="19050">
+            <a:solidFill>
+              <a:schemeClr val="tx1"/>
+            </a:solidFill>
+            <a:headEnd type="none" w="med" len="med"/>
+            <a:tailEnd type="triangle" w="lg" len="lg"/>
+          </a:ln>
+        </p:spPr>
+        <p:style>
+          <a:lnRef idx="1">
+            <a:schemeClr val="accent1"/>
+          </a:lnRef>
+          <a:fillRef idx="0">
+            <a:schemeClr val="accent1"/>
+          </a:fillRef>
+          <a:effectRef idx="0">
+            <a:schemeClr val="accent1"/>
+          </a:effectRef>
+          <a:fontRef idx="minor">
+            <a:schemeClr val="tx1"/>
+          </a:fontRef>
+        </p:style>
+      </p:cxnSp>
+      <p:sp>
+        <p:nvSpPr>
+          <p:cNvPr id="34" name="文本框 33"/>
+          <p:cNvSpPr txBox="1"/>
+          <p:nvPr/>
+        </p:nvSpPr>
+        <p:spPr>
+          <a:xfrm>
+            <a:off x="10043795" y="3804285"/>
+            <a:ext cx="1172845" cy="1198880"/>
+          </a:xfrm>
+          <a:prstGeom prst="rect">
+            <a:avLst/>
+          </a:prstGeom>
+          <a:solidFill>
+            <a:schemeClr val="bg2">
+              <a:lumMod val="90000"/>
+            </a:schemeClr>
+          </a:solidFill>
+        </p:spPr>
+        <p:txBody>
+          <a:bodyPr wrap="square" rtlCol="0">
+            <a:spAutoFit/>
+          </a:bodyPr>
+          <a:p>
+            <a:r>
+              <a:rPr lang="en-US" altLang="zh-CN"/>
+              <a:t>Bear</a:t>
+            </a:r>
+            <a:r>
+              <a:rPr lang="zh-CN" altLang="en-US"/>
+              <a:t>，</a:t>
+            </a:r>
+            <a:r>
+              <a:rPr lang="en-US" altLang="zh-CN"/>
+              <a:t>2</a:t>
+            </a:r>
+            <a:endParaRPr lang="en-US" altLang="zh-CN"/>
+          </a:p>
+          <a:p>
+            <a:r>
+              <a:rPr lang="en-US" altLang="zh-CN"/>
+              <a:t>Car</a:t>
+            </a:r>
+            <a:r>
+              <a:rPr lang="zh-CN" altLang="en-US"/>
+              <a:t>，</a:t>
+            </a:r>
+            <a:r>
+              <a:rPr lang="en-US" altLang="zh-CN"/>
+              <a:t>3</a:t>
+            </a:r>
+            <a:endParaRPr lang="en-US" altLang="zh-CN"/>
+          </a:p>
+          <a:p>
+            <a:r>
+              <a:rPr lang="en-US" altLang="zh-CN"/>
+              <a:t>Deer</a:t>
+            </a:r>
+            <a:r>
+              <a:rPr lang="zh-CN" altLang="en-US"/>
+              <a:t>，</a:t>
+            </a:r>
+            <a:r>
+              <a:rPr lang="en-US" altLang="zh-CN"/>
+              <a:t>2</a:t>
+            </a:r>
+            <a:endParaRPr lang="en-US" altLang="zh-CN"/>
+          </a:p>
+          <a:p>
+            <a:r>
+              <a:rPr lang="en-US" altLang="zh-CN"/>
+              <a:t>River</a:t>
+            </a:r>
+            <a:r>
+              <a:rPr lang="zh-CN" altLang="en-US"/>
+              <a:t>，</a:t>
+            </a:r>
+            <a:r>
+              <a:rPr lang="en-US" altLang="zh-CN"/>
+              <a:t>2</a:t>
+            </a:r>
+            <a:endParaRPr lang="en-US" altLang="zh-CN"/>
+          </a:p>
+        </p:txBody>
+      </p:sp>
+      <p:sp>
+        <p:nvSpPr>
+          <p:cNvPr id="35" name="文本框 34"/>
+          <p:cNvSpPr txBox="1"/>
+          <p:nvPr/>
+        </p:nvSpPr>
+        <p:spPr>
+          <a:xfrm>
+            <a:off x="10087610" y="2266950"/>
+            <a:ext cx="1085215" cy="398780"/>
+          </a:xfrm>
+          <a:prstGeom prst="rect">
+            <a:avLst/>
+          </a:prstGeom>
+          <a:noFill/>
+        </p:spPr>
+        <p:txBody>
+          <a:bodyPr wrap="square" rtlCol="0">
+            <a:spAutoFit/>
+          </a:bodyPr>
+          <a:p>
+            <a:r>
+              <a:rPr lang="en-US" altLang="zh-CN" sz="2000" b="1"/>
+              <a:t>Output</a:t>
+            </a:r>
+            <a:endParaRPr lang="en-US" altLang="zh-CN" sz="2000" b="1"/>
+          </a:p>
+        </p:txBody>
+      </p:sp>
+      <p:cxnSp>
+        <p:nvCxnSpPr>
+          <p:cNvPr id="36" name="直接箭头连接符 35"/>
+          <p:cNvCxnSpPr>
+            <a:stCxn id="23" idx="3"/>
+            <a:endCxn id="34" idx="1"/>
+          </p:cNvCxnSpPr>
+          <p:nvPr/>
+        </p:nvCxnSpPr>
+        <p:spPr>
+          <a:xfrm>
+            <a:off x="8882380" y="4403090"/>
+            <a:ext cx="1161415" cy="635"/>
+          </a:xfrm>
+          <a:prstGeom prst="straightConnector1">
+            <a:avLst/>
+          </a:prstGeom>
+          <a:ln w="19050">
+            <a:solidFill>
+              <a:schemeClr val="tx1"/>
+            </a:solidFill>
+            <a:headEnd type="none" w="med" len="med"/>
+            <a:tailEnd type="triangle" w="lg" len="lg"/>
+          </a:ln>
+        </p:spPr>
+        <p:style>
+          <a:lnRef idx="1">
+            <a:schemeClr val="accent1"/>
+          </a:lnRef>
+          <a:fillRef idx="0">
+            <a:schemeClr val="accent1"/>
+          </a:fillRef>
+          <a:effectRef idx="0">
+            <a:schemeClr val="accent1"/>
+          </a:effectRef>
+          <a:fontRef idx="minor">
+            <a:schemeClr val="tx1"/>
+          </a:fontRef>
+        </p:style>
+      </p:cxnSp>
+      <p:cxnSp>
+        <p:nvCxnSpPr>
+          <p:cNvPr id="37" name="直接箭头连接符 36"/>
+          <p:cNvCxnSpPr>
+            <a:stCxn id="24" idx="3"/>
+            <a:endCxn id="34" idx="1"/>
+          </p:cNvCxnSpPr>
+          <p:nvPr/>
+        </p:nvCxnSpPr>
+        <p:spPr>
+          <a:xfrm flipV="1">
+            <a:off x="8883015" y="4403725"/>
+            <a:ext cx="1160780" cy="990600"/>
+          </a:xfrm>
+          <a:prstGeom prst="straightConnector1">
+            <a:avLst/>
+          </a:prstGeom>
+          <a:ln w="19050">
+            <a:solidFill>
+              <a:schemeClr val="tx1"/>
+            </a:solidFill>
+            <a:headEnd type="none" w="med" len="med"/>
+            <a:tailEnd type="triangle" w="lg" len="lg"/>
+          </a:ln>
+        </p:spPr>
+        <p:style>
+          <a:lnRef idx="1">
+            <a:schemeClr val="accent1"/>
+          </a:lnRef>
+          <a:fillRef idx="0">
+            <a:schemeClr val="accent1"/>
+          </a:fillRef>
+          <a:effectRef idx="0">
+            <a:schemeClr val="accent1"/>
+          </a:effectRef>
+          <a:fontRef idx="minor">
+            <a:schemeClr val="tx1"/>
+          </a:fontRef>
+        </p:style>
+      </p:cxnSp>
+    </p:spTree>
+  </p:cSld>
+  <p:clrMapOvr>
+    <a:masterClrMapping/>
+  </p:clrMapOvr>
+</p:sld>
+</file>
+
+<file path=ppt/slides/slide12.xml><?xml version="1.0" encoding="utf-8"?>
+<p:sld xmlns:a="http://schemas.openxmlformats.org/drawingml/2006/main" xmlns:r="http://schemas.openxmlformats.org/officeDocument/2006/relationships" xmlns:p="http://schemas.openxmlformats.org/presentationml/2006/main">
+  <p:cSld>
+    <p:spTree>
+      <p:nvGrpSpPr>
+        <p:cNvPr id="1" name=""/>
+        <p:cNvGrpSpPr/>
+        <p:nvPr/>
+      </p:nvGrpSpPr>
+      <p:grpSpPr/>
+      <p:sp>
+        <p:nvSpPr>
+          <p:cNvPr id="2" name="标题 1"/>
+          <p:cNvSpPr>
+            <a:spLocks noGrp="1"/>
+          </p:cNvSpPr>
+          <p:nvPr>
+            <p:ph type="title"/>
+          </p:nvPr>
+        </p:nvSpPr>
+        <p:spPr/>
+        <p:txBody>
+          <a:bodyPr/>
+          <a:p>
+            <a:r>
+              <a:rPr lang="en-US" altLang="zh-CN">
+                <a:sym typeface="+mn-ea"/>
+              </a:rPr>
+              <a:t>Wordcount runtime breakdown</a:t>
+            </a:r>
+            <a:endParaRPr lang="en-US" altLang="zh-CN"/>
+          </a:p>
+        </p:txBody>
+      </p:sp>
+      <p:sp>
+        <p:nvSpPr>
+          <p:cNvPr id="3" name="内容占位符 2"/>
+          <p:cNvSpPr>
+            <a:spLocks noGrp="1"/>
+          </p:cNvSpPr>
+          <p:nvPr>
+            <p:ph idx="1"/>
+          </p:nvPr>
+        </p:nvSpPr>
+        <p:spPr>
+          <a:xfrm>
+            <a:off x="838200" y="1380227"/>
+            <a:ext cx="10515600" cy="4796737"/>
+          </a:xfrm>
+        </p:spPr>
+        <p:txBody>
+          <a:bodyPr/>
+          <a:p>
+            <a:r>
+              <a:rPr lang="en-US" altLang="zh-CN"/>
+              <a:t> </a:t>
+            </a:r>
+            <a:r>
+              <a:rPr lang="zh-CN" altLang="en-US"/>
+              <a:t>实验</a:t>
+            </a:r>
+            <a:r>
+              <a:rPr lang="zh-CN" altLang="en-US"/>
+              <a:t>方案</a:t>
+            </a:r>
+            <a:endParaRPr lang="zh-CN" altLang="en-US"/>
+          </a:p>
+          <a:p>
+            <a:pPr lvl="1"/>
+            <a:r>
+              <a:rPr lang="en-US" altLang="zh-CN"/>
+              <a:t> </a:t>
+            </a:r>
+            <a:endParaRPr lang="zh-CN" altLang="en-US"/>
+          </a:p>
+        </p:txBody>
+      </p:sp>
+    </p:spTree>
+  </p:cSld>
+  <p:clrMapOvr>
+    <a:masterClrMapping/>
+  </p:clrMapOvr>
+</p:sld>
+</file>
+
+<file path=ppt/slides/slide13.xml><?xml version="1.0" encoding="utf-8"?>
+<p:sld xmlns:a="http://schemas.openxmlformats.org/drawingml/2006/main" xmlns:r="http://schemas.openxmlformats.org/officeDocument/2006/relationships" xmlns:p="http://schemas.openxmlformats.org/presentationml/2006/main">
+  <p:cSld>
+    <p:spTree>
+      <p:nvGrpSpPr>
+        <p:cNvPr id="1" name=""/>
+        <p:cNvGrpSpPr/>
+        <p:nvPr/>
+      </p:nvGrpSpPr>
+      <p:grpSpPr/>
+      <p:sp>
+        <p:nvSpPr>
+          <p:cNvPr id="2" name="标题 1"/>
+          <p:cNvSpPr>
+            <a:spLocks noGrp="1"/>
+          </p:cNvSpPr>
+          <p:nvPr>
+            <p:ph type="title"/>
+          </p:nvPr>
+        </p:nvSpPr>
+        <p:spPr/>
+        <p:txBody>
+          <a:bodyPr/>
+          <a:p>
+            <a:r>
+              <a:rPr lang="en-US" altLang="zh-CN">
+                <a:sym typeface="+mn-ea"/>
+              </a:rPr>
+              <a:t>Wordcount runtime breakdown</a:t>
+            </a:r>
+            <a:endParaRPr lang="en-US" altLang="zh-CN"/>
+          </a:p>
+        </p:txBody>
+      </p:sp>
+      <p:sp>
+        <p:nvSpPr>
+          <p:cNvPr id="3" name="内容占位符 2"/>
+          <p:cNvSpPr>
+            <a:spLocks noGrp="1"/>
+          </p:cNvSpPr>
+          <p:nvPr>
+            <p:ph idx="1"/>
+          </p:nvPr>
+        </p:nvSpPr>
+        <p:spPr>
+          <a:xfrm>
+            <a:off x="838200" y="1380227"/>
+            <a:ext cx="10515600" cy="4796737"/>
+          </a:xfrm>
+        </p:spPr>
+        <p:txBody>
+          <a:bodyPr/>
+          <a:p>
+            <a:r>
+              <a:rPr lang="en-US" altLang="zh-CN"/>
+              <a:t> </a:t>
+            </a:r>
+            <a:r>
+              <a:rPr lang="zh-CN" altLang="en-US"/>
+              <a:t>实验</a:t>
+            </a:r>
+            <a:r>
+              <a:rPr lang="zh-CN" altLang="en-US"/>
+              <a:t>结果</a:t>
+            </a:r>
+            <a:endParaRPr lang="zh-CN" altLang="en-US"/>
+          </a:p>
+          <a:p>
+            <a:pPr lvl="1"/>
+            <a:r>
+              <a:rPr lang="en-US" altLang="zh-CN"/>
+              <a:t> </a:t>
+            </a:r>
+            <a:endParaRPr lang="zh-CN" altLang="en-US"/>
+          </a:p>
+        </p:txBody>
+      </p:sp>
+      <p:graphicFrame>
+        <p:nvGraphicFramePr>
+          <p:cNvPr id="4" name="图表 3"/>
+          <p:cNvGraphicFramePr/>
+          <p:nvPr/>
+        </p:nvGraphicFramePr>
+        <p:xfrm>
+          <a:off x="3192780" y="2275205"/>
+          <a:ext cx="5807075" cy="3698240"/>
+        </p:xfrm>
+        <a:graphic>
+          <a:graphicData uri="http://schemas.openxmlformats.org/drawingml/2006/chart">
+            <c:chart xmlns:c="http://schemas.openxmlformats.org/drawingml/2006/chart" xmlns:r="http://schemas.openxmlformats.org/officeDocument/2006/relationships" r:id="rId1"/>
+          </a:graphicData>
+        </a:graphic>
+      </p:graphicFrame>
+    </p:spTree>
+  </p:cSld>
+  <p:clrMapOvr>
+    <a:masterClrMapping/>
+  </p:clrMapOvr>
+</p:sld>
+</file>
+
+<file path=ppt/slides/slide14.xml><?xml version="1.0" encoding="utf-8"?>
+<p:sld xmlns:a="http://schemas.openxmlformats.org/drawingml/2006/main" xmlns:r="http://schemas.openxmlformats.org/officeDocument/2006/relationships" xmlns:p="http://schemas.openxmlformats.org/presentationml/2006/main">
+  <p:cSld>
+    <p:spTree>
+      <p:nvGrpSpPr>
+        <p:cNvPr id="1" name=""/>
+        <p:cNvGrpSpPr/>
+        <p:nvPr/>
+      </p:nvGrpSpPr>
+      <p:grpSpPr/>
+      <p:sp>
+        <p:nvSpPr>
+          <p:cNvPr id="2" name="标题 1"/>
+          <p:cNvSpPr>
+            <a:spLocks noGrp="1"/>
+          </p:cNvSpPr>
+          <p:nvPr>
+            <p:ph type="title"/>
+          </p:nvPr>
+        </p:nvSpPr>
+        <p:spPr/>
+        <p:txBody>
+          <a:bodyPr/>
+          <a:p>
+            <a:r>
+              <a:rPr lang="zh-CN" altLang="en-US"/>
+              <a:t>下一步实验</a:t>
+            </a:r>
+            <a:endParaRPr lang="zh-CN" altLang="en-US"/>
+          </a:p>
+        </p:txBody>
+      </p:sp>
+      <p:sp>
+        <p:nvSpPr>
+          <p:cNvPr id="3" name="内容占位符 2"/>
+          <p:cNvSpPr>
+            <a:spLocks noGrp="1"/>
+          </p:cNvSpPr>
+          <p:nvPr>
+            <p:ph idx="1"/>
+          </p:nvPr>
+        </p:nvSpPr>
+        <p:spPr>
+          <a:xfrm>
+            <a:off x="838200" y="1380227"/>
+            <a:ext cx="10515600" cy="4796737"/>
+          </a:xfrm>
+        </p:spPr>
+        <p:txBody>
+          <a:bodyPr/>
+          <a:p>
+            <a:pPr lvl="0"/>
+            <a:r>
+              <a:rPr lang="en-US" altLang="zh-CN"/>
+              <a:t> </a:t>
+            </a:r>
+            <a:r>
+              <a:rPr lang="zh-CN" altLang="en-US"/>
+              <a:t>在</a:t>
+            </a:r>
+            <a:r>
+              <a:rPr lang="en-US" altLang="zh-CN"/>
+              <a:t>Wordcount</a:t>
+            </a:r>
+            <a:r>
+              <a:rPr lang="zh-CN" altLang="en-US"/>
+              <a:t>上实现</a:t>
+            </a:r>
+            <a:r>
+              <a:rPr lang="en-US" altLang="zh-CN"/>
+              <a:t>MultiStage </a:t>
+            </a:r>
+            <a:r>
+              <a:rPr lang="en-US" altLang="zh-CN"/>
+              <a:t>shuffle</a:t>
+            </a:r>
+            <a:endParaRPr lang="en-US" altLang="zh-CN"/>
+          </a:p>
+          <a:p>
+            <a:pPr lvl="0"/>
+            <a:endParaRPr lang="en-US" altLang="zh-CN"/>
+          </a:p>
+          <a:p>
+            <a:pPr lvl="0"/>
+            <a:r>
+              <a:rPr lang="en-US" altLang="zh-CN"/>
+              <a:t> </a:t>
+            </a:r>
+            <a:r>
+              <a:rPr lang="zh-CN" altLang="en-US">
+                <a:sym typeface="+mn-ea"/>
+              </a:rPr>
+              <a:t>利用</a:t>
+            </a:r>
+            <a:r>
+              <a:rPr lang="en-US" altLang="zh-CN">
+                <a:sym typeface="+mn-ea"/>
+              </a:rPr>
+              <a:t>Lithops</a:t>
+            </a:r>
+            <a:r>
+              <a:rPr lang="zh-CN" altLang="en-US">
+                <a:sym typeface="+mn-ea"/>
+              </a:rPr>
+              <a:t>实现</a:t>
+            </a:r>
+            <a:r>
+              <a:rPr lang="en-US" altLang="zh-CN">
+                <a:sym typeface="+mn-ea"/>
+              </a:rPr>
+              <a:t>Terasort</a:t>
+            </a:r>
+            <a:endParaRPr lang="en-US" altLang="zh-CN">
+              <a:sym typeface="+mn-ea"/>
+            </a:endParaRPr>
+          </a:p>
+          <a:p>
+            <a:pPr lvl="0"/>
+            <a:endParaRPr lang="en-US" altLang="zh-CN">
+              <a:sym typeface="+mn-ea"/>
+            </a:endParaRPr>
+          </a:p>
+          <a:p>
+            <a:pPr lvl="0"/>
+            <a:r>
+              <a:rPr lang="en-US" altLang="zh-CN">
+                <a:sym typeface="+mn-ea"/>
+              </a:rPr>
+              <a:t> </a:t>
+            </a:r>
+            <a:r>
+              <a:rPr lang="zh-CN" altLang="en-US">
+                <a:sym typeface="+mn-ea"/>
+              </a:rPr>
+              <a:t>测试</a:t>
+            </a:r>
+            <a:r>
+              <a:rPr lang="en-US" altLang="zh-CN">
+                <a:sym typeface="+mn-ea"/>
+              </a:rPr>
+              <a:t>Terasort</a:t>
+            </a:r>
+            <a:r>
+              <a:rPr lang="zh-CN" altLang="en-US">
+                <a:sym typeface="+mn-ea"/>
+              </a:rPr>
+              <a:t>运行时间的</a:t>
+            </a:r>
+            <a:r>
+              <a:rPr lang="en-US" altLang="zh-CN">
+                <a:sym typeface="+mn-ea"/>
+              </a:rPr>
+              <a:t>breakdown</a:t>
+            </a:r>
+            <a:endParaRPr lang="en-US" altLang="zh-CN">
+              <a:sym typeface="+mn-ea"/>
+            </a:endParaRPr>
+          </a:p>
+          <a:p>
+            <a:pPr marL="0" lvl="0" indent="0">
+              <a:buNone/>
+            </a:pPr>
+            <a:endParaRPr lang="zh-CN" altLang="en-US"/>
+          </a:p>
+          <a:p>
+            <a:pPr lvl="0"/>
+            <a:endParaRPr lang="en-US" altLang="zh-CN"/>
+          </a:p>
+        </p:txBody>
+      </p:sp>
+    </p:spTree>
+  </p:cSld>
+  <p:clrMapOvr>
+    <a:masterClrMapping/>
+  </p:clrMapOvr>
+</p:sld>
+</file>
+
+<file path=ppt/slides/slide15.xml><?xml version="1.0" encoding="utf-8"?>
+<p:sld xmlns:a="http://schemas.openxmlformats.org/drawingml/2006/main" xmlns:r="http://schemas.openxmlformats.org/officeDocument/2006/relationships" xmlns:p="http://schemas.openxmlformats.org/presentationml/2006/main">
+  <p:cSld>
+    <p:spTree>
+      <p:nvGrpSpPr>
+        <p:cNvPr id="1" name=""/>
+        <p:cNvGrpSpPr/>
+        <p:nvPr/>
+      </p:nvGrpSpPr>
+      <p:grpSpPr/>
+      <p:sp>
+        <p:nvSpPr>
+          <p:cNvPr id="2" name="标题 1"/>
+          <p:cNvSpPr>
+            <a:spLocks noGrp="1"/>
+          </p:cNvSpPr>
+          <p:nvPr>
+            <p:ph type="title"/>
+          </p:nvPr>
+        </p:nvSpPr>
+        <p:spPr/>
+        <p:txBody>
+          <a:bodyPr/>
+          <a:p>
+            <a:r>
+              <a:rPr lang="zh-CN" altLang="en-US"/>
+              <a:t>毕设提纲</a:t>
+            </a:r>
+            <a:endParaRPr lang="zh-CN" altLang="en-US"/>
+          </a:p>
+        </p:txBody>
+      </p:sp>
+      <p:sp>
+        <p:nvSpPr>
+          <p:cNvPr id="3" name="内容占位符 2"/>
+          <p:cNvSpPr>
+            <a:spLocks noGrp="1"/>
+          </p:cNvSpPr>
+          <p:nvPr>
+            <p:ph idx="1"/>
+          </p:nvPr>
+        </p:nvSpPr>
+        <p:spPr>
+          <a:xfrm>
+            <a:off x="838200" y="1380227"/>
+            <a:ext cx="10515600" cy="4796737"/>
+          </a:xfrm>
+        </p:spPr>
+        <p:txBody>
+          <a:bodyPr/>
+          <a:p>
+            <a:pPr lvl="0"/>
+            <a:r>
+              <a:rPr lang="en-US" altLang="zh-CN"/>
+              <a:t> </a:t>
+            </a:r>
+            <a:r>
+              <a:rPr lang="zh-CN" altLang="en-US"/>
+              <a:t>在</a:t>
+            </a:r>
+            <a:r>
+              <a:rPr lang="en-US" altLang="zh-CN"/>
+              <a:t>Wordcount</a:t>
+            </a:r>
+            <a:r>
+              <a:rPr lang="zh-CN" altLang="en-US"/>
+              <a:t>上实现</a:t>
+            </a:r>
+            <a:r>
+              <a:rPr lang="en-US" altLang="zh-CN"/>
+              <a:t>Multistage </a:t>
+            </a:r>
+            <a:r>
+              <a:rPr lang="en-US" altLang="zh-CN"/>
+              <a:t>shuffle</a:t>
+            </a:r>
+            <a:endParaRPr lang="en-US" altLang="zh-CN"/>
+          </a:p>
+          <a:p>
+            <a:pPr lvl="0"/>
+            <a:endParaRPr lang="en-US" altLang="zh-CN"/>
+          </a:p>
+          <a:p>
+            <a:pPr lvl="0"/>
+            <a:r>
+              <a:rPr lang="en-US" altLang="zh-CN"/>
+              <a:t> </a:t>
+            </a:r>
+            <a:r>
+              <a:rPr lang="zh-CN" altLang="en-US">
+                <a:sym typeface="+mn-ea"/>
+              </a:rPr>
+              <a:t>利用</a:t>
+            </a:r>
+            <a:r>
+              <a:rPr lang="en-US" altLang="zh-CN">
+                <a:sym typeface="+mn-ea"/>
+              </a:rPr>
+              <a:t>Lithops</a:t>
+            </a:r>
+            <a:r>
+              <a:rPr lang="zh-CN" altLang="en-US">
+                <a:sym typeface="+mn-ea"/>
+              </a:rPr>
+              <a:t>实现</a:t>
+            </a:r>
+            <a:r>
+              <a:rPr lang="en-US" altLang="zh-CN">
+                <a:sym typeface="+mn-ea"/>
+              </a:rPr>
+              <a:t>Terasort</a:t>
+            </a:r>
+            <a:endParaRPr lang="en-US" altLang="zh-CN">
+              <a:sym typeface="+mn-ea"/>
+            </a:endParaRPr>
+          </a:p>
+          <a:p>
+            <a:pPr lvl="0"/>
+            <a:endParaRPr lang="en-US" altLang="zh-CN">
+              <a:sym typeface="+mn-ea"/>
+            </a:endParaRPr>
+          </a:p>
+          <a:p>
+            <a:pPr lvl="0"/>
+            <a:r>
+              <a:rPr lang="en-US" altLang="zh-CN">
+                <a:sym typeface="+mn-ea"/>
+              </a:rPr>
+              <a:t> </a:t>
+            </a:r>
+            <a:r>
+              <a:rPr lang="zh-CN" altLang="en-US">
+                <a:sym typeface="+mn-ea"/>
+              </a:rPr>
+              <a:t>测试</a:t>
+            </a:r>
+            <a:r>
+              <a:rPr lang="en-US" altLang="zh-CN">
+                <a:sym typeface="+mn-ea"/>
+              </a:rPr>
+              <a:t>Terasort</a:t>
+            </a:r>
+            <a:r>
+              <a:rPr lang="zh-CN" altLang="en-US">
+                <a:sym typeface="+mn-ea"/>
+              </a:rPr>
+              <a:t>运行时间的</a:t>
+            </a:r>
+            <a:r>
+              <a:rPr lang="en-US" altLang="zh-CN">
+                <a:sym typeface="+mn-ea"/>
+              </a:rPr>
+              <a:t>breakdown</a:t>
+            </a:r>
+            <a:endParaRPr lang="en-US" altLang="zh-CN">
+              <a:sym typeface="+mn-ea"/>
+            </a:endParaRPr>
+          </a:p>
+          <a:p>
+            <a:pPr marL="0" lvl="0" indent="0">
+              <a:buNone/>
+            </a:pPr>
+            <a:endParaRPr lang="zh-CN" altLang="en-US"/>
+          </a:p>
+          <a:p>
+            <a:pPr lvl="0"/>
+            <a:endParaRPr lang="en-US" altLang="zh-CN"/>
+          </a:p>
+        </p:txBody>
+      </p:sp>
+    </p:spTree>
+  </p:cSld>
+  <p:clrMapOvr>
+    <a:masterClrMapping/>
+  </p:clrMapOvr>
+</p:sld>
+</file>
+
+<file path=ppt/slides/slide16.xml><?xml version="1.0" encoding="utf-8"?>
+<p:sld xmlns:a="http://schemas.openxmlformats.org/drawingml/2006/main" xmlns:r="http://schemas.openxmlformats.org/officeDocument/2006/relationships" xmlns:p="http://schemas.openxmlformats.org/presentationml/2006/main">
+  <p:cSld>
+    <p:spTree>
+      <p:nvGrpSpPr>
+        <p:cNvPr id="1" name=""/>
+        <p:cNvGrpSpPr/>
+        <p:nvPr/>
+      </p:nvGrpSpPr>
+      <p:grpSpPr/>
+      <p:sp>
+        <p:nvSpPr>
+          <p:cNvPr id="2" name="标题 1"/>
+          <p:cNvSpPr>
+            <a:spLocks noGrp="1"/>
+          </p:cNvSpPr>
+          <p:nvPr>
+            <p:ph type="title"/>
+          </p:nvPr>
+        </p:nvSpPr>
+        <p:spPr/>
+        <p:txBody>
+          <a:bodyPr/>
+          <a:p>
+            <a:r>
+              <a:rPr lang="en-US" altLang="zh-CN"/>
+              <a:t>Reference</a:t>
+            </a:r>
+            <a:endParaRPr lang="en-US" altLang="zh-CN"/>
+          </a:p>
+        </p:txBody>
+      </p:sp>
+      <p:sp>
+        <p:nvSpPr>
+          <p:cNvPr id="24" name="文本框 23"/>
+          <p:cNvSpPr txBox="1"/>
+          <p:nvPr/>
+        </p:nvSpPr>
+        <p:spPr>
+          <a:xfrm>
+            <a:off x="838200" y="1380490"/>
+            <a:ext cx="11238865" cy="2553335"/>
+          </a:xfrm>
+          <a:prstGeom prst="rect">
+            <a:avLst/>
+          </a:prstGeom>
+          <a:noFill/>
+        </p:spPr>
+        <p:txBody>
+          <a:bodyPr wrap="square" rtlCol="0">
+            <a:spAutoFit/>
+          </a:bodyPr>
+          <a:p>
+            <a:pPr>
+              <a:lnSpc>
+                <a:spcPct val="200000"/>
+              </a:lnSpc>
+            </a:pPr>
+            <a:r>
+              <a:rPr lang="zh-CN" altLang="en-US" sz="2000">
+                <a:solidFill>
+                  <a:schemeClr val="bg2">
+                    <a:lumMod val="50000"/>
+                  </a:schemeClr>
+                </a:solidFill>
+                <a:sym typeface="+mn-ea"/>
+              </a:rPr>
+              <a:t>[1] </a:t>
+            </a:r>
+            <a:r>
+              <a:rPr lang="en-US" altLang="zh-CN" sz="2000">
+                <a:solidFill>
+                  <a:schemeClr val="bg2">
+                    <a:lumMod val="50000"/>
+                  </a:schemeClr>
+                </a:solidFill>
+                <a:sym typeface="+mn-ea"/>
+              </a:rPr>
+              <a:t>Pywren: Occupy the Cloud: Distributed Computing for the 99%  SoCC’17</a:t>
+            </a:r>
+            <a:endParaRPr lang="en-US" altLang="zh-CN" sz="2000">
+              <a:solidFill>
+                <a:schemeClr val="bg2">
+                  <a:lumMod val="50000"/>
+                </a:schemeClr>
+              </a:solidFill>
+            </a:endParaRPr>
+          </a:p>
+          <a:p>
+            <a:pPr>
+              <a:lnSpc>
+                <a:spcPct val="200000"/>
+              </a:lnSpc>
+            </a:pPr>
+            <a:r>
+              <a:rPr lang="en-US" altLang="zh-CN" sz="2000">
+                <a:solidFill>
+                  <a:schemeClr val="bg2">
+                    <a:lumMod val="50000"/>
+                  </a:schemeClr>
+                </a:solidFill>
+                <a:sym typeface="+mn-ea"/>
+              </a:rPr>
+              <a:t>[2] </a:t>
+            </a:r>
+            <a:r>
+              <a:rPr lang="zh-CN" altLang="en-US" sz="2000">
+                <a:solidFill>
+                  <a:schemeClr val="bg2">
+                    <a:lumMod val="50000"/>
+                  </a:schemeClr>
+                </a:solidFill>
+                <a:sym typeface="+mn-ea"/>
+              </a:rPr>
+              <a:t>Lithops: Serverless Data Analytics in the IBM Cloud</a:t>
+            </a:r>
+            <a:r>
+              <a:rPr lang="en-US" altLang="zh-CN" sz="2000">
+                <a:solidFill>
+                  <a:schemeClr val="bg2">
+                    <a:lumMod val="50000"/>
+                  </a:schemeClr>
+                </a:solidFill>
+                <a:sym typeface="+mn-ea"/>
+              </a:rPr>
+              <a:t>  Middleware’18</a:t>
+            </a:r>
+            <a:endParaRPr lang="en-US" altLang="zh-CN" sz="2000">
+              <a:solidFill>
+                <a:schemeClr val="bg2">
+                  <a:lumMod val="50000"/>
+                </a:schemeClr>
+              </a:solidFill>
+            </a:endParaRPr>
+          </a:p>
+          <a:p>
+            <a:pPr>
+              <a:lnSpc>
+                <a:spcPct val="200000"/>
+              </a:lnSpc>
+            </a:pPr>
+            <a:r>
+              <a:rPr lang="en-US" altLang="zh-CN" sz="2000">
+                <a:solidFill>
+                  <a:schemeClr val="bg2">
+                    <a:lumMod val="50000"/>
+                  </a:schemeClr>
+                </a:solidFill>
+                <a:sym typeface="+mn-ea"/>
+              </a:rPr>
+              <a:t>[3] Locus: Shuffling, Fast and Slow: Scalable Analytics on Serverless Infrastructure  NSDI’19</a:t>
+            </a:r>
+            <a:endParaRPr lang="en-US" altLang="zh-CN" sz="2000">
+              <a:solidFill>
+                <a:schemeClr val="bg2">
+                  <a:lumMod val="50000"/>
+                </a:schemeClr>
+              </a:solidFill>
+              <a:sym typeface="+mn-ea"/>
+            </a:endParaRPr>
+          </a:p>
+          <a:p>
+            <a:pPr>
+              <a:lnSpc>
+                <a:spcPct val="200000"/>
+              </a:lnSpc>
+            </a:pPr>
+            <a:r>
+              <a:rPr lang="en-US" altLang="zh-CN" sz="2000">
+                <a:solidFill>
+                  <a:schemeClr val="bg2">
+                    <a:lumMod val="50000"/>
+                  </a:schemeClr>
+                </a:solidFill>
+                <a:sym typeface="+mn-ea"/>
+              </a:rPr>
+              <a:t>[4]</a:t>
+            </a:r>
+            <a:r>
+              <a:rPr lang="en-US" altLang="zh-CN" sz="2000">
+                <a:solidFill>
+                  <a:schemeClr val="bg2">
+                    <a:lumMod val="75000"/>
+                  </a:schemeClr>
+                </a:solidFill>
+                <a:sym typeface="+mn-ea"/>
+              </a:rPr>
+              <a:t> </a:t>
+            </a:r>
+            <a:r>
+              <a:rPr lang="en-US" altLang="zh-CN" sz="2000">
+                <a:solidFill>
+                  <a:schemeClr val="bg2">
+                    <a:lumMod val="50000"/>
+                  </a:schemeClr>
+                </a:solidFill>
+                <a:sym typeface="+mn-ea"/>
+              </a:rPr>
+              <a:t>Caerus: NIMBLE Task Scheduling for Serverless Analytics  NSDI’21</a:t>
+            </a:r>
+            <a:endParaRPr lang="en-US" altLang="zh-CN" sz="2000">
+              <a:solidFill>
+                <a:schemeClr val="bg2">
+                  <a:lumMod val="50000"/>
+                </a:schemeClr>
+              </a:solidFill>
+              <a:sym typeface="+mn-ea"/>
+            </a:endParaRPr>
+          </a:p>
+        </p:txBody>
+      </p:sp>
+    </p:spTree>
+  </p:cSld>
+  <p:clrMapOvr>
+    <a:masterClrMapping/>
+  </p:clrMapOvr>
+</p:sld>
+</file>
+
 <file path=ppt/slides/slide2.xml><?xml version="1.0" encoding="utf-8"?>
 <p:sld xmlns:a="http://schemas.openxmlformats.org/drawingml/2006/main" xmlns:r="http://schemas.openxmlformats.org/officeDocument/2006/relationships" xmlns:p="http://schemas.openxmlformats.org/presentationml/2006/main">
   <p:cSld>
@@ -7196,8 +9823,16 @@
           <a:bodyPr/>
           <a:p>
             <a:r>
-              <a:rPr lang="en-US" altLang="zh-CN"/>
-              <a:t>Evaluation</a:t>
+              <a:rPr lang="en-US" altLang="zh-CN">
+                <a:sym typeface="+mn-ea"/>
+              </a:rPr>
+              <a:t> </a:t>
+            </a:r>
+            <a:r>
+              <a:rPr lang="zh-CN" altLang="en-US">
+                <a:sym typeface="+mn-ea"/>
+              </a:rPr>
+              <a:t>实验环境</a:t>
             </a:r>
             <a:endParaRPr lang="en-US" altLang="zh-CN"/>
           </a:p>
@@ -7217,18 +9852,7 @@
         <p:txBody>
           <a:bodyPr/>
           <a:p>
-            <a:r>
-              <a:rPr lang="en-US" altLang="zh-CN"/>
-              <a:t> </a:t>
-            </a:r>
-            <a:r>
-              <a:rPr lang="zh-CN" altLang="en-US"/>
-              <a:t>实验环境</a:t>
-            </a:r>
-            <a:endParaRPr lang="zh-CN" altLang="en-US"/>
-          </a:p>
-          <a:p>
-            <a:pPr lvl="1"/>
+            <a:pPr lvl="0"/>
             <a:r>
               <a:rPr lang="en-US" altLang="zh-CN"/>
               <a:t> Client</a:t>
@@ -7244,7 +9868,7 @@
             <a:endParaRPr lang="zh-CN" altLang="en-US"/>
           </a:p>
           <a:p>
-            <a:pPr lvl="1"/>
+            <a:pPr lvl="0"/>
             <a:r>
               <a:rPr lang="en-US" altLang="zh-CN"/>
               <a:t> Cloud</a:t>
@@ -7256,7 +9880,7 @@
             <a:endParaRPr lang="zh-CN" altLang="en-US"/>
           </a:p>
           <a:p>
-            <a:pPr lvl="2"/>
+            <a:pPr lvl="1"/>
             <a:r>
               <a:rPr lang="en-US" altLang="zh-CN"/>
               <a:t>computing</a:t>
@@ -7280,7 +9904,7 @@
             <a:endParaRPr lang="zh-CN" altLang="en-US"/>
           </a:p>
           <a:p>
-            <a:pPr lvl="2"/>
+            <a:pPr lvl="1"/>
             <a:r>
               <a:rPr lang="en-US" altLang="zh-CN"/>
               <a:t>storage</a:t>
@@ -7313,8 +9937,8 @@
         </p:blipFill>
         <p:spPr>
           <a:xfrm>
-            <a:off x="3456305" y="3823335"/>
-            <a:ext cx="5926455" cy="3034665"/>
+            <a:off x="2894965" y="3508375"/>
+            <a:ext cx="6402070" cy="3278505"/>
           </a:xfrm>
           <a:prstGeom prst="rect">
             <a:avLst/>
@@ -7354,8 +9978,10 @@
           <a:bodyPr/>
           <a:p>
             <a:r>
-              <a:rPr lang="en-US" altLang="zh-CN"/>
-              <a:t>Evaluation</a:t>
+              <a:rPr lang="zh-CN" altLang="en-US">
+                <a:sym typeface="+mn-ea"/>
+              </a:rPr>
+              <a:t>函数并发性</a:t>
             </a:r>
             <a:endParaRPr lang="en-US" altLang="zh-CN"/>
           </a:p>
@@ -7380,26 +10006,96 @@
         <p:txBody>
           <a:bodyPr/>
           <a:p>
+            <a:pPr lvl="0"/>
             <a:r>
               <a:rPr lang="en-US" altLang="zh-CN"/>
               <a:t> </a:t>
             </a:r>
             <a:r>
               <a:rPr lang="zh-CN" altLang="en-US"/>
-              <a:t>函数并发</a:t>
+              <a:t>实验</a:t>
             </a:r>
             <a:r>
               <a:rPr lang="zh-CN" altLang="en-US"/>
-              <a:t>性</a:t>
+              <a:t>方案</a:t>
             </a:r>
             <a:endParaRPr lang="zh-CN" altLang="en-US"/>
           </a:p>
-          <a:p>
-            <a:pPr lvl="1"/>
+        </p:txBody>
+      </p:sp>
+    </p:spTree>
+  </p:cSld>
+  <p:clrMapOvr>
+    <a:masterClrMapping/>
+  </p:clrMapOvr>
+</p:sld>
+</file>
+
+<file path=ppt/slides/slide4.xml><?xml version="1.0" encoding="utf-8"?>
+<p:sld xmlns:a="http://schemas.openxmlformats.org/drawingml/2006/main" xmlns:r="http://schemas.openxmlformats.org/officeDocument/2006/relationships" xmlns:p="http://schemas.openxmlformats.org/presentationml/2006/main">
+  <p:cSld>
+    <p:spTree>
+      <p:nvGrpSpPr>
+        <p:cNvPr id="1" name=""/>
+        <p:cNvGrpSpPr/>
+        <p:nvPr/>
+      </p:nvGrpSpPr>
+      <p:grpSpPr/>
+      <p:sp>
+        <p:nvSpPr>
+          <p:cNvPr id="2" name="标题 1"/>
+          <p:cNvSpPr>
+            <a:spLocks noGrp="1"/>
+          </p:cNvSpPr>
+          <p:nvPr>
+            <p:ph type="title"/>
+          </p:nvPr>
+        </p:nvSpPr>
+        <p:spPr/>
+        <p:txBody>
+          <a:bodyPr/>
+          <a:p>
+            <a:r>
+              <a:rPr lang="zh-CN" altLang="en-US">
+                <a:sym typeface="+mn-ea"/>
+              </a:rPr>
+              <a:t>函数并发性</a:t>
+            </a:r>
+            <a:endParaRPr lang="en-US" altLang="zh-CN"/>
+          </a:p>
+        </p:txBody>
+      </p:sp>
+      <p:sp>
+        <p:nvSpPr>
+          <p:cNvPr id="3" name="内容占位符 2"/>
+          <p:cNvSpPr>
+            <a:spLocks noGrp="1"/>
+          </p:cNvSpPr>
+          <p:nvPr>
+            <p:ph idx="1"/>
+          </p:nvPr>
+        </p:nvSpPr>
+        <p:spPr>
+          <a:xfrm>
+            <a:off x="838200" y="1380227"/>
+            <a:ext cx="10515600" cy="4796737"/>
+          </a:xfrm>
+        </p:spPr>
+        <p:txBody>
+          <a:bodyPr/>
+          <a:p>
             <a:r>
               <a:rPr lang="en-US" altLang="zh-CN"/>
               <a:t> </a:t>
             </a:r>
+            <a:r>
+              <a:rPr lang="zh-CN" altLang="en-US"/>
+              <a:t>实验结果</a:t>
+            </a:r>
+            <a:endParaRPr lang="en-US" altLang="zh-CN"/>
+          </a:p>
+          <a:p>
+            <a:pPr lvl="1"/>
             <a:r>
               <a:rPr lang="zh-CN" altLang="en-US"/>
               <a:t>阿里云</a:t>
@@ -7614,121 +10310,6 @@
 </p:sld>
 </file>
 
-<file path=ppt/slides/slide4.xml><?xml version="1.0" encoding="utf-8"?>
-<p:sld xmlns:a="http://schemas.openxmlformats.org/drawingml/2006/main" xmlns:r="http://schemas.openxmlformats.org/officeDocument/2006/relationships" xmlns:p="http://schemas.openxmlformats.org/presentationml/2006/main">
-  <p:cSld>
-    <p:spTree>
-      <p:nvGrpSpPr>
-        <p:cNvPr id="1" name=""/>
-        <p:cNvGrpSpPr/>
-        <p:nvPr/>
-      </p:nvGrpSpPr>
-      <p:grpSpPr/>
-      <p:sp>
-        <p:nvSpPr>
-          <p:cNvPr id="2" name="标题 1"/>
-          <p:cNvSpPr>
-            <a:spLocks noGrp="1"/>
-          </p:cNvSpPr>
-          <p:nvPr>
-            <p:ph type="title"/>
-          </p:nvPr>
-        </p:nvSpPr>
-        <p:spPr/>
-        <p:txBody>
-          <a:bodyPr/>
-          <a:p>
-            <a:r>
-              <a:rPr lang="en-US" altLang="zh-CN"/>
-              <a:t>Evaluation</a:t>
-            </a:r>
-            <a:endParaRPr lang="en-US" altLang="zh-CN"/>
-          </a:p>
-        </p:txBody>
-      </p:sp>
-      <p:sp>
-        <p:nvSpPr>
-          <p:cNvPr id="3" name="内容占位符 2"/>
-          <p:cNvSpPr>
-            <a:spLocks noGrp="1"/>
-          </p:cNvSpPr>
-          <p:nvPr>
-            <p:ph idx="1"/>
-          </p:nvPr>
-        </p:nvSpPr>
-        <p:spPr>
-          <a:xfrm>
-            <a:off x="838200" y="1380227"/>
-            <a:ext cx="10515600" cy="4796737"/>
-          </a:xfrm>
-        </p:spPr>
-        <p:txBody>
-          <a:bodyPr/>
-          <a:p>
-            <a:r>
-              <a:rPr lang="en-US" altLang="zh-CN"/>
-              <a:t> OSS</a:t>
-            </a:r>
-            <a:r>
-              <a:rPr lang="zh-CN" altLang="en-US"/>
-              <a:t>读写</a:t>
-            </a:r>
-            <a:r>
-              <a:rPr lang="zh-CN" altLang="en-US"/>
-              <a:t>时延</a:t>
-            </a:r>
-            <a:endParaRPr lang="zh-CN" altLang="en-US"/>
-          </a:p>
-          <a:p>
-            <a:pPr lvl="1"/>
-            <a:r>
-              <a:rPr lang="en-US" altLang="zh-CN"/>
-              <a:t> </a:t>
-            </a:r>
-            <a:endParaRPr lang="zh-CN" altLang="en-US"/>
-          </a:p>
-        </p:txBody>
-      </p:sp>
-      <p:graphicFrame>
-        <p:nvGraphicFramePr>
-          <p:cNvPr id="11" name="图表 10"/>
-          <p:cNvGraphicFramePr/>
-          <p:nvPr/>
-        </p:nvGraphicFramePr>
-        <p:xfrm>
-          <a:off x="1335405" y="2440940"/>
-          <a:ext cx="5045075" cy="3078480"/>
-        </p:xfrm>
-        <a:graphic>
-          <a:graphicData uri="http://schemas.openxmlformats.org/drawingml/2006/chart">
-            <c:chart xmlns:c="http://schemas.openxmlformats.org/drawingml/2006/chart" xmlns:r="http://schemas.openxmlformats.org/officeDocument/2006/relationships" r:id="rId1"/>
-          </a:graphicData>
-        </a:graphic>
-      </p:graphicFrame>
-      <p:graphicFrame>
-        <p:nvGraphicFramePr>
-          <p:cNvPr id="12" name="图表 11"/>
-          <p:cNvGraphicFramePr/>
-          <p:nvPr/>
-        </p:nvGraphicFramePr>
-        <p:xfrm>
-          <a:off x="6444615" y="2440940"/>
-          <a:ext cx="5045075" cy="3078480"/>
-        </p:xfrm>
-        <a:graphic>
-          <a:graphicData uri="http://schemas.openxmlformats.org/drawingml/2006/chart">
-            <c:chart xmlns:c="http://schemas.openxmlformats.org/drawingml/2006/chart" xmlns:r="http://schemas.openxmlformats.org/officeDocument/2006/relationships" r:id="rId2"/>
-          </a:graphicData>
-        </a:graphic>
-      </p:graphicFrame>
-    </p:spTree>
-  </p:cSld>
-  <p:clrMapOvr>
-    <a:masterClrMapping/>
-  </p:clrMapOvr>
-</p:sld>
-</file>
-
 <file path=ppt/slides/slide5.xml><?xml version="1.0" encoding="utf-8"?>
 <p:sld xmlns:a="http://schemas.openxmlformats.org/drawingml/2006/main" xmlns:r="http://schemas.openxmlformats.org/officeDocument/2006/relationships" xmlns:p="http://schemas.openxmlformats.org/presentationml/2006/main">
   <p:cSld>
@@ -7754,8 +10335,16 @@
           <a:bodyPr/>
           <a:p>
             <a:r>
-              <a:rPr lang="en-US" altLang="zh-CN"/>
-              <a:t>Evaluation</a:t>
+              <a:rPr lang="en-US" altLang="zh-CN">
+                <a:sym typeface="+mn-ea"/>
+              </a:rPr>
+              <a:t>OSS</a:t>
+            </a:r>
+            <a:r>
+              <a:rPr lang="zh-CN" altLang="en-US">
+                <a:sym typeface="+mn-ea"/>
+              </a:rPr>
+              <a:t>读写时延</a:t>
             </a:r>
             <a:endParaRPr lang="en-US" altLang="zh-CN"/>
           </a:p>
@@ -7782,15 +10371,15 @@
           <a:p>
             <a:r>
               <a:rPr lang="en-US" altLang="zh-CN"/>
-              <a:t> OSS</a:t>
+              <a:t> </a:t>
             </a:r>
             <a:r>
               <a:rPr lang="zh-CN" altLang="en-US"/>
-              <a:t>读写</a:t>
+              <a:t>实验</a:t>
             </a:r>
             <a:r>
               <a:rPr lang="zh-CN" altLang="en-US"/>
-              <a:t>吞吐量</a:t>
+              <a:t>方案</a:t>
             </a:r>
             <a:endParaRPr lang="zh-CN" altLang="en-US"/>
           </a:p>
@@ -7837,8 +10426,16 @@
           <a:bodyPr/>
           <a:p>
             <a:r>
-              <a:rPr lang="en-US" altLang="zh-CN"/>
-              <a:t>Evaluation</a:t>
+              <a:rPr lang="en-US" altLang="zh-CN">
+                <a:sym typeface="+mn-ea"/>
+              </a:rPr>
+              <a:t>OSS</a:t>
+            </a:r>
+            <a:r>
+              <a:rPr lang="zh-CN" altLang="en-US">
+                <a:sym typeface="+mn-ea"/>
+              </a:rPr>
+              <a:t>读写时延</a:t>
             </a:r>
             <a:endParaRPr lang="en-US" altLang="zh-CN"/>
           </a:p>
@@ -7868,16 +10465,12 @@
               <a:t> </a:t>
             </a:r>
             <a:r>
-              <a:rPr lang="en-US" altLang="zh-CN">
-                <a:sym typeface="+mn-ea"/>
-              </a:rPr>
-              <a:t>Wordcount </a:t>
-            </a:r>
-            <a:r>
-              <a:rPr lang="en-US" altLang="zh-CN">
-                <a:sym typeface="+mn-ea"/>
-              </a:rPr>
-              <a:t>runtime breakdown</a:t>
+              <a:rPr lang="zh-CN" altLang="en-US"/>
+              <a:t>实验</a:t>
+            </a:r>
+            <a:r>
+              <a:rPr lang="zh-CN" altLang="en-US"/>
+              <a:t>结果</a:t>
             </a:r>
             <a:endParaRPr lang="zh-CN" altLang="en-US"/>
           </a:p>
@@ -7893,13 +10486,13 @@
       </p:sp>
       <p:graphicFrame>
         <p:nvGraphicFramePr>
-          <p:cNvPr id="4" name="图表 3"/>
+          <p:cNvPr id="5" name="图表 4"/>
           <p:cNvGraphicFramePr/>
           <p:nvPr/>
         </p:nvGraphicFramePr>
         <p:xfrm>
-          <a:off x="3192780" y="2275205"/>
-          <a:ext cx="5807075" cy="3698240"/>
+          <a:off x="3364230" y="2294255"/>
+          <a:ext cx="5462905" cy="4005580"/>
         </p:xfrm>
         <a:graphic>
           <a:graphicData uri="http://schemas.openxmlformats.org/drawingml/2006/chart">
@@ -7940,10 +10533,18 @@
           <a:bodyPr/>
           <a:p>
             <a:r>
-              <a:rPr lang="zh-CN" altLang="en-US"/>
-              <a:t>下一步实验</a:t>
-            </a:r>
-            <a:endParaRPr lang="zh-CN" altLang="en-US"/>
+              <a:rPr lang="en-US" altLang="zh-CN">
+                <a:sym typeface="+mn-ea"/>
+              </a:rPr>
+              <a:t>OSS</a:t>
+            </a:r>
+            <a:r>
+              <a:rPr lang="zh-CN" altLang="en-US">
+                <a:sym typeface="+mn-ea"/>
+              </a:rPr>
+              <a:t>读写时延</a:t>
+            </a:r>
+            <a:endParaRPr lang="en-US" altLang="zh-CN"/>
           </a:p>
         </p:txBody>
       </p:sp>
@@ -7966,125 +10567,54 @@
         <p:txBody>
           <a:bodyPr/>
           <a:p>
-            <a:pPr lvl="0"/>
             <a:r>
               <a:rPr lang="en-US" altLang="zh-CN"/>
               <a:t> </a:t>
             </a:r>
             <a:r>
               <a:rPr lang="zh-CN" altLang="en-US"/>
-              <a:t>在</a:t>
-            </a:r>
-            <a:r>
-              <a:rPr lang="en-US" altLang="zh-CN"/>
-              <a:t>Wordcount</a:t>
+              <a:t>实验</a:t>
             </a:r>
             <a:r>
               <a:rPr lang="zh-CN" altLang="en-US"/>
-              <a:t>上实现</a:t>
-            </a:r>
-            <a:r>
-              <a:rPr lang="en-US" altLang="zh-CN"/>
-              <a:t>Multistage </a:t>
-            </a:r>
-            <a:r>
-              <a:rPr lang="en-US" altLang="zh-CN"/>
-              <a:t>shuffle</a:t>
-            </a:r>
-            <a:endParaRPr lang="en-US" altLang="zh-CN"/>
-          </a:p>
-          <a:p>
-            <a:pPr lvl="0"/>
-            <a:endParaRPr lang="en-US" altLang="zh-CN"/>
-          </a:p>
-          <a:p>
-            <a:pPr lvl="0"/>
+              <a:t>结果</a:t>
+            </a:r>
+            <a:endParaRPr lang="zh-CN" altLang="en-US"/>
+          </a:p>
+          <a:p>
+            <a:pPr lvl="1"/>
             <a:r>
               <a:rPr lang="en-US" altLang="zh-CN"/>
               <a:t> </a:t>
             </a:r>
             <a:r>
-              <a:rPr lang="zh-CN" altLang="en-US">
-                <a:sym typeface="+mn-ea"/>
-              </a:rPr>
-              <a:t>利用</a:t>
-            </a:r>
-            <a:r>
-              <a:rPr lang="en-US" altLang="zh-CN">
-                <a:sym typeface="+mn-ea"/>
-              </a:rPr>
-              <a:t>Lithops</a:t>
-            </a:r>
-            <a:r>
-              <a:rPr lang="zh-CN" altLang="en-US">
-                <a:sym typeface="+mn-ea"/>
-              </a:rPr>
-              <a:t>实现</a:t>
-            </a:r>
-            <a:r>
-              <a:rPr lang="en-US" altLang="zh-CN">
-                <a:sym typeface="+mn-ea"/>
-              </a:rPr>
-              <a:t>Terasort</a:t>
-            </a:r>
-            <a:endParaRPr lang="en-US" altLang="zh-CN">
-              <a:sym typeface="+mn-ea"/>
-            </a:endParaRPr>
-          </a:p>
-          <a:p>
-            <a:pPr lvl="0"/>
-            <a:endParaRPr lang="en-US" altLang="zh-CN">
-              <a:sym typeface="+mn-ea"/>
-            </a:endParaRPr>
-          </a:p>
-          <a:p>
-            <a:pPr lvl="0"/>
-            <a:r>
-              <a:rPr lang="en-US" altLang="zh-CN">
-                <a:sym typeface="+mn-ea"/>
-              </a:rPr>
-              <a:t> </a:t>
-            </a:r>
-            <a:r>
-              <a:rPr lang="zh-CN" altLang="en-US">
-                <a:sym typeface="+mn-ea"/>
-              </a:rPr>
-              <a:t>测试</a:t>
-            </a:r>
-            <a:r>
-              <a:rPr lang="en-US" altLang="zh-CN">
-                <a:sym typeface="+mn-ea"/>
-              </a:rPr>
-              <a:t>Terasort</a:t>
-            </a:r>
-            <a:r>
-              <a:rPr lang="zh-CN" altLang="en-US">
-                <a:sym typeface="+mn-ea"/>
-              </a:rPr>
-              <a:t>运行时间的</a:t>
-            </a:r>
-            <a:r>
-              <a:rPr lang="en-US" altLang="zh-CN">
-                <a:sym typeface="+mn-ea"/>
-              </a:rPr>
-              <a:t>breakdown</a:t>
-            </a:r>
-            <a:endParaRPr lang="en-US" altLang="zh-CN">
-              <a:sym typeface="+mn-ea"/>
-            </a:endParaRPr>
-          </a:p>
-          <a:p>
-            <a:pPr marL="0" lvl="0" indent="0">
-              <a:buNone/>
-            </a:pPr>
+              <a:rPr lang="zh-CN" altLang="en-US"/>
+              <a:t>与现有工作的实验结果</a:t>
+            </a:r>
+            <a:r>
+              <a:rPr lang="zh-CN" altLang="en-US"/>
+              <a:t>对比</a:t>
+            </a:r>
             <a:endParaRPr lang="zh-CN" altLang="en-US"/>
           </a:p>
-          <a:p>
-            <a:pPr lvl="0"/>
-            <a:endParaRPr lang="en-US" altLang="zh-CN"/>
-          </a:p>
-        </p:txBody>
-      </p:sp>
+        </p:txBody>
+      </p:sp>
+      <p:graphicFrame>
+        <p:nvGraphicFramePr>
+          <p:cNvPr id="5" name="图表 4"/>
+          <p:cNvGraphicFramePr/>
+          <p:nvPr/>
+        </p:nvGraphicFramePr>
+        <p:xfrm>
+          <a:off x="990600" y="2396490"/>
+          <a:ext cx="5462905" cy="4005580"/>
+        </p:xfrm>
+        <a:graphic>
+          <a:graphicData uri="http://schemas.openxmlformats.org/drawingml/2006/chart">
+            <c:chart xmlns:c="http://schemas.openxmlformats.org/drawingml/2006/chart" xmlns:r="http://schemas.openxmlformats.org/officeDocument/2006/relationships" r:id="rId1"/>
+          </a:graphicData>
+        </a:graphic>
+      </p:graphicFrame>
     </p:spTree>
   </p:cSld>
   <p:clrMapOvr>
@@ -8118,10 +10648,18 @@
           <a:bodyPr/>
           <a:p>
             <a:r>
-              <a:rPr lang="zh-CN" altLang="en-US"/>
-              <a:t>毕设提纲</a:t>
-            </a:r>
-            <a:endParaRPr lang="zh-CN" altLang="en-US"/>
+              <a:rPr lang="en-US" altLang="zh-CN">
+                <a:sym typeface="+mn-ea"/>
+              </a:rPr>
+              <a:t>OSS</a:t>
+            </a:r>
+            <a:r>
+              <a:rPr lang="zh-CN" altLang="en-US">
+                <a:sym typeface="+mn-ea"/>
+              </a:rPr>
+              <a:t>读写吞吐量</a:t>
+            </a:r>
+            <a:endParaRPr lang="en-US" altLang="zh-CN"/>
           </a:p>
         </p:txBody>
       </p:sp>
@@ -8144,122 +10682,27 @@
         <p:txBody>
           <a:bodyPr/>
           <a:p>
-            <a:pPr lvl="0"/>
             <a:r>
               <a:rPr lang="en-US" altLang="zh-CN"/>
               <a:t> </a:t>
             </a:r>
             <a:r>
               <a:rPr lang="zh-CN" altLang="en-US"/>
-              <a:t>在</a:t>
-            </a:r>
-            <a:r>
-              <a:rPr lang="en-US" altLang="zh-CN"/>
-              <a:t>Wordcount</a:t>
+              <a:t>实验</a:t>
             </a:r>
             <a:r>
               <a:rPr lang="zh-CN" altLang="en-US"/>
-              <a:t>上实现</a:t>
-            </a:r>
-            <a:r>
-              <a:rPr lang="en-US" altLang="zh-CN"/>
-              <a:t>Multistage </a:t>
-            </a:r>
-            <a:r>
-              <a:rPr lang="en-US" altLang="zh-CN"/>
-              <a:t>shuffle</a:t>
-            </a:r>
-            <a:endParaRPr lang="en-US" altLang="zh-CN"/>
-          </a:p>
-          <a:p>
-            <a:pPr lvl="0"/>
-            <a:endParaRPr lang="en-US" altLang="zh-CN"/>
-          </a:p>
-          <a:p>
-            <a:pPr lvl="0"/>
+              <a:t>方案</a:t>
+            </a:r>
+            <a:endParaRPr lang="zh-CN" altLang="en-US"/>
+          </a:p>
+          <a:p>
+            <a:pPr lvl="1"/>
             <a:r>
               <a:rPr lang="en-US" altLang="zh-CN"/>
               <a:t> </a:t>
             </a:r>
-            <a:r>
-              <a:rPr lang="zh-CN" altLang="en-US">
-                <a:sym typeface="+mn-ea"/>
-              </a:rPr>
-              <a:t>利用</a:t>
-            </a:r>
-            <a:r>
-              <a:rPr lang="en-US" altLang="zh-CN">
-                <a:sym typeface="+mn-ea"/>
-              </a:rPr>
-              <a:t>Lithops</a:t>
-            </a:r>
-            <a:r>
-              <a:rPr lang="zh-CN" altLang="en-US">
-                <a:sym typeface="+mn-ea"/>
-              </a:rPr>
-              <a:t>实现</a:t>
-            </a:r>
-            <a:r>
-              <a:rPr lang="en-US" altLang="zh-CN">
-                <a:sym typeface="+mn-ea"/>
-              </a:rPr>
-              <a:t>Terasort</a:t>
-            </a:r>
-            <a:endParaRPr lang="en-US" altLang="zh-CN">
-              <a:sym typeface="+mn-ea"/>
-            </a:endParaRPr>
-          </a:p>
-          <a:p>
-            <a:pPr lvl="0"/>
-            <a:endParaRPr lang="en-US" altLang="zh-CN">
-              <a:sym typeface="+mn-ea"/>
-            </a:endParaRPr>
-          </a:p>
-          <a:p>
-            <a:pPr lvl="0"/>
-            <a:r>
-              <a:rPr lang="en-US" altLang="zh-CN">
-                <a:sym typeface="+mn-ea"/>
-              </a:rPr>
-              <a:t> </a:t>
-            </a:r>
-            <a:r>
-              <a:rPr lang="zh-CN" altLang="en-US">
-                <a:sym typeface="+mn-ea"/>
-              </a:rPr>
-              <a:t>测试</a:t>
-            </a:r>
-            <a:r>
-              <a:rPr lang="en-US" altLang="zh-CN">
-                <a:sym typeface="+mn-ea"/>
-              </a:rPr>
-              <a:t>Terasort</a:t>
-            </a:r>
-            <a:r>
-              <a:rPr lang="zh-CN" altLang="en-US">
-                <a:sym typeface="+mn-ea"/>
-              </a:rPr>
-              <a:t>运行时间的</a:t>
-            </a:r>
-            <a:r>
-              <a:rPr lang="en-US" altLang="zh-CN">
-                <a:sym typeface="+mn-ea"/>
-              </a:rPr>
-              <a:t>breakdown</a:t>
-            </a:r>
-            <a:endParaRPr lang="en-US" altLang="zh-CN">
-              <a:sym typeface="+mn-ea"/>
-            </a:endParaRPr>
-          </a:p>
-          <a:p>
-            <a:pPr marL="0" lvl="0" indent="0">
-              <a:buNone/>
-            </a:pPr>
             <a:endParaRPr lang="zh-CN" altLang="en-US"/>
-          </a:p>
-          <a:p>
-            <a:pPr lvl="0"/>
-            <a:endParaRPr lang="en-US" altLang="zh-CN"/>
           </a:p>
         </p:txBody>
       </p:sp>
@@ -8296,8 +10739,16 @@
           <a:bodyPr/>
           <a:p>
             <a:r>
-              <a:rPr lang="en-US" altLang="zh-CN"/>
-              <a:t>Reference</a:t>
+              <a:rPr lang="en-US" altLang="zh-CN">
+                <a:sym typeface="+mn-ea"/>
+              </a:rPr>
+              <a:t>OSS</a:t>
+            </a:r>
+            <a:r>
+              <a:rPr lang="zh-CN" altLang="en-US">
+                <a:sym typeface="+mn-ea"/>
+              </a:rPr>
+              <a:t>读写吞吐量</a:t>
             </a:r>
             <a:endParaRPr lang="en-US" altLang="zh-CN"/>
           </a:p>
@@ -8305,180 +10756,32 @@
       </p:sp>
       <p:sp>
         <p:nvSpPr>
-          <p:cNvPr id="24" name="文本框 23"/>
-          <p:cNvSpPr txBox="1"/>
-          <p:nvPr/>
+          <p:cNvPr id="3" name="内容占位符 2"/>
+          <p:cNvSpPr>
+            <a:spLocks noGrp="1"/>
+          </p:cNvSpPr>
+          <p:nvPr>
+            <p:ph idx="1"/>
+          </p:nvPr>
         </p:nvSpPr>
         <p:spPr>
           <a:xfrm>
-            <a:off x="838200" y="1380490"/>
-            <a:ext cx="11238865" cy="2553335"/>
+            <a:off x="838200" y="1380227"/>
+            <a:ext cx="10515600" cy="4796737"/>
           </a:xfrm>
-          <a:prstGeom prst="rect">
-            <a:avLst/>
-          </a:prstGeom>
-          <a:noFill/>
         </p:spPr>
         <p:txBody>
-          <a:bodyPr wrap="square" rtlCol="0">
-            <a:spAutoFit/>
-          </a:bodyPr>
-          <a:p>
-            <a:pPr>
-              <a:lnSpc>
-                <a:spcPct val="200000"/>
-              </a:lnSpc>
-            </a:pPr>
-            <a:r>
-              <a:rPr lang="zh-CN" altLang="en-US" sz="2000">
-                <a:solidFill>
-                  <a:schemeClr val="bg2">
-                    <a:lumMod val="50000"/>
-                  </a:schemeClr>
-                </a:solidFill>
-                <a:sym typeface="+mn-ea"/>
-              </a:rPr>
-              <a:t>[1] </a:t>
-            </a:r>
-            <a:r>
-              <a:rPr lang="en-US" altLang="zh-CN" sz="2000">
-                <a:solidFill>
-                  <a:schemeClr val="bg2">
-                    <a:lumMod val="50000"/>
-                  </a:schemeClr>
-                </a:solidFill>
-                <a:sym typeface="+mn-ea"/>
-              </a:rPr>
-              <a:t>Pywren: Occupy the Cloud: Distributed Computing for the 99%  SoCC’17</a:t>
-            </a:r>
-            <a:endParaRPr lang="en-US" altLang="zh-CN" sz="2000">
-              <a:solidFill>
-                <a:schemeClr val="bg2">
-                  <a:lumMod val="50000"/>
-                </a:schemeClr>
-              </a:solidFill>
-            </a:endParaRPr>
-          </a:p>
-          <a:p>
-            <a:pPr>
-              <a:lnSpc>
-                <a:spcPct val="200000"/>
-              </a:lnSpc>
-            </a:pPr>
-            <a:r>
-              <a:rPr lang="en-US" altLang="zh-CN" sz="2000">
-                <a:solidFill>
-                  <a:schemeClr val="bg2">
-                    <a:lumMod val="50000"/>
-                  </a:schemeClr>
-                </a:solidFill>
-                <a:sym typeface="+mn-ea"/>
-              </a:rPr>
-              <a:t>[2] </a:t>
-            </a:r>
-            <a:r>
-              <a:rPr lang="zh-CN" altLang="en-US" sz="2000">
-                <a:solidFill>
-                  <a:schemeClr val="bg2">
-                    <a:lumMod val="50000"/>
-                  </a:schemeClr>
-                </a:solidFill>
-                <a:sym typeface="+mn-ea"/>
-              </a:rPr>
-              <a:t>Lithops: Serverless Data Analytics in the IBM Cloud</a:t>
-            </a:r>
-            <a:r>
-              <a:rPr lang="en-US" altLang="zh-CN" sz="2000">
-                <a:solidFill>
-                  <a:schemeClr val="bg2">
-                    <a:lumMod val="50000"/>
-                  </a:schemeClr>
-                </a:solidFill>
-                <a:sym typeface="+mn-ea"/>
-              </a:rPr>
-              <a:t>  Middleware’18</a:t>
-            </a:r>
-            <a:endParaRPr lang="en-US" altLang="zh-CN" sz="2000">
-              <a:solidFill>
-                <a:schemeClr val="bg2">
-                  <a:lumMod val="50000"/>
-                </a:schemeClr>
-              </a:solidFill>
-            </a:endParaRPr>
-          </a:p>
-          <a:p>
-            <a:pPr>
-              <a:lnSpc>
-                <a:spcPct val="200000"/>
-              </a:lnSpc>
-            </a:pPr>
-            <a:r>
-              <a:rPr lang="en-US" altLang="zh-CN" sz="2000">
-                <a:solidFill>
-                  <a:schemeClr val="bg2">
-                    <a:lumMod val="50000"/>
-                  </a:schemeClr>
-                </a:solidFill>
-                <a:sym typeface="+mn-ea"/>
-              </a:rPr>
-              <a:t>[3] Locus: Shuffling, Fast and Slow: Scalable Analytics on Serverless Infrastructure  NSDI’19</a:t>
-            </a:r>
-            <a:endParaRPr lang="en-US" altLang="zh-CN" sz="2000">
-              <a:solidFill>
-                <a:schemeClr val="bg2">
-                  <a:lumMod val="50000"/>
-                </a:schemeClr>
-              </a:solidFill>
-              <a:sym typeface="+mn-ea"/>
-            </a:endParaRPr>
-          </a:p>
-          <a:p>
-            <a:pPr>
-              <a:lnSpc>
-                <a:spcPct val="200000"/>
-              </a:lnSpc>
-            </a:pPr>
-            <a:r>
-              <a:rPr lang="en-US" altLang="zh-CN" sz="2000">
-                <a:solidFill>
-                  <a:schemeClr val="bg2">
-                    <a:lumMod val="50000"/>
-                  </a:schemeClr>
-                </a:solidFill>
-                <a:sym typeface="+mn-ea"/>
-              </a:rPr>
-              <a:t>[4]</a:t>
-            </a:r>
-            <a:r>
-              <a:rPr lang="en-US" altLang="zh-CN" sz="2000">
-                <a:solidFill>
-                  <a:schemeClr val="bg2">
-                    <a:lumMod val="75000"/>
-                  </a:schemeClr>
-                </a:solidFill>
-                <a:sym typeface="+mn-ea"/>
-              </a:rPr>
-              <a:t> </a:t>
-            </a:r>
-            <a:r>
-              <a:rPr lang="en-US" altLang="zh-CN" sz="2000">
-                <a:solidFill>
-                  <a:schemeClr val="bg2">
-                    <a:lumMod val="50000"/>
-                  </a:schemeClr>
-                </a:solidFill>
-                <a:sym typeface="+mn-ea"/>
-              </a:rPr>
-              <a:t>Caerus: NIMBLE Task Scheduling for Serverless Analytics  NSDI’21</a:t>
-            </a:r>
-            <a:endParaRPr lang="en-US" altLang="zh-CN" sz="2000">
-              <a:solidFill>
-                <a:schemeClr val="bg2">
-                  <a:lumMod val="50000"/>
-                </a:schemeClr>
-              </a:solidFill>
-              <a:sym typeface="+mn-ea"/>
-            </a:endParaRPr>
+          <a:bodyPr/>
+          <a:p>
+            <a:r>
+              <a:rPr lang="en-US" altLang="zh-CN"/>
+              <a:t>  </a:t>
+            </a:r>
+            <a:r>
+              <a:rPr lang="zh-CN" altLang="en-US"/>
+              <a:t>实验结果</a:t>
+            </a:r>
+            <a:endParaRPr lang="zh-CN" altLang="en-US"/>
           </a:p>
         </p:txBody>
       </p:sp>

--- a/meeting/Lithops实验.pptx
+++ b/meeting/Lithops实验.pptx
@@ -1340,6 +1340,1170 @@
 </file>
 
 <file path=ppt/charts/chart3.xml><?xml version="1.0" encoding="utf-8"?>
+<c:chartSpace xmlns:c="http://schemas.openxmlformats.org/drawingml/2006/chart" xmlns:a="http://schemas.openxmlformats.org/drawingml/2006/main" xmlns:r="http://schemas.openxmlformats.org/officeDocument/2006/relationships">
+  <c:date1904 val="0"/>
+  <c:lang val="zh-CN"/>
+  <c:roundedCorners val="0"/>
+  <mc:AlternateContent xmlns:mc="http://schemas.openxmlformats.org/markup-compatibility/2006">
+    <mc:Choice xmlns:c14="http://schemas.microsoft.com/office/drawing/2007/8/2/chart" Requires="c14">
+      <c14:style val="102"/>
+    </mc:Choice>
+    <mc:Fallback>
+      <c:style val="2"/>
+    </mc:Fallback>
+  </mc:AlternateContent>
+  <c:chart>
+    <c:title>
+      <c:tx>
+        <c:rich>
+          <a:bodyPr rot="0" spcFirstLastPara="0" vertOverflow="ellipsis" vert="horz" wrap="square" anchor="ctr" anchorCtr="1"/>
+          <a:lstStyle/>
+          <a:p>
+            <a:pPr defTabSz="914400">
+              <a:defRPr lang="zh-CN" sz="1400" b="0" i="0" u="none" strike="noStrike" kern="1200" spc="0" baseline="0">
+                <a:solidFill>
+                  <a:schemeClr val="tx1">
+                    <a:lumMod val="65000"/>
+                    <a:lumOff val="35000"/>
+                  </a:schemeClr>
+                </a:solidFill>
+                <a:latin typeface="+mn-lt"/>
+                <a:ea typeface="+mn-ea"/>
+                <a:cs typeface="+mn-cs"/>
+              </a:defRPr>
+            </a:pPr>
+            <a:r>
+              <a:rPr lang="en-US" altLang="zh-CN" b="1"/>
+              <a:t>OSS Throughput</a:t>
+            </a:r>
+            <a:endParaRPr lang="en-US" altLang="zh-CN" b="1"/>
+          </a:p>
+        </c:rich>
+      </c:tx>
+      <c:layout>
+        <c:manualLayout>
+          <c:xMode val="edge"/>
+          <c:yMode val="edge"/>
+          <c:x val="0.397883411580595"/>
+          <c:y val="0.0375317371126511"/>
+        </c:manualLayout>
+      </c:layout>
+      <c:overlay val="0"/>
+      <c:spPr>
+        <a:noFill/>
+        <a:ln>
+          <a:noFill/>
+        </a:ln>
+        <a:effectLst/>
+      </c:spPr>
+    </c:title>
+    <c:autoTitleDeleted val="0"/>
+    <c:plotArea>
+      <c:layout/>
+      <c:lineChart>
+        <c:grouping val="standard"/>
+        <c:varyColors val="0"/>
+        <c:ser>
+          <c:idx val="0"/>
+          <c:order val="0"/>
+          <c:tx>
+            <c:strRef>
+              <c:f>[测试.xlsx]Sheet1!$B$100</c:f>
+              <c:strCache>
+                <c:ptCount val="1"/>
+                <c:pt idx="0">
+                  <c:v>read</c:v>
+                </c:pt>
+              </c:strCache>
+            </c:strRef>
+          </c:tx>
+          <c:spPr>
+            <a:ln w="28575" cap="rnd">
+              <a:solidFill>
+                <a:schemeClr val="accent1"/>
+              </a:solidFill>
+              <a:round/>
+            </a:ln>
+            <a:effectLst/>
+          </c:spPr>
+          <c:marker>
+            <c:symbol val="circle"/>
+            <c:size val="5"/>
+            <c:spPr>
+              <a:solidFill>
+                <a:schemeClr val="accent1"/>
+              </a:solidFill>
+              <a:ln w="9525">
+                <a:solidFill>
+                  <a:schemeClr val="accent1"/>
+                </a:solidFill>
+              </a:ln>
+              <a:effectLst/>
+            </c:spPr>
+          </c:marker>
+          <c:dLbls>
+            <c:delete val="1"/>
+          </c:dLbls>
+          <c:cat>
+            <c:strRef>
+              <c:f>[测试.xlsx]Sheet1!$C$99:$G$99</c:f>
+              <c:strCache>
+                <c:ptCount val="5"/>
+                <c:pt idx="0">
+                  <c:v>1kb</c:v>
+                </c:pt>
+                <c:pt idx="1">
+                  <c:v>10kb</c:v>
+                </c:pt>
+                <c:pt idx="2">
+                  <c:v>100kb</c:v>
+                </c:pt>
+                <c:pt idx="3">
+                  <c:v>1mb</c:v>
+                </c:pt>
+                <c:pt idx="4">
+                  <c:v>10mb</c:v>
+                </c:pt>
+              </c:strCache>
+            </c:strRef>
+          </c:cat>
+          <c:val>
+            <c:numRef>
+              <c:f>[测试.xlsx]Sheet1!$C$100:$G$100</c:f>
+              <c:numCache>
+                <c:formatCode>General</c:formatCode>
+                <c:ptCount val="5"/>
+                <c:pt idx="0">
+                  <c:v>0.0871043077176668</c:v>
+                </c:pt>
+                <c:pt idx="1">
+                  <c:v>0.82650264928555</c:v>
+                </c:pt>
+                <c:pt idx="2">
+                  <c:v>5.8639749846935</c:v>
+                </c:pt>
+                <c:pt idx="3">
+                  <c:v>18.0861541913166</c:v>
+                </c:pt>
+                <c:pt idx="4">
+                  <c:v>17.674052292192</c:v>
+                </c:pt>
+              </c:numCache>
+            </c:numRef>
+          </c:val>
+          <c:smooth val="0"/>
+        </c:ser>
+        <c:ser>
+          <c:idx val="1"/>
+          <c:order val="1"/>
+          <c:tx>
+            <c:strRef>
+              <c:f>[测试.xlsx]Sheet1!$B$101</c:f>
+              <c:strCache>
+                <c:ptCount val="1"/>
+                <c:pt idx="0">
+                  <c:v>write</c:v>
+                </c:pt>
+              </c:strCache>
+            </c:strRef>
+          </c:tx>
+          <c:spPr>
+            <a:ln w="28575" cap="rnd">
+              <a:solidFill>
+                <a:schemeClr val="accent2"/>
+              </a:solidFill>
+              <a:round/>
+            </a:ln>
+            <a:effectLst/>
+          </c:spPr>
+          <c:marker>
+            <c:symbol val="circle"/>
+            <c:size val="5"/>
+            <c:spPr>
+              <a:solidFill>
+                <a:schemeClr val="accent2"/>
+              </a:solidFill>
+              <a:ln w="9525">
+                <a:solidFill>
+                  <a:schemeClr val="accent2"/>
+                </a:solidFill>
+              </a:ln>
+              <a:effectLst/>
+            </c:spPr>
+          </c:marker>
+          <c:dLbls>
+            <c:delete val="1"/>
+          </c:dLbls>
+          <c:cat>
+            <c:strRef>
+              <c:f>[测试.xlsx]Sheet1!$C$99:$G$99</c:f>
+              <c:strCache>
+                <c:ptCount val="5"/>
+                <c:pt idx="0">
+                  <c:v>1kb</c:v>
+                </c:pt>
+                <c:pt idx="1">
+                  <c:v>10kb</c:v>
+                </c:pt>
+                <c:pt idx="2">
+                  <c:v>100kb</c:v>
+                </c:pt>
+                <c:pt idx="3">
+                  <c:v>1mb</c:v>
+                </c:pt>
+                <c:pt idx="4">
+                  <c:v>10mb</c:v>
+                </c:pt>
+              </c:strCache>
+            </c:strRef>
+          </c:cat>
+          <c:val>
+            <c:numRef>
+              <c:f>[测试.xlsx]Sheet1!$C$101:$G$101</c:f>
+              <c:numCache>
+                <c:formatCode>General</c:formatCode>
+                <c:ptCount val="5"/>
+                <c:pt idx="0">
+                  <c:v>0.0357638113877253</c:v>
+                </c:pt>
+                <c:pt idx="1">
+                  <c:v>0.341387100483598</c:v>
+                </c:pt>
+                <c:pt idx="2">
+                  <c:v>2.9469520949874</c:v>
+                </c:pt>
+                <c:pt idx="3">
+                  <c:v>16.7159681729087</c:v>
+                </c:pt>
+                <c:pt idx="4">
+                  <c:v>19.2732377546684</c:v>
+                </c:pt>
+              </c:numCache>
+            </c:numRef>
+          </c:val>
+          <c:smooth val="0"/>
+        </c:ser>
+        <c:dLbls>
+          <c:showLegendKey val="0"/>
+          <c:showVal val="0"/>
+          <c:showCatName val="0"/>
+          <c:showSerName val="0"/>
+          <c:showPercent val="0"/>
+          <c:showBubbleSize val="0"/>
+        </c:dLbls>
+        <c:marker val="1"/>
+        <c:smooth val="0"/>
+        <c:axId val="262935254"/>
+        <c:axId val="560349817"/>
+      </c:lineChart>
+      <c:catAx>
+        <c:axId val="262935254"/>
+        <c:scaling>
+          <c:orientation val="minMax"/>
+        </c:scaling>
+        <c:delete val="0"/>
+        <c:axPos val="b"/>
+        <c:title>
+          <c:tx>
+            <c:rich>
+              <a:bodyPr rot="0" spcFirstLastPara="0" vertOverflow="ellipsis" vert="horz" wrap="square" anchor="ctr" anchorCtr="1"/>
+              <a:lstStyle/>
+              <a:p>
+                <a:pPr defTabSz="914400">
+                  <a:defRPr lang="zh-CN" sz="1000" b="0" i="0" u="none" strike="noStrike" kern="1200" baseline="0">
+                    <a:solidFill>
+                      <a:schemeClr val="tx1">
+                        <a:lumMod val="65000"/>
+                        <a:lumOff val="35000"/>
+                      </a:schemeClr>
+                    </a:solidFill>
+                    <a:latin typeface="+mn-lt"/>
+                    <a:ea typeface="+mn-ea"/>
+                    <a:cs typeface="+mn-cs"/>
+                  </a:defRPr>
+                </a:pPr>
+                <a:r>
+                  <a:rPr lang="en-US" altLang="zh-CN" sz="1200" b="1"/>
+                  <a:t>I/O size/Bytes</a:t>
+                </a:r>
+                <a:endParaRPr lang="en-US" altLang="zh-CN" sz="1200" b="1"/>
+              </a:p>
+            </c:rich>
+          </c:tx>
+          <c:layout>
+            <c:manualLayout>
+              <c:xMode val="edge"/>
+              <c:yMode val="edge"/>
+              <c:x val="0.401638888888889"/>
+              <c:y val="0.881481481481482"/>
+            </c:manualLayout>
+          </c:layout>
+          <c:overlay val="0"/>
+          <c:spPr>
+            <a:noFill/>
+            <a:ln>
+              <a:noFill/>
+            </a:ln>
+            <a:effectLst/>
+          </c:spPr>
+        </c:title>
+        <c:majorTickMark val="none"/>
+        <c:minorTickMark val="none"/>
+        <c:tickLblPos val="nextTo"/>
+        <c:spPr>
+          <a:noFill/>
+          <a:ln w="9525" cap="flat" cmpd="sng" algn="ctr">
+            <a:solidFill>
+              <a:schemeClr val="tx1">
+                <a:lumMod val="15000"/>
+                <a:lumOff val="85000"/>
+              </a:schemeClr>
+            </a:solidFill>
+            <a:round/>
+          </a:ln>
+          <a:effectLst/>
+        </c:spPr>
+        <c:txPr>
+          <a:bodyPr rot="-60000000" spcFirstLastPara="0" vertOverflow="ellipsis" vert="horz" wrap="square" anchor="ctr" anchorCtr="1"/>
+          <a:lstStyle/>
+          <a:p>
+            <a:pPr>
+              <a:defRPr lang="zh-CN" sz="900" b="0" i="0" u="none" strike="noStrike" kern="1200" baseline="0">
+                <a:solidFill>
+                  <a:schemeClr val="tx1">
+                    <a:lumMod val="65000"/>
+                    <a:lumOff val="35000"/>
+                  </a:schemeClr>
+                </a:solidFill>
+                <a:latin typeface="+mn-lt"/>
+                <a:ea typeface="+mn-ea"/>
+                <a:cs typeface="+mn-cs"/>
+              </a:defRPr>
+            </a:pPr>
+          </a:p>
+        </c:txPr>
+        <c:crossAx val="560349817"/>
+        <c:crosses val="autoZero"/>
+        <c:auto val="1"/>
+        <c:lblAlgn val="ctr"/>
+        <c:lblOffset val="100"/>
+        <c:noMultiLvlLbl val="0"/>
+      </c:catAx>
+      <c:valAx>
+        <c:axId val="560349817"/>
+        <c:scaling>
+          <c:orientation val="minMax"/>
+        </c:scaling>
+        <c:delete val="0"/>
+        <c:axPos val="l"/>
+        <c:majorGridlines>
+          <c:spPr>
+            <a:ln w="9525" cap="flat" cmpd="sng" algn="ctr">
+              <a:solidFill>
+                <a:schemeClr val="tx1">
+                  <a:lumMod val="15000"/>
+                  <a:lumOff val="85000"/>
+                </a:schemeClr>
+              </a:solidFill>
+              <a:round/>
+            </a:ln>
+            <a:effectLst/>
+          </c:spPr>
+        </c:majorGridlines>
+        <c:title>
+          <c:tx>
+            <c:rich>
+              <a:bodyPr rot="-5400000" spcFirstLastPara="0" vertOverflow="ellipsis" vert="horz" wrap="square" anchor="ctr" anchorCtr="1"/>
+              <a:lstStyle/>
+              <a:p>
+                <a:pPr defTabSz="914400">
+                  <a:defRPr lang="zh-CN" sz="1000" b="0" i="0" u="none" strike="noStrike" kern="1200" baseline="0">
+                    <a:solidFill>
+                      <a:schemeClr val="tx1">
+                        <a:lumMod val="65000"/>
+                        <a:lumOff val="35000"/>
+                      </a:schemeClr>
+                    </a:solidFill>
+                    <a:latin typeface="+mn-lt"/>
+                    <a:ea typeface="+mn-ea"/>
+                    <a:cs typeface="+mn-cs"/>
+                  </a:defRPr>
+                </a:pPr>
+                <a:r>
+                  <a:rPr lang="en-US" altLang="zh-CN" sz="1200" b="1"/>
+                  <a:t>MB/s</a:t>
+                </a:r>
+                <a:endParaRPr lang="en-US" altLang="zh-CN" sz="1200" b="1"/>
+              </a:p>
+            </c:rich>
+          </c:tx>
+          <c:layout/>
+          <c:overlay val="0"/>
+          <c:spPr>
+            <a:noFill/>
+            <a:ln>
+              <a:noFill/>
+            </a:ln>
+            <a:effectLst/>
+          </c:spPr>
+        </c:title>
+        <c:numFmt formatCode="General" sourceLinked="1"/>
+        <c:majorTickMark val="none"/>
+        <c:minorTickMark val="none"/>
+        <c:tickLblPos val="nextTo"/>
+        <c:spPr>
+          <a:noFill/>
+          <a:ln>
+            <a:noFill/>
+          </a:ln>
+          <a:effectLst/>
+        </c:spPr>
+        <c:txPr>
+          <a:bodyPr rot="-60000000" spcFirstLastPara="0" vertOverflow="ellipsis" vert="horz" wrap="square" anchor="ctr" anchorCtr="1"/>
+          <a:lstStyle/>
+          <a:p>
+            <a:pPr>
+              <a:defRPr lang="zh-CN" sz="900" b="0" i="0" u="none" strike="noStrike" kern="1200" baseline="0">
+                <a:solidFill>
+                  <a:schemeClr val="tx1">
+                    <a:lumMod val="65000"/>
+                    <a:lumOff val="35000"/>
+                  </a:schemeClr>
+                </a:solidFill>
+                <a:latin typeface="+mn-lt"/>
+                <a:ea typeface="+mn-ea"/>
+                <a:cs typeface="+mn-cs"/>
+              </a:defRPr>
+            </a:pPr>
+          </a:p>
+        </c:txPr>
+        <c:crossAx val="262935254"/>
+        <c:crosses val="autoZero"/>
+        <c:crossBetween val="between"/>
+      </c:valAx>
+      <c:spPr>
+        <a:noFill/>
+        <a:ln>
+          <a:noFill/>
+        </a:ln>
+        <a:effectLst/>
+      </c:spPr>
+    </c:plotArea>
+    <c:legend>
+      <c:legendPos val="b"/>
+      <c:legendEntry>
+        <c:idx val="0"/>
+        <c:txPr>
+          <a:bodyPr rot="0" spcFirstLastPara="0" vertOverflow="ellipsis" vert="horz" wrap="square" anchor="ctr" anchorCtr="1"/>
+          <a:lstStyle/>
+          <a:p>
+            <a:pPr>
+              <a:defRPr lang="zh-CN" sz="1200" b="1" i="0" u="none" strike="noStrike" kern="1200" cap="none" spc="0" normalizeH="0" baseline="0">
+                <a:solidFill>
+                  <a:schemeClr val="tx1">
+                    <a:lumMod val="65000"/>
+                    <a:lumOff val="35000"/>
+                  </a:schemeClr>
+                </a:solidFill>
+                <a:uFill>
+                  <a:solidFill>
+                    <a:schemeClr val="tx1">
+                      <a:lumMod val="65000"/>
+                      <a:lumOff val="35000"/>
+                    </a:schemeClr>
+                  </a:solidFill>
+                </a:uFill>
+                <a:latin typeface="+mn-lt"/>
+                <a:ea typeface="+mn-ea"/>
+                <a:cs typeface="+mn-cs"/>
+              </a:defRPr>
+            </a:pPr>
+          </a:p>
+        </c:txPr>
+      </c:legendEntry>
+      <c:legendEntry>
+        <c:idx val="1"/>
+        <c:txPr>
+          <a:bodyPr rot="0" spcFirstLastPara="0" vertOverflow="ellipsis" vert="horz" wrap="square" anchor="ctr" anchorCtr="1"/>
+          <a:lstStyle/>
+          <a:p>
+            <a:pPr>
+              <a:defRPr lang="zh-CN" sz="1200" b="1" i="0" u="none" strike="noStrike" kern="1200" cap="none" spc="0" normalizeH="0" baseline="0">
+                <a:solidFill>
+                  <a:schemeClr val="tx1">
+                    <a:lumMod val="65000"/>
+                    <a:lumOff val="35000"/>
+                  </a:schemeClr>
+                </a:solidFill>
+                <a:uFill>
+                  <a:solidFill>
+                    <a:schemeClr val="tx1">
+                      <a:lumMod val="65000"/>
+                      <a:lumOff val="35000"/>
+                    </a:schemeClr>
+                  </a:solidFill>
+                </a:uFill>
+                <a:latin typeface="+mn-lt"/>
+                <a:ea typeface="+mn-ea"/>
+                <a:cs typeface="+mn-cs"/>
+              </a:defRPr>
+            </a:pPr>
+          </a:p>
+        </c:txPr>
+      </c:legendEntry>
+      <c:layout>
+        <c:manualLayout>
+          <c:xMode val="edge"/>
+          <c:yMode val="edge"/>
+          <c:x val="0.155592723004695"/>
+          <c:y val="0.179239462584892"/>
+        </c:manualLayout>
+      </c:layout>
+      <c:overlay val="0"/>
+      <c:spPr>
+        <a:noFill/>
+        <a:ln>
+          <a:noFill/>
+        </a:ln>
+        <a:effectLst/>
+      </c:spPr>
+      <c:txPr>
+        <a:bodyPr rot="0" spcFirstLastPara="0" vertOverflow="ellipsis" vert="horz" wrap="square" anchor="ctr" anchorCtr="1"/>
+        <a:lstStyle/>
+        <a:p>
+          <a:pPr>
+            <a:defRPr lang="zh-CN" sz="900" b="0" i="0" u="none" strike="noStrike" kern="1200" baseline="0">
+              <a:solidFill>
+                <a:schemeClr val="tx1">
+                  <a:lumMod val="65000"/>
+                  <a:lumOff val="35000"/>
+                </a:schemeClr>
+              </a:solidFill>
+              <a:latin typeface="+mn-lt"/>
+              <a:ea typeface="+mn-ea"/>
+              <a:cs typeface="+mn-cs"/>
+            </a:defRPr>
+          </a:pPr>
+        </a:p>
+      </c:txPr>
+    </c:legend>
+    <c:plotVisOnly val="1"/>
+    <c:dispBlanksAs val="gap"/>
+    <c:showDLblsOverMax val="0"/>
+  </c:chart>
+  <c:spPr>
+    <a:solidFill>
+      <a:schemeClr val="bg1"/>
+    </a:solidFill>
+    <a:ln w="9525" cap="flat" cmpd="sng" algn="ctr">
+      <a:solidFill>
+        <a:schemeClr val="tx1">
+          <a:lumMod val="15000"/>
+          <a:lumOff val="85000"/>
+        </a:schemeClr>
+      </a:solidFill>
+      <a:round/>
+    </a:ln>
+    <a:effectLst/>
+  </c:spPr>
+  <c:txPr>
+    <a:bodyPr/>
+    <a:lstStyle/>
+    <a:p>
+      <a:pPr>
+        <a:defRPr lang="zh-CN"/>
+      </a:pPr>
+    </a:p>
+  </c:txPr>
+  <c:externalData r:id="rId1">
+    <c:autoUpdate val="0"/>
+  </c:externalData>
+</c:chartSpace>
+</file>
+
+<file path=ppt/charts/chart4.xml><?xml version="1.0" encoding="utf-8"?>
+<c:chartSpace xmlns:c="http://schemas.openxmlformats.org/drawingml/2006/chart" xmlns:a="http://schemas.openxmlformats.org/drawingml/2006/main" xmlns:r="http://schemas.openxmlformats.org/officeDocument/2006/relationships">
+  <c:date1904 val="0"/>
+  <c:lang val="zh-CN"/>
+  <c:roundedCorners val="0"/>
+  <mc:AlternateContent xmlns:mc="http://schemas.openxmlformats.org/markup-compatibility/2006">
+    <mc:Choice xmlns:c14="http://schemas.microsoft.com/office/drawing/2007/8/2/chart" Requires="c14">
+      <c14:style val="102"/>
+    </mc:Choice>
+    <mc:Fallback>
+      <c:style val="2"/>
+    </mc:Fallback>
+  </mc:AlternateContent>
+  <c:chart>
+    <c:title>
+      <c:tx>
+        <c:rich>
+          <a:bodyPr rot="0" spcFirstLastPara="0" vertOverflow="ellipsis" vert="horz" wrap="square" anchor="ctr" anchorCtr="1"/>
+          <a:lstStyle/>
+          <a:p>
+            <a:pPr defTabSz="914400">
+              <a:defRPr lang="zh-CN" sz="1400" b="0" i="0" u="none" strike="noStrike" kern="1200" spc="0" baseline="0">
+                <a:solidFill>
+                  <a:schemeClr val="tx1">
+                    <a:lumMod val="65000"/>
+                    <a:lumOff val="35000"/>
+                  </a:schemeClr>
+                </a:solidFill>
+                <a:latin typeface="+mn-lt"/>
+                <a:ea typeface="+mn-ea"/>
+                <a:cs typeface="+mn-cs"/>
+              </a:defRPr>
+            </a:pPr>
+            <a:r>
+              <a:rPr lang="en-US" altLang="zh-CN" b="1"/>
+              <a:t>OSS Throughput</a:t>
+            </a:r>
+            <a:endParaRPr lang="en-US" altLang="zh-CN" b="1"/>
+          </a:p>
+        </c:rich>
+      </c:tx>
+      <c:layout>
+        <c:manualLayout>
+          <c:xMode val="edge"/>
+          <c:yMode val="edge"/>
+          <c:x val="0.397883411580595"/>
+          <c:y val="0.0375317371126511"/>
+        </c:manualLayout>
+      </c:layout>
+      <c:overlay val="0"/>
+      <c:spPr>
+        <a:noFill/>
+        <a:ln>
+          <a:noFill/>
+        </a:ln>
+        <a:effectLst/>
+      </c:spPr>
+    </c:title>
+    <c:autoTitleDeleted val="0"/>
+    <c:plotArea>
+      <c:layout/>
+      <c:lineChart>
+        <c:grouping val="standard"/>
+        <c:varyColors val="0"/>
+        <c:ser>
+          <c:idx val="0"/>
+          <c:order val="0"/>
+          <c:tx>
+            <c:strRef>
+              <c:f>[测试.xlsx]Sheet1!$B$100</c:f>
+              <c:strCache>
+                <c:ptCount val="1"/>
+                <c:pt idx="0">
+                  <c:v>read</c:v>
+                </c:pt>
+              </c:strCache>
+            </c:strRef>
+          </c:tx>
+          <c:spPr>
+            <a:ln w="28575" cap="rnd">
+              <a:solidFill>
+                <a:schemeClr val="accent1"/>
+              </a:solidFill>
+              <a:round/>
+            </a:ln>
+            <a:effectLst/>
+          </c:spPr>
+          <c:marker>
+            <c:symbol val="circle"/>
+            <c:size val="5"/>
+            <c:spPr>
+              <a:solidFill>
+                <a:schemeClr val="accent1"/>
+              </a:solidFill>
+              <a:ln w="9525">
+                <a:solidFill>
+                  <a:schemeClr val="accent1"/>
+                </a:solidFill>
+              </a:ln>
+              <a:effectLst/>
+            </c:spPr>
+          </c:marker>
+          <c:dLbls>
+            <c:delete val="1"/>
+          </c:dLbls>
+          <c:cat>
+            <c:strRef>
+              <c:f>[测试.xlsx]Sheet1!$C$99:$G$99</c:f>
+              <c:strCache>
+                <c:ptCount val="5"/>
+                <c:pt idx="0">
+                  <c:v>1kb</c:v>
+                </c:pt>
+                <c:pt idx="1">
+                  <c:v>10kb</c:v>
+                </c:pt>
+                <c:pt idx="2">
+                  <c:v>100kb</c:v>
+                </c:pt>
+                <c:pt idx="3">
+                  <c:v>1mb</c:v>
+                </c:pt>
+                <c:pt idx="4">
+                  <c:v>10mb</c:v>
+                </c:pt>
+              </c:strCache>
+            </c:strRef>
+          </c:cat>
+          <c:val>
+            <c:numRef>
+              <c:f>[测试.xlsx]Sheet1!$C$100:$G$100</c:f>
+              <c:numCache>
+                <c:formatCode>General</c:formatCode>
+                <c:ptCount val="5"/>
+                <c:pt idx="0">
+                  <c:v>0.0871043077176668</c:v>
+                </c:pt>
+                <c:pt idx="1">
+                  <c:v>0.82650264928555</c:v>
+                </c:pt>
+                <c:pt idx="2">
+                  <c:v>5.8639749846935</c:v>
+                </c:pt>
+                <c:pt idx="3">
+                  <c:v>18.0861541913166</c:v>
+                </c:pt>
+                <c:pt idx="4">
+                  <c:v>17.674052292192</c:v>
+                </c:pt>
+              </c:numCache>
+            </c:numRef>
+          </c:val>
+          <c:smooth val="0"/>
+        </c:ser>
+        <c:ser>
+          <c:idx val="1"/>
+          <c:order val="1"/>
+          <c:tx>
+            <c:strRef>
+              <c:f>[测试.xlsx]Sheet1!$B$101</c:f>
+              <c:strCache>
+                <c:ptCount val="1"/>
+                <c:pt idx="0">
+                  <c:v>write</c:v>
+                </c:pt>
+              </c:strCache>
+            </c:strRef>
+          </c:tx>
+          <c:spPr>
+            <a:ln w="28575" cap="rnd">
+              <a:solidFill>
+                <a:schemeClr val="accent2"/>
+              </a:solidFill>
+              <a:round/>
+            </a:ln>
+            <a:effectLst/>
+          </c:spPr>
+          <c:marker>
+            <c:symbol val="circle"/>
+            <c:size val="5"/>
+            <c:spPr>
+              <a:solidFill>
+                <a:schemeClr val="accent2"/>
+              </a:solidFill>
+              <a:ln w="9525">
+                <a:solidFill>
+                  <a:schemeClr val="accent2"/>
+                </a:solidFill>
+              </a:ln>
+              <a:effectLst/>
+            </c:spPr>
+          </c:marker>
+          <c:dLbls>
+            <c:delete val="1"/>
+          </c:dLbls>
+          <c:cat>
+            <c:strRef>
+              <c:f>[测试.xlsx]Sheet1!$C$99:$G$99</c:f>
+              <c:strCache>
+                <c:ptCount val="5"/>
+                <c:pt idx="0">
+                  <c:v>1kb</c:v>
+                </c:pt>
+                <c:pt idx="1">
+                  <c:v>10kb</c:v>
+                </c:pt>
+                <c:pt idx="2">
+                  <c:v>100kb</c:v>
+                </c:pt>
+                <c:pt idx="3">
+                  <c:v>1mb</c:v>
+                </c:pt>
+                <c:pt idx="4">
+                  <c:v>10mb</c:v>
+                </c:pt>
+              </c:strCache>
+            </c:strRef>
+          </c:cat>
+          <c:val>
+            <c:numRef>
+              <c:f>[测试.xlsx]Sheet1!$C$101:$G$101</c:f>
+              <c:numCache>
+                <c:formatCode>General</c:formatCode>
+                <c:ptCount val="5"/>
+                <c:pt idx="0">
+                  <c:v>0.0357638113877253</c:v>
+                </c:pt>
+                <c:pt idx="1">
+                  <c:v>0.341387100483598</c:v>
+                </c:pt>
+                <c:pt idx="2">
+                  <c:v>2.9469520949874</c:v>
+                </c:pt>
+                <c:pt idx="3">
+                  <c:v>16.7159681729087</c:v>
+                </c:pt>
+                <c:pt idx="4">
+                  <c:v>19.2732377546684</c:v>
+                </c:pt>
+              </c:numCache>
+            </c:numRef>
+          </c:val>
+          <c:smooth val="0"/>
+        </c:ser>
+        <c:dLbls>
+          <c:showLegendKey val="0"/>
+          <c:showVal val="0"/>
+          <c:showCatName val="0"/>
+          <c:showSerName val="0"/>
+          <c:showPercent val="0"/>
+          <c:showBubbleSize val="0"/>
+        </c:dLbls>
+        <c:marker val="1"/>
+        <c:smooth val="0"/>
+        <c:axId val="262935254"/>
+        <c:axId val="560349817"/>
+      </c:lineChart>
+      <c:catAx>
+        <c:axId val="262935254"/>
+        <c:scaling>
+          <c:orientation val="minMax"/>
+        </c:scaling>
+        <c:delete val="0"/>
+        <c:axPos val="b"/>
+        <c:title>
+          <c:tx>
+            <c:rich>
+              <a:bodyPr rot="0" spcFirstLastPara="0" vertOverflow="ellipsis" vert="horz" wrap="square" anchor="ctr" anchorCtr="1"/>
+              <a:lstStyle/>
+              <a:p>
+                <a:pPr defTabSz="914400">
+                  <a:defRPr lang="zh-CN" sz="1000" b="0" i="0" u="none" strike="noStrike" kern="1200" baseline="0">
+                    <a:solidFill>
+                      <a:schemeClr val="tx1">
+                        <a:lumMod val="65000"/>
+                        <a:lumOff val="35000"/>
+                      </a:schemeClr>
+                    </a:solidFill>
+                    <a:latin typeface="+mn-lt"/>
+                    <a:ea typeface="+mn-ea"/>
+                    <a:cs typeface="+mn-cs"/>
+                  </a:defRPr>
+                </a:pPr>
+                <a:r>
+                  <a:rPr lang="en-US" altLang="zh-CN" sz="1200" b="1"/>
+                  <a:t>I/O size/Bytes</a:t>
+                </a:r>
+                <a:endParaRPr lang="en-US" altLang="zh-CN" sz="1200" b="1"/>
+              </a:p>
+            </c:rich>
+          </c:tx>
+          <c:layout>
+            <c:manualLayout>
+              <c:xMode val="edge"/>
+              <c:yMode val="edge"/>
+              <c:x val="0.401638888888889"/>
+              <c:y val="0.881481481481482"/>
+            </c:manualLayout>
+          </c:layout>
+          <c:overlay val="0"/>
+          <c:spPr>
+            <a:noFill/>
+            <a:ln>
+              <a:noFill/>
+            </a:ln>
+            <a:effectLst/>
+          </c:spPr>
+        </c:title>
+        <c:majorTickMark val="none"/>
+        <c:minorTickMark val="none"/>
+        <c:tickLblPos val="nextTo"/>
+        <c:spPr>
+          <a:noFill/>
+          <a:ln w="9525" cap="flat" cmpd="sng" algn="ctr">
+            <a:solidFill>
+              <a:schemeClr val="tx1">
+                <a:lumMod val="15000"/>
+                <a:lumOff val="85000"/>
+              </a:schemeClr>
+            </a:solidFill>
+            <a:round/>
+          </a:ln>
+          <a:effectLst/>
+        </c:spPr>
+        <c:txPr>
+          <a:bodyPr rot="-60000000" spcFirstLastPara="0" vertOverflow="ellipsis" vert="horz" wrap="square" anchor="ctr" anchorCtr="1"/>
+          <a:lstStyle/>
+          <a:p>
+            <a:pPr>
+              <a:defRPr lang="zh-CN" sz="900" b="0" i="0" u="none" strike="noStrike" kern="1200" baseline="0">
+                <a:solidFill>
+                  <a:schemeClr val="tx1">
+                    <a:lumMod val="65000"/>
+                    <a:lumOff val="35000"/>
+                  </a:schemeClr>
+                </a:solidFill>
+                <a:latin typeface="+mn-lt"/>
+                <a:ea typeface="+mn-ea"/>
+                <a:cs typeface="+mn-cs"/>
+              </a:defRPr>
+            </a:pPr>
+          </a:p>
+        </c:txPr>
+        <c:crossAx val="560349817"/>
+        <c:crosses val="autoZero"/>
+        <c:auto val="1"/>
+        <c:lblAlgn val="ctr"/>
+        <c:lblOffset val="100"/>
+        <c:noMultiLvlLbl val="0"/>
+      </c:catAx>
+      <c:valAx>
+        <c:axId val="560349817"/>
+        <c:scaling>
+          <c:orientation val="minMax"/>
+        </c:scaling>
+        <c:delete val="0"/>
+        <c:axPos val="l"/>
+        <c:majorGridlines>
+          <c:spPr>
+            <a:ln w="9525" cap="flat" cmpd="sng" algn="ctr">
+              <a:solidFill>
+                <a:schemeClr val="tx1">
+                  <a:lumMod val="15000"/>
+                  <a:lumOff val="85000"/>
+                </a:schemeClr>
+              </a:solidFill>
+              <a:round/>
+            </a:ln>
+            <a:effectLst/>
+          </c:spPr>
+        </c:majorGridlines>
+        <c:title>
+          <c:tx>
+            <c:rich>
+              <a:bodyPr rot="-5400000" spcFirstLastPara="0" vertOverflow="ellipsis" vert="horz" wrap="square" anchor="ctr" anchorCtr="1"/>
+              <a:lstStyle/>
+              <a:p>
+                <a:pPr defTabSz="914400">
+                  <a:defRPr lang="zh-CN" sz="1000" b="0" i="0" u="none" strike="noStrike" kern="1200" baseline="0">
+                    <a:solidFill>
+                      <a:schemeClr val="tx1">
+                        <a:lumMod val="65000"/>
+                        <a:lumOff val="35000"/>
+                      </a:schemeClr>
+                    </a:solidFill>
+                    <a:latin typeface="+mn-lt"/>
+                    <a:ea typeface="+mn-ea"/>
+                    <a:cs typeface="+mn-cs"/>
+                  </a:defRPr>
+                </a:pPr>
+                <a:r>
+                  <a:rPr lang="en-US" altLang="zh-CN" sz="1200" b="1"/>
+                  <a:t>MB/s</a:t>
+                </a:r>
+                <a:endParaRPr lang="en-US" altLang="zh-CN" sz="1200" b="1"/>
+              </a:p>
+            </c:rich>
+          </c:tx>
+          <c:layout/>
+          <c:overlay val="0"/>
+          <c:spPr>
+            <a:noFill/>
+            <a:ln>
+              <a:noFill/>
+            </a:ln>
+            <a:effectLst/>
+          </c:spPr>
+        </c:title>
+        <c:numFmt formatCode="General" sourceLinked="1"/>
+        <c:majorTickMark val="none"/>
+        <c:minorTickMark val="none"/>
+        <c:tickLblPos val="nextTo"/>
+        <c:spPr>
+          <a:noFill/>
+          <a:ln>
+            <a:noFill/>
+          </a:ln>
+          <a:effectLst/>
+        </c:spPr>
+        <c:txPr>
+          <a:bodyPr rot="-60000000" spcFirstLastPara="0" vertOverflow="ellipsis" vert="horz" wrap="square" anchor="ctr" anchorCtr="1"/>
+          <a:lstStyle/>
+          <a:p>
+            <a:pPr>
+              <a:defRPr lang="zh-CN" sz="900" b="0" i="0" u="none" strike="noStrike" kern="1200" baseline="0">
+                <a:solidFill>
+                  <a:schemeClr val="tx1">
+                    <a:lumMod val="65000"/>
+                    <a:lumOff val="35000"/>
+                  </a:schemeClr>
+                </a:solidFill>
+                <a:latin typeface="+mn-lt"/>
+                <a:ea typeface="+mn-ea"/>
+                <a:cs typeface="+mn-cs"/>
+              </a:defRPr>
+            </a:pPr>
+          </a:p>
+        </c:txPr>
+        <c:crossAx val="262935254"/>
+        <c:crosses val="autoZero"/>
+        <c:crossBetween val="between"/>
+      </c:valAx>
+      <c:spPr>
+        <a:noFill/>
+        <a:ln>
+          <a:noFill/>
+        </a:ln>
+        <a:effectLst/>
+      </c:spPr>
+    </c:plotArea>
+    <c:legend>
+      <c:legendPos val="b"/>
+      <c:legendEntry>
+        <c:idx val="0"/>
+        <c:txPr>
+          <a:bodyPr rot="0" spcFirstLastPara="0" vertOverflow="ellipsis" vert="horz" wrap="square" anchor="ctr" anchorCtr="1"/>
+          <a:lstStyle/>
+          <a:p>
+            <a:pPr>
+              <a:defRPr lang="zh-CN" sz="1200" b="1" i="0" u="none" strike="noStrike" kern="1200" cap="none" spc="0" normalizeH="0" baseline="0">
+                <a:solidFill>
+                  <a:schemeClr val="tx1">
+                    <a:lumMod val="65000"/>
+                    <a:lumOff val="35000"/>
+                  </a:schemeClr>
+                </a:solidFill>
+                <a:uFill>
+                  <a:solidFill>
+                    <a:schemeClr val="tx1">
+                      <a:lumMod val="65000"/>
+                      <a:lumOff val="35000"/>
+                    </a:schemeClr>
+                  </a:solidFill>
+                </a:uFill>
+                <a:latin typeface="+mn-lt"/>
+                <a:ea typeface="+mn-ea"/>
+                <a:cs typeface="+mn-cs"/>
+              </a:defRPr>
+            </a:pPr>
+          </a:p>
+        </c:txPr>
+      </c:legendEntry>
+      <c:legendEntry>
+        <c:idx val="1"/>
+        <c:txPr>
+          <a:bodyPr rot="0" spcFirstLastPara="0" vertOverflow="ellipsis" vert="horz" wrap="square" anchor="ctr" anchorCtr="1"/>
+          <a:lstStyle/>
+          <a:p>
+            <a:pPr>
+              <a:defRPr lang="zh-CN" sz="1200" b="1" i="0" u="none" strike="noStrike" kern="1200" cap="none" spc="0" normalizeH="0" baseline="0">
+                <a:solidFill>
+                  <a:schemeClr val="tx1">
+                    <a:lumMod val="65000"/>
+                    <a:lumOff val="35000"/>
+                  </a:schemeClr>
+                </a:solidFill>
+                <a:uFill>
+                  <a:solidFill>
+                    <a:schemeClr val="tx1">
+                      <a:lumMod val="65000"/>
+                      <a:lumOff val="35000"/>
+                    </a:schemeClr>
+                  </a:solidFill>
+                </a:uFill>
+                <a:latin typeface="+mn-lt"/>
+                <a:ea typeface="+mn-ea"/>
+                <a:cs typeface="+mn-cs"/>
+              </a:defRPr>
+            </a:pPr>
+          </a:p>
+        </c:txPr>
+      </c:legendEntry>
+      <c:layout>
+        <c:manualLayout>
+          <c:xMode val="edge"/>
+          <c:yMode val="edge"/>
+          <c:x val="0.155592723004695"/>
+          <c:y val="0.179239462584892"/>
+        </c:manualLayout>
+      </c:layout>
+      <c:overlay val="0"/>
+      <c:spPr>
+        <a:noFill/>
+        <a:ln>
+          <a:noFill/>
+        </a:ln>
+        <a:effectLst/>
+      </c:spPr>
+      <c:txPr>
+        <a:bodyPr rot="0" spcFirstLastPara="0" vertOverflow="ellipsis" vert="horz" wrap="square" anchor="ctr" anchorCtr="1"/>
+        <a:lstStyle/>
+        <a:p>
+          <a:pPr>
+            <a:defRPr lang="zh-CN" sz="900" b="0" i="0" u="none" strike="noStrike" kern="1200" baseline="0">
+              <a:solidFill>
+                <a:schemeClr val="tx1">
+                  <a:lumMod val="65000"/>
+                  <a:lumOff val="35000"/>
+                </a:schemeClr>
+              </a:solidFill>
+              <a:latin typeface="+mn-lt"/>
+              <a:ea typeface="+mn-ea"/>
+              <a:cs typeface="+mn-cs"/>
+            </a:defRPr>
+          </a:pPr>
+        </a:p>
+      </c:txPr>
+    </c:legend>
+    <c:plotVisOnly val="1"/>
+    <c:dispBlanksAs val="gap"/>
+    <c:showDLblsOverMax val="0"/>
+  </c:chart>
+  <c:spPr>
+    <a:solidFill>
+      <a:schemeClr val="bg1"/>
+    </a:solidFill>
+    <a:ln w="9525" cap="flat" cmpd="sng" algn="ctr">
+      <a:solidFill>
+        <a:schemeClr val="tx1">
+          <a:lumMod val="15000"/>
+          <a:lumOff val="85000"/>
+        </a:schemeClr>
+      </a:solidFill>
+      <a:round/>
+    </a:ln>
+    <a:effectLst/>
+  </c:spPr>
+  <c:txPr>
+    <a:bodyPr/>
+    <a:lstStyle/>
+    <a:p>
+      <a:pPr>
+        <a:defRPr lang="zh-CN"/>
+      </a:pPr>
+    </a:p>
+  </c:txPr>
+  <c:externalData r:id="rId1">
+    <c:autoUpdate val="0"/>
+  </c:externalData>
+</c:chartSpace>
+</file>
+
+<file path=ppt/charts/chart5.xml><?xml version="1.0" encoding="utf-8"?>
 <c:chartSpace xmlns:c="http://schemas.openxmlformats.org/drawingml/2006/chart" xmlns:a="http://schemas.openxmlformats.org/drawingml/2006/main" xmlns:r="http://schemas.openxmlformats.org/officeDocument/2006/relationships">
   <c:date1904 val="0"/>
   <c:lang val="zh-CN"/>
@@ -2147,6 +3311,86 @@
 </cs:colorStyle>
 </file>
 
+<file path=ppt/charts/colors4.xml><?xml version="1.0" encoding="utf-8"?>
+<cs:colorStyle xmlns:cs="http://schemas.microsoft.com/office/drawing/2012/chartStyle" xmlns:a="http://schemas.openxmlformats.org/drawingml/2006/main" meth="cycle" id="10">
+  <a:schemeClr val="accent1"/>
+  <a:schemeClr val="accent2"/>
+  <a:schemeClr val="accent3"/>
+  <a:schemeClr val="accent4"/>
+  <a:schemeClr val="accent5"/>
+  <a:schemeClr val="accent6"/>
+  <cs:variation/>
+  <cs:variation>
+    <a:lumMod val="60000"/>
+  </cs:variation>
+  <cs:variation>
+    <a:lumMod val="80000"/>
+    <a:lumOff val="20000"/>
+  </cs:variation>
+  <cs:variation>
+    <a:lumMod val="80000"/>
+  </cs:variation>
+  <cs:variation>
+    <a:lumMod val="60000"/>
+    <a:lumOff val="40000"/>
+  </cs:variation>
+  <cs:variation>
+    <a:lumMod val="50000"/>
+  </cs:variation>
+  <cs:variation>
+    <a:lumMod val="70000"/>
+    <a:lumOff val="30000"/>
+  </cs:variation>
+  <cs:variation>
+    <a:lumMod val="70000"/>
+  </cs:variation>
+  <cs:variation>
+    <a:lumMod val="50000"/>
+    <a:lumOff val="50000"/>
+  </cs:variation>
+</cs:colorStyle>
+</file>
+
+<file path=ppt/charts/colors5.xml><?xml version="1.0" encoding="utf-8"?>
+<cs:colorStyle xmlns:cs="http://schemas.microsoft.com/office/drawing/2012/chartStyle" xmlns:a="http://schemas.openxmlformats.org/drawingml/2006/main" meth="cycle" id="10">
+  <a:schemeClr val="accent1"/>
+  <a:schemeClr val="accent2"/>
+  <a:schemeClr val="accent3"/>
+  <a:schemeClr val="accent4"/>
+  <a:schemeClr val="accent5"/>
+  <a:schemeClr val="accent6"/>
+  <cs:variation/>
+  <cs:variation>
+    <a:lumMod val="60000"/>
+  </cs:variation>
+  <cs:variation>
+    <a:lumMod val="80000"/>
+    <a:lumOff val="20000"/>
+  </cs:variation>
+  <cs:variation>
+    <a:lumMod val="80000"/>
+  </cs:variation>
+  <cs:variation>
+    <a:lumMod val="60000"/>
+    <a:lumOff val="40000"/>
+  </cs:variation>
+  <cs:variation>
+    <a:lumMod val="50000"/>
+  </cs:variation>
+  <cs:variation>
+    <a:lumMod val="70000"/>
+    <a:lumOff val="30000"/>
+  </cs:variation>
+  <cs:variation>
+    <a:lumMod val="70000"/>
+  </cs:variation>
+  <cs:variation>
+    <a:lumMod val="50000"/>
+    <a:lumOff val="50000"/>
+  </cs:variation>
+</cs:colorStyle>
+</file>
+
 <file path=ppt/charts/style1.xml><?xml version="1.0" encoding="utf-8"?>
 <cs:chartStyle xmlns:cs="http://schemas.microsoft.com/office/drawing/2012/chartStyle" xmlns:a="http://schemas.openxmlformats.org/drawingml/2006/main" id="227">
   <cs:axisTitle>
@@ -3180,6 +4424,1038 @@
 </file>
 
 <file path=ppt/charts/style3.xml><?xml version="1.0" encoding="utf-8"?>
+<cs:chartStyle xmlns:cs="http://schemas.microsoft.com/office/drawing/2012/chartStyle" xmlns:a="http://schemas.openxmlformats.org/drawingml/2006/main" id="227">
+  <cs:axisTitle>
+    <cs:lnRef idx="0"/>
+    <cs:fillRef idx="0"/>
+    <cs:effectRef idx="0"/>
+    <cs:fontRef idx="minor">
+      <a:schemeClr val="tx1">
+        <a:lumMod val="65000"/>
+        <a:lumOff val="35000"/>
+      </a:schemeClr>
+    </cs:fontRef>
+    <cs:defRPr sz="1000" kern="1200"/>
+  </cs:axisTitle>
+  <cs:categoryAxis>
+    <cs:lnRef idx="0"/>
+    <cs:fillRef idx="0"/>
+    <cs:effectRef idx="0"/>
+    <cs:fontRef idx="minor">
+      <a:schemeClr val="tx1">
+        <a:lumMod val="65000"/>
+        <a:lumOff val="35000"/>
+      </a:schemeClr>
+    </cs:fontRef>
+    <cs:spPr>
+      <a:ln w="9525" cap="flat" cmpd="sng" algn="ctr">
+        <a:solidFill>
+          <a:schemeClr val="tx1">
+            <a:lumMod val="15000"/>
+            <a:lumOff val="85000"/>
+          </a:schemeClr>
+        </a:solidFill>
+        <a:round/>
+      </a:ln>
+    </cs:spPr>
+    <cs:defRPr sz="900" kern="1200"/>
+  </cs:categoryAxis>
+  <cs:chartArea mods="allowNoFillOverride allowNoLineOverride">
+    <cs:lnRef idx="0"/>
+    <cs:fillRef idx="0"/>
+    <cs:effectRef idx="0"/>
+    <cs:fontRef idx="minor">
+      <a:schemeClr val="tx1"/>
+    </cs:fontRef>
+    <cs:spPr>
+      <a:solidFill>
+        <a:schemeClr val="bg1"/>
+      </a:solidFill>
+      <a:ln w="9525" cap="flat" cmpd="sng" algn="ctr">
+        <a:solidFill>
+          <a:schemeClr val="tx1">
+            <a:lumMod val="15000"/>
+            <a:lumOff val="85000"/>
+          </a:schemeClr>
+        </a:solidFill>
+        <a:round/>
+      </a:ln>
+    </cs:spPr>
+    <cs:defRPr sz="1000" kern="1200"/>
+  </cs:chartArea>
+  <cs:dataLabel>
+    <cs:lnRef idx="0"/>
+    <cs:fillRef idx="0"/>
+    <cs:effectRef idx="0"/>
+    <cs:fontRef idx="minor">
+      <a:schemeClr val="tx1">
+        <a:lumMod val="75000"/>
+        <a:lumOff val="25000"/>
+      </a:schemeClr>
+    </cs:fontRef>
+    <cs:defRPr sz="900" kern="1200"/>
+  </cs:dataLabel>
+  <cs:dataLabelCallout>
+    <cs:lnRef idx="0"/>
+    <cs:fillRef idx="0"/>
+    <cs:effectRef idx="0"/>
+    <cs:fontRef idx="minor">
+      <a:schemeClr val="dk1">
+        <a:lumMod val="65000"/>
+        <a:lumOff val="35000"/>
+      </a:schemeClr>
+    </cs:fontRef>
+    <cs:spPr>
+      <a:solidFill>
+        <a:schemeClr val="lt1"/>
+      </a:solidFill>
+      <a:ln>
+        <a:solidFill>
+          <a:schemeClr val="dk1">
+            <a:lumMod val="25000"/>
+            <a:lumOff val="75000"/>
+          </a:schemeClr>
+        </a:solidFill>
+      </a:ln>
+    </cs:spPr>
+    <cs:defRPr sz="900" kern="1200"/>
+    <cs:bodyPr rot="0" spcFirstLastPara="1" vertOverflow="clip" horzOverflow="clip" vert="horz" wrap="square" lIns="36576" tIns="18288" rIns="36576" bIns="18288" anchor="ctr" anchorCtr="1">
+      <a:spAutoFit/>
+    </cs:bodyPr>
+  </cs:dataLabelCallout>
+  <cs:dataPoint>
+    <cs:lnRef idx="0"/>
+    <cs:fillRef idx="1">
+      <cs:styleClr val="auto"/>
+    </cs:fillRef>
+    <cs:effectRef idx="0"/>
+    <cs:fontRef idx="minor">
+      <a:schemeClr val="tx1"/>
+    </cs:fontRef>
+    <cs:spPr>
+      <a:solidFill>
+        <a:schemeClr val="phClr"/>
+      </a:solidFill>
+    </cs:spPr>
+  </cs:dataPoint>
+  <cs:dataPoint3D>
+    <cs:lnRef idx="0"/>
+    <cs:fillRef idx="1">
+      <cs:styleClr val="auto"/>
+    </cs:fillRef>
+    <cs:effectRef idx="0"/>
+    <cs:fontRef idx="minor">
+      <a:schemeClr val="tx1"/>
+    </cs:fontRef>
+    <cs:spPr>
+      <a:solidFill>
+        <a:schemeClr val="phClr"/>
+      </a:solidFill>
+    </cs:spPr>
+  </cs:dataPoint3D>
+  <cs:dataPointLine>
+    <cs:lnRef idx="0">
+      <cs:styleClr val="auto"/>
+    </cs:lnRef>
+    <cs:fillRef idx="1"/>
+    <cs:effectRef idx="0"/>
+    <cs:fontRef idx="minor">
+      <a:schemeClr val="tx1"/>
+    </cs:fontRef>
+    <cs:spPr>
+      <a:ln w="28575" cap="rnd">
+        <a:solidFill>
+          <a:schemeClr val="phClr"/>
+        </a:solidFill>
+        <a:round/>
+      </a:ln>
+    </cs:spPr>
+  </cs:dataPointLine>
+  <cs:dataPointMarker>
+    <cs:lnRef idx="0">
+      <cs:styleClr val="auto"/>
+    </cs:lnRef>
+    <cs:fillRef idx="1">
+      <cs:styleClr val="auto"/>
+    </cs:fillRef>
+    <cs:effectRef idx="0"/>
+    <cs:fontRef idx="minor">
+      <a:schemeClr val="tx1"/>
+    </cs:fontRef>
+    <cs:spPr>
+      <a:solidFill>
+        <a:schemeClr val="phClr"/>
+      </a:solidFill>
+      <a:ln w="9525">
+        <a:solidFill>
+          <a:schemeClr val="phClr"/>
+        </a:solidFill>
+      </a:ln>
+    </cs:spPr>
+  </cs:dataPointMarker>
+  <cs:dataPointMarkerLayout symbol="circle" size="5"/>
+  <cs:dataPointWireframe>
+    <cs:lnRef idx="0">
+      <cs:styleClr val="auto"/>
+    </cs:lnRef>
+    <cs:fillRef idx="1"/>
+    <cs:effectRef idx="0"/>
+    <cs:fontRef idx="minor">
+      <a:schemeClr val="tx1"/>
+    </cs:fontRef>
+    <cs:spPr>
+      <a:ln w="9525" cap="rnd">
+        <a:solidFill>
+          <a:schemeClr val="phClr"/>
+        </a:solidFill>
+        <a:round/>
+      </a:ln>
+    </cs:spPr>
+  </cs:dataPointWireframe>
+  <cs:dataTable>
+    <cs:lnRef idx="0"/>
+    <cs:fillRef idx="0"/>
+    <cs:effectRef idx="0"/>
+    <cs:fontRef idx="minor">
+      <a:schemeClr val="tx1">
+        <a:lumMod val="65000"/>
+        <a:lumOff val="35000"/>
+      </a:schemeClr>
+    </cs:fontRef>
+    <cs:spPr>
+      <a:noFill/>
+      <a:ln w="9525" cap="flat" cmpd="sng" algn="ctr">
+        <a:solidFill>
+          <a:schemeClr val="tx1">
+            <a:lumMod val="15000"/>
+            <a:lumOff val="85000"/>
+          </a:schemeClr>
+        </a:solidFill>
+        <a:round/>
+      </a:ln>
+    </cs:spPr>
+    <cs:defRPr sz="900" kern="1200"/>
+  </cs:dataTable>
+  <cs:downBar>
+    <cs:lnRef idx="0"/>
+    <cs:fillRef idx="0"/>
+    <cs:effectRef idx="0"/>
+    <cs:fontRef idx="minor">
+      <a:schemeClr val="dk1"/>
+    </cs:fontRef>
+    <cs:spPr>
+      <a:solidFill>
+        <a:schemeClr val="dk1">
+          <a:lumMod val="65000"/>
+          <a:lumOff val="35000"/>
+        </a:schemeClr>
+      </a:solidFill>
+      <a:ln w="9525">
+        <a:solidFill>
+          <a:schemeClr val="tx1">
+            <a:lumMod val="65000"/>
+            <a:lumOff val="35000"/>
+          </a:schemeClr>
+        </a:solidFill>
+      </a:ln>
+    </cs:spPr>
+  </cs:downBar>
+  <cs:dropLine>
+    <cs:lnRef idx="0"/>
+    <cs:fillRef idx="0"/>
+    <cs:effectRef idx="0"/>
+    <cs:fontRef idx="minor">
+      <a:schemeClr val="tx1"/>
+    </cs:fontRef>
+    <cs:spPr>
+      <a:ln w="9525" cap="flat" cmpd="sng" algn="ctr">
+        <a:solidFill>
+          <a:schemeClr val="tx1">
+            <a:lumMod val="35000"/>
+            <a:lumOff val="65000"/>
+          </a:schemeClr>
+        </a:solidFill>
+        <a:round/>
+      </a:ln>
+    </cs:spPr>
+  </cs:dropLine>
+  <cs:errorBar>
+    <cs:lnRef idx="0"/>
+    <cs:fillRef idx="0"/>
+    <cs:effectRef idx="0"/>
+    <cs:fontRef idx="minor">
+      <a:schemeClr val="tx1"/>
+    </cs:fontRef>
+    <cs:spPr>
+      <a:ln w="9525" cap="flat" cmpd="sng" algn="ctr">
+        <a:solidFill>
+          <a:schemeClr val="tx1">
+            <a:lumMod val="65000"/>
+            <a:lumOff val="35000"/>
+          </a:schemeClr>
+        </a:solidFill>
+        <a:round/>
+      </a:ln>
+    </cs:spPr>
+  </cs:errorBar>
+  <cs:floor>
+    <cs:lnRef idx="0"/>
+    <cs:fillRef idx="0"/>
+    <cs:effectRef idx="0"/>
+    <cs:fontRef idx="minor">
+      <a:schemeClr val="tx1"/>
+    </cs:fontRef>
+    <cs:spPr>
+      <a:noFill/>
+      <a:ln>
+        <a:noFill/>
+      </a:ln>
+    </cs:spPr>
+  </cs:floor>
+  <cs:gridlineMajor>
+    <cs:lnRef idx="0"/>
+    <cs:fillRef idx="0"/>
+    <cs:effectRef idx="0"/>
+    <cs:fontRef idx="minor">
+      <a:schemeClr val="tx1"/>
+    </cs:fontRef>
+    <cs:spPr>
+      <a:ln w="9525" cap="flat" cmpd="sng" algn="ctr">
+        <a:solidFill>
+          <a:schemeClr val="tx1">
+            <a:lumMod val="15000"/>
+            <a:lumOff val="85000"/>
+          </a:schemeClr>
+        </a:solidFill>
+        <a:round/>
+      </a:ln>
+    </cs:spPr>
+  </cs:gridlineMajor>
+  <cs:gridlineMinor>
+    <cs:lnRef idx="0"/>
+    <cs:fillRef idx="0"/>
+    <cs:effectRef idx="0"/>
+    <cs:fontRef idx="minor">
+      <a:schemeClr val="tx1"/>
+    </cs:fontRef>
+    <cs:spPr>
+      <a:ln w="9525" cap="flat" cmpd="sng" algn="ctr">
+        <a:solidFill>
+          <a:schemeClr val="tx1">
+            <a:lumMod val="5000"/>
+            <a:lumOff val="95000"/>
+          </a:schemeClr>
+        </a:solidFill>
+        <a:round/>
+      </a:ln>
+    </cs:spPr>
+  </cs:gridlineMinor>
+  <cs:hiLoLine>
+    <cs:lnRef idx="0"/>
+    <cs:fillRef idx="0"/>
+    <cs:effectRef idx="0"/>
+    <cs:fontRef idx="minor">
+      <a:schemeClr val="tx1"/>
+    </cs:fontRef>
+    <cs:spPr>
+      <a:ln w="9525" cap="flat" cmpd="sng" algn="ctr">
+        <a:solidFill>
+          <a:schemeClr val="tx1">
+            <a:lumMod val="75000"/>
+            <a:lumOff val="25000"/>
+          </a:schemeClr>
+        </a:solidFill>
+        <a:round/>
+      </a:ln>
+    </cs:spPr>
+  </cs:hiLoLine>
+  <cs:leaderLine>
+    <cs:lnRef idx="0"/>
+    <cs:fillRef idx="0"/>
+    <cs:effectRef idx="0"/>
+    <cs:fontRef idx="minor">
+      <a:schemeClr val="tx1"/>
+    </cs:fontRef>
+    <cs:spPr>
+      <a:ln w="9525" cap="flat" cmpd="sng" algn="ctr">
+        <a:solidFill>
+          <a:schemeClr val="tx1">
+            <a:lumMod val="35000"/>
+            <a:lumOff val="65000"/>
+          </a:schemeClr>
+        </a:solidFill>
+        <a:round/>
+      </a:ln>
+    </cs:spPr>
+  </cs:leaderLine>
+  <cs:legend>
+    <cs:lnRef idx="0"/>
+    <cs:fillRef idx="0"/>
+    <cs:effectRef idx="0"/>
+    <cs:fontRef idx="minor">
+      <a:schemeClr val="tx1">
+        <a:lumMod val="65000"/>
+        <a:lumOff val="35000"/>
+      </a:schemeClr>
+    </cs:fontRef>
+    <cs:defRPr sz="900" kern="1200"/>
+  </cs:legend>
+  <cs:plotArea mods="allowNoFillOverride allowNoLineOverride">
+    <cs:lnRef idx="0"/>
+    <cs:fillRef idx="0"/>
+    <cs:effectRef idx="0"/>
+    <cs:fontRef idx="minor">
+      <a:schemeClr val="tx1"/>
+    </cs:fontRef>
+  </cs:plotArea>
+  <cs:plotArea3D mods="allowNoFillOverride allowNoLineOverride">
+    <cs:lnRef idx="0"/>
+    <cs:fillRef idx="0"/>
+    <cs:effectRef idx="0"/>
+    <cs:fontRef idx="minor">
+      <a:schemeClr val="tx1"/>
+    </cs:fontRef>
+  </cs:plotArea3D>
+  <cs:seriesAxis>
+    <cs:lnRef idx="0"/>
+    <cs:fillRef idx="0"/>
+    <cs:effectRef idx="0"/>
+    <cs:fontRef idx="minor">
+      <a:schemeClr val="tx1">
+        <a:lumMod val="65000"/>
+        <a:lumOff val="35000"/>
+      </a:schemeClr>
+    </cs:fontRef>
+    <cs:defRPr sz="900" kern="1200"/>
+  </cs:seriesAxis>
+  <cs:seriesLine>
+    <cs:lnRef idx="0"/>
+    <cs:fillRef idx="0"/>
+    <cs:effectRef idx="0"/>
+    <cs:fontRef idx="minor">
+      <a:schemeClr val="tx1"/>
+    </cs:fontRef>
+    <cs:spPr>
+      <a:ln w="9525" cap="flat" cmpd="sng" algn="ctr">
+        <a:solidFill>
+          <a:schemeClr val="tx1">
+            <a:lumMod val="35000"/>
+            <a:lumOff val="65000"/>
+          </a:schemeClr>
+        </a:solidFill>
+        <a:round/>
+      </a:ln>
+    </cs:spPr>
+  </cs:seriesLine>
+  <cs:title>
+    <cs:lnRef idx="0"/>
+    <cs:fillRef idx="0"/>
+    <cs:effectRef idx="0"/>
+    <cs:fontRef idx="minor">
+      <a:schemeClr val="tx1">
+        <a:lumMod val="65000"/>
+        <a:lumOff val="35000"/>
+      </a:schemeClr>
+    </cs:fontRef>
+    <cs:defRPr sz="1400" b="0" kern="1200" spc="0" baseline="0"/>
+  </cs:title>
+  <cs:trendline>
+    <cs:lnRef idx="0">
+      <cs:styleClr val="auto"/>
+    </cs:lnRef>
+    <cs:fillRef idx="0"/>
+    <cs:effectRef idx="0"/>
+    <cs:fontRef idx="minor">
+      <a:schemeClr val="tx1"/>
+    </cs:fontRef>
+    <cs:spPr>
+      <a:ln w="19050" cap="rnd">
+        <a:solidFill>
+          <a:schemeClr val="phClr"/>
+        </a:solidFill>
+        <a:prstDash val="sysDot"/>
+      </a:ln>
+    </cs:spPr>
+  </cs:trendline>
+  <cs:trendlineLabel>
+    <cs:lnRef idx="0"/>
+    <cs:fillRef idx="0"/>
+    <cs:effectRef idx="0"/>
+    <cs:fontRef idx="minor">
+      <a:schemeClr val="tx1">
+        <a:lumMod val="65000"/>
+        <a:lumOff val="35000"/>
+      </a:schemeClr>
+    </cs:fontRef>
+    <cs:defRPr sz="900" kern="1200"/>
+  </cs:trendlineLabel>
+  <cs:upBar>
+    <cs:lnRef idx="0"/>
+    <cs:fillRef idx="0"/>
+    <cs:effectRef idx="0"/>
+    <cs:fontRef idx="minor">
+      <a:schemeClr val="dk1"/>
+    </cs:fontRef>
+    <cs:spPr>
+      <a:solidFill>
+        <a:schemeClr val="lt1"/>
+      </a:solidFill>
+      <a:ln w="9525">
+        <a:solidFill>
+          <a:schemeClr val="tx1">
+            <a:lumMod val="15000"/>
+            <a:lumOff val="85000"/>
+          </a:schemeClr>
+        </a:solidFill>
+      </a:ln>
+    </cs:spPr>
+  </cs:upBar>
+  <cs:valueAxis>
+    <cs:lnRef idx="0"/>
+    <cs:fillRef idx="0"/>
+    <cs:effectRef idx="0"/>
+    <cs:fontRef idx="minor">
+      <a:schemeClr val="tx1">
+        <a:lumMod val="65000"/>
+        <a:lumOff val="35000"/>
+      </a:schemeClr>
+    </cs:fontRef>
+    <cs:defRPr sz="900" kern="1200"/>
+  </cs:valueAxis>
+  <cs:wall>
+    <cs:lnRef idx="0"/>
+    <cs:fillRef idx="0"/>
+    <cs:effectRef idx="0"/>
+    <cs:fontRef idx="minor">
+      <a:schemeClr val="tx1"/>
+    </cs:fontRef>
+    <cs:spPr>
+      <a:noFill/>
+      <a:ln>
+        <a:noFill/>
+      </a:ln>
+    </cs:spPr>
+  </cs:wall>
+</cs:chartStyle>
+</file>
+
+<file path=ppt/charts/style4.xml><?xml version="1.0" encoding="utf-8"?>
+<cs:chartStyle xmlns:cs="http://schemas.microsoft.com/office/drawing/2012/chartStyle" xmlns:a="http://schemas.openxmlformats.org/drawingml/2006/main" id="227">
+  <cs:axisTitle>
+    <cs:lnRef idx="0"/>
+    <cs:fillRef idx="0"/>
+    <cs:effectRef idx="0"/>
+    <cs:fontRef idx="minor">
+      <a:schemeClr val="tx1">
+        <a:lumMod val="65000"/>
+        <a:lumOff val="35000"/>
+      </a:schemeClr>
+    </cs:fontRef>
+    <cs:defRPr sz="1000" kern="1200"/>
+  </cs:axisTitle>
+  <cs:categoryAxis>
+    <cs:lnRef idx="0"/>
+    <cs:fillRef idx="0"/>
+    <cs:effectRef idx="0"/>
+    <cs:fontRef idx="minor">
+      <a:schemeClr val="tx1">
+        <a:lumMod val="65000"/>
+        <a:lumOff val="35000"/>
+      </a:schemeClr>
+    </cs:fontRef>
+    <cs:spPr>
+      <a:ln w="9525" cap="flat" cmpd="sng" algn="ctr">
+        <a:solidFill>
+          <a:schemeClr val="tx1">
+            <a:lumMod val="15000"/>
+            <a:lumOff val="85000"/>
+          </a:schemeClr>
+        </a:solidFill>
+        <a:round/>
+      </a:ln>
+    </cs:spPr>
+    <cs:defRPr sz="900" kern="1200"/>
+  </cs:categoryAxis>
+  <cs:chartArea mods="allowNoFillOverride allowNoLineOverride">
+    <cs:lnRef idx="0"/>
+    <cs:fillRef idx="0"/>
+    <cs:effectRef idx="0"/>
+    <cs:fontRef idx="minor">
+      <a:schemeClr val="tx1"/>
+    </cs:fontRef>
+    <cs:spPr>
+      <a:solidFill>
+        <a:schemeClr val="bg1"/>
+      </a:solidFill>
+      <a:ln w="9525" cap="flat" cmpd="sng" algn="ctr">
+        <a:solidFill>
+          <a:schemeClr val="tx1">
+            <a:lumMod val="15000"/>
+            <a:lumOff val="85000"/>
+          </a:schemeClr>
+        </a:solidFill>
+        <a:round/>
+      </a:ln>
+    </cs:spPr>
+    <cs:defRPr sz="1000" kern="1200"/>
+  </cs:chartArea>
+  <cs:dataLabel>
+    <cs:lnRef idx="0"/>
+    <cs:fillRef idx="0"/>
+    <cs:effectRef idx="0"/>
+    <cs:fontRef idx="minor">
+      <a:schemeClr val="tx1">
+        <a:lumMod val="75000"/>
+        <a:lumOff val="25000"/>
+      </a:schemeClr>
+    </cs:fontRef>
+    <cs:defRPr sz="900" kern="1200"/>
+  </cs:dataLabel>
+  <cs:dataLabelCallout>
+    <cs:lnRef idx="0"/>
+    <cs:fillRef idx="0"/>
+    <cs:effectRef idx="0"/>
+    <cs:fontRef idx="minor">
+      <a:schemeClr val="dk1">
+        <a:lumMod val="65000"/>
+        <a:lumOff val="35000"/>
+      </a:schemeClr>
+    </cs:fontRef>
+    <cs:spPr>
+      <a:solidFill>
+        <a:schemeClr val="lt1"/>
+      </a:solidFill>
+      <a:ln>
+        <a:solidFill>
+          <a:schemeClr val="dk1">
+            <a:lumMod val="25000"/>
+            <a:lumOff val="75000"/>
+          </a:schemeClr>
+        </a:solidFill>
+      </a:ln>
+    </cs:spPr>
+    <cs:defRPr sz="900" kern="1200"/>
+    <cs:bodyPr rot="0" spcFirstLastPara="1" vertOverflow="clip" horzOverflow="clip" vert="horz" wrap="square" lIns="36576" tIns="18288" rIns="36576" bIns="18288" anchor="ctr" anchorCtr="1">
+      <a:spAutoFit/>
+    </cs:bodyPr>
+  </cs:dataLabelCallout>
+  <cs:dataPoint>
+    <cs:lnRef idx="0"/>
+    <cs:fillRef idx="1">
+      <cs:styleClr val="auto"/>
+    </cs:fillRef>
+    <cs:effectRef idx="0"/>
+    <cs:fontRef idx="minor">
+      <a:schemeClr val="tx1"/>
+    </cs:fontRef>
+    <cs:spPr>
+      <a:solidFill>
+        <a:schemeClr val="phClr"/>
+      </a:solidFill>
+    </cs:spPr>
+  </cs:dataPoint>
+  <cs:dataPoint3D>
+    <cs:lnRef idx="0"/>
+    <cs:fillRef idx="1">
+      <cs:styleClr val="auto"/>
+    </cs:fillRef>
+    <cs:effectRef idx="0"/>
+    <cs:fontRef idx="minor">
+      <a:schemeClr val="tx1"/>
+    </cs:fontRef>
+    <cs:spPr>
+      <a:solidFill>
+        <a:schemeClr val="phClr"/>
+      </a:solidFill>
+    </cs:spPr>
+  </cs:dataPoint3D>
+  <cs:dataPointLine>
+    <cs:lnRef idx="0">
+      <cs:styleClr val="auto"/>
+    </cs:lnRef>
+    <cs:fillRef idx="1"/>
+    <cs:effectRef idx="0"/>
+    <cs:fontRef idx="minor">
+      <a:schemeClr val="tx1"/>
+    </cs:fontRef>
+    <cs:spPr>
+      <a:ln w="28575" cap="rnd">
+        <a:solidFill>
+          <a:schemeClr val="phClr"/>
+        </a:solidFill>
+        <a:round/>
+      </a:ln>
+    </cs:spPr>
+  </cs:dataPointLine>
+  <cs:dataPointMarker>
+    <cs:lnRef idx="0">
+      <cs:styleClr val="auto"/>
+    </cs:lnRef>
+    <cs:fillRef idx="1">
+      <cs:styleClr val="auto"/>
+    </cs:fillRef>
+    <cs:effectRef idx="0"/>
+    <cs:fontRef idx="minor">
+      <a:schemeClr val="tx1"/>
+    </cs:fontRef>
+    <cs:spPr>
+      <a:solidFill>
+        <a:schemeClr val="phClr"/>
+      </a:solidFill>
+      <a:ln w="9525">
+        <a:solidFill>
+          <a:schemeClr val="phClr"/>
+        </a:solidFill>
+      </a:ln>
+    </cs:spPr>
+  </cs:dataPointMarker>
+  <cs:dataPointMarkerLayout symbol="circle" size="5"/>
+  <cs:dataPointWireframe>
+    <cs:lnRef idx="0">
+      <cs:styleClr val="auto"/>
+    </cs:lnRef>
+    <cs:fillRef idx="1"/>
+    <cs:effectRef idx="0"/>
+    <cs:fontRef idx="minor">
+      <a:schemeClr val="tx1"/>
+    </cs:fontRef>
+    <cs:spPr>
+      <a:ln w="9525" cap="rnd">
+        <a:solidFill>
+          <a:schemeClr val="phClr"/>
+        </a:solidFill>
+        <a:round/>
+      </a:ln>
+    </cs:spPr>
+  </cs:dataPointWireframe>
+  <cs:dataTable>
+    <cs:lnRef idx="0"/>
+    <cs:fillRef idx="0"/>
+    <cs:effectRef idx="0"/>
+    <cs:fontRef idx="minor">
+      <a:schemeClr val="tx1">
+        <a:lumMod val="65000"/>
+        <a:lumOff val="35000"/>
+      </a:schemeClr>
+    </cs:fontRef>
+    <cs:spPr>
+      <a:noFill/>
+      <a:ln w="9525" cap="flat" cmpd="sng" algn="ctr">
+        <a:solidFill>
+          <a:schemeClr val="tx1">
+            <a:lumMod val="15000"/>
+            <a:lumOff val="85000"/>
+          </a:schemeClr>
+        </a:solidFill>
+        <a:round/>
+      </a:ln>
+    </cs:spPr>
+    <cs:defRPr sz="900" kern="1200"/>
+  </cs:dataTable>
+  <cs:downBar>
+    <cs:lnRef idx="0"/>
+    <cs:fillRef idx="0"/>
+    <cs:effectRef idx="0"/>
+    <cs:fontRef idx="minor">
+      <a:schemeClr val="dk1"/>
+    </cs:fontRef>
+    <cs:spPr>
+      <a:solidFill>
+        <a:schemeClr val="dk1">
+          <a:lumMod val="65000"/>
+          <a:lumOff val="35000"/>
+        </a:schemeClr>
+      </a:solidFill>
+      <a:ln w="9525">
+        <a:solidFill>
+          <a:schemeClr val="tx1">
+            <a:lumMod val="65000"/>
+            <a:lumOff val="35000"/>
+          </a:schemeClr>
+        </a:solidFill>
+      </a:ln>
+    </cs:spPr>
+  </cs:downBar>
+  <cs:dropLine>
+    <cs:lnRef idx="0"/>
+    <cs:fillRef idx="0"/>
+    <cs:effectRef idx="0"/>
+    <cs:fontRef idx="minor">
+      <a:schemeClr val="tx1"/>
+    </cs:fontRef>
+    <cs:spPr>
+      <a:ln w="9525" cap="flat" cmpd="sng" algn="ctr">
+        <a:solidFill>
+          <a:schemeClr val="tx1">
+            <a:lumMod val="35000"/>
+            <a:lumOff val="65000"/>
+          </a:schemeClr>
+        </a:solidFill>
+        <a:round/>
+      </a:ln>
+    </cs:spPr>
+  </cs:dropLine>
+  <cs:errorBar>
+    <cs:lnRef idx="0"/>
+    <cs:fillRef idx="0"/>
+    <cs:effectRef idx="0"/>
+    <cs:fontRef idx="minor">
+      <a:schemeClr val="tx1"/>
+    </cs:fontRef>
+    <cs:spPr>
+      <a:ln w="9525" cap="flat" cmpd="sng" algn="ctr">
+        <a:solidFill>
+          <a:schemeClr val="tx1">
+            <a:lumMod val="65000"/>
+            <a:lumOff val="35000"/>
+          </a:schemeClr>
+        </a:solidFill>
+        <a:round/>
+      </a:ln>
+    </cs:spPr>
+  </cs:errorBar>
+  <cs:floor>
+    <cs:lnRef idx="0"/>
+    <cs:fillRef idx="0"/>
+    <cs:effectRef idx="0"/>
+    <cs:fontRef idx="minor">
+      <a:schemeClr val="tx1"/>
+    </cs:fontRef>
+    <cs:spPr>
+      <a:noFill/>
+      <a:ln>
+        <a:noFill/>
+      </a:ln>
+    </cs:spPr>
+  </cs:floor>
+  <cs:gridlineMajor>
+    <cs:lnRef idx="0"/>
+    <cs:fillRef idx="0"/>
+    <cs:effectRef idx="0"/>
+    <cs:fontRef idx="minor">
+      <a:schemeClr val="tx1"/>
+    </cs:fontRef>
+    <cs:spPr>
+      <a:ln w="9525" cap="flat" cmpd="sng" algn="ctr">
+        <a:solidFill>
+          <a:schemeClr val="tx1">
+            <a:lumMod val="15000"/>
+            <a:lumOff val="85000"/>
+          </a:schemeClr>
+        </a:solidFill>
+        <a:round/>
+      </a:ln>
+    </cs:spPr>
+  </cs:gridlineMajor>
+  <cs:gridlineMinor>
+    <cs:lnRef idx="0"/>
+    <cs:fillRef idx="0"/>
+    <cs:effectRef idx="0"/>
+    <cs:fontRef idx="minor">
+      <a:schemeClr val="tx1"/>
+    </cs:fontRef>
+    <cs:spPr>
+      <a:ln w="9525" cap="flat" cmpd="sng" algn="ctr">
+        <a:solidFill>
+          <a:schemeClr val="tx1">
+            <a:lumMod val="5000"/>
+            <a:lumOff val="95000"/>
+          </a:schemeClr>
+        </a:solidFill>
+        <a:round/>
+      </a:ln>
+    </cs:spPr>
+  </cs:gridlineMinor>
+  <cs:hiLoLine>
+    <cs:lnRef idx="0"/>
+    <cs:fillRef idx="0"/>
+    <cs:effectRef idx="0"/>
+    <cs:fontRef idx="minor">
+      <a:schemeClr val="tx1"/>
+    </cs:fontRef>
+    <cs:spPr>
+      <a:ln w="9525" cap="flat" cmpd="sng" algn="ctr">
+        <a:solidFill>
+          <a:schemeClr val="tx1">
+            <a:lumMod val="75000"/>
+            <a:lumOff val="25000"/>
+          </a:schemeClr>
+        </a:solidFill>
+        <a:round/>
+      </a:ln>
+    </cs:spPr>
+  </cs:hiLoLine>
+  <cs:leaderLine>
+    <cs:lnRef idx="0"/>
+    <cs:fillRef idx="0"/>
+    <cs:effectRef idx="0"/>
+    <cs:fontRef idx="minor">
+      <a:schemeClr val="tx1"/>
+    </cs:fontRef>
+    <cs:spPr>
+      <a:ln w="9525" cap="flat" cmpd="sng" algn="ctr">
+        <a:solidFill>
+          <a:schemeClr val="tx1">
+            <a:lumMod val="35000"/>
+            <a:lumOff val="65000"/>
+          </a:schemeClr>
+        </a:solidFill>
+        <a:round/>
+      </a:ln>
+    </cs:spPr>
+  </cs:leaderLine>
+  <cs:legend>
+    <cs:lnRef idx="0"/>
+    <cs:fillRef idx="0"/>
+    <cs:effectRef idx="0"/>
+    <cs:fontRef idx="minor">
+      <a:schemeClr val="tx1">
+        <a:lumMod val="65000"/>
+        <a:lumOff val="35000"/>
+      </a:schemeClr>
+    </cs:fontRef>
+    <cs:defRPr sz="900" kern="1200"/>
+  </cs:legend>
+  <cs:plotArea mods="allowNoFillOverride allowNoLineOverride">
+    <cs:lnRef idx="0"/>
+    <cs:fillRef idx="0"/>
+    <cs:effectRef idx="0"/>
+    <cs:fontRef idx="minor">
+      <a:schemeClr val="tx1"/>
+    </cs:fontRef>
+  </cs:plotArea>
+  <cs:plotArea3D mods="allowNoFillOverride allowNoLineOverride">
+    <cs:lnRef idx="0"/>
+    <cs:fillRef idx="0"/>
+    <cs:effectRef idx="0"/>
+    <cs:fontRef idx="minor">
+      <a:schemeClr val="tx1"/>
+    </cs:fontRef>
+  </cs:plotArea3D>
+  <cs:seriesAxis>
+    <cs:lnRef idx="0"/>
+    <cs:fillRef idx="0"/>
+    <cs:effectRef idx="0"/>
+    <cs:fontRef idx="minor">
+      <a:schemeClr val="tx1">
+        <a:lumMod val="65000"/>
+        <a:lumOff val="35000"/>
+      </a:schemeClr>
+    </cs:fontRef>
+    <cs:defRPr sz="900" kern="1200"/>
+  </cs:seriesAxis>
+  <cs:seriesLine>
+    <cs:lnRef idx="0"/>
+    <cs:fillRef idx="0"/>
+    <cs:effectRef idx="0"/>
+    <cs:fontRef idx="minor">
+      <a:schemeClr val="tx1"/>
+    </cs:fontRef>
+    <cs:spPr>
+      <a:ln w="9525" cap="flat" cmpd="sng" algn="ctr">
+        <a:solidFill>
+          <a:schemeClr val="tx1">
+            <a:lumMod val="35000"/>
+            <a:lumOff val="65000"/>
+          </a:schemeClr>
+        </a:solidFill>
+        <a:round/>
+      </a:ln>
+    </cs:spPr>
+  </cs:seriesLine>
+  <cs:title>
+    <cs:lnRef idx="0"/>
+    <cs:fillRef idx="0"/>
+    <cs:effectRef idx="0"/>
+    <cs:fontRef idx="minor">
+      <a:schemeClr val="tx1">
+        <a:lumMod val="65000"/>
+        <a:lumOff val="35000"/>
+      </a:schemeClr>
+    </cs:fontRef>
+    <cs:defRPr sz="1400" b="0" kern="1200" spc="0" baseline="0"/>
+  </cs:title>
+  <cs:trendline>
+    <cs:lnRef idx="0">
+      <cs:styleClr val="auto"/>
+    </cs:lnRef>
+    <cs:fillRef idx="0"/>
+    <cs:effectRef idx="0"/>
+    <cs:fontRef idx="minor">
+      <a:schemeClr val="tx1"/>
+    </cs:fontRef>
+    <cs:spPr>
+      <a:ln w="19050" cap="rnd">
+        <a:solidFill>
+          <a:schemeClr val="phClr"/>
+        </a:solidFill>
+        <a:prstDash val="sysDot"/>
+      </a:ln>
+    </cs:spPr>
+  </cs:trendline>
+  <cs:trendlineLabel>
+    <cs:lnRef idx="0"/>
+    <cs:fillRef idx="0"/>
+    <cs:effectRef idx="0"/>
+    <cs:fontRef idx="minor">
+      <a:schemeClr val="tx1">
+        <a:lumMod val="65000"/>
+        <a:lumOff val="35000"/>
+      </a:schemeClr>
+    </cs:fontRef>
+    <cs:defRPr sz="900" kern="1200"/>
+  </cs:trendlineLabel>
+  <cs:upBar>
+    <cs:lnRef idx="0"/>
+    <cs:fillRef idx="0"/>
+    <cs:effectRef idx="0"/>
+    <cs:fontRef idx="minor">
+      <a:schemeClr val="dk1"/>
+    </cs:fontRef>
+    <cs:spPr>
+      <a:solidFill>
+        <a:schemeClr val="lt1"/>
+      </a:solidFill>
+      <a:ln w="9525">
+        <a:solidFill>
+          <a:schemeClr val="tx1">
+            <a:lumMod val="15000"/>
+            <a:lumOff val="85000"/>
+          </a:schemeClr>
+        </a:solidFill>
+      </a:ln>
+    </cs:spPr>
+  </cs:upBar>
+  <cs:valueAxis>
+    <cs:lnRef idx="0"/>
+    <cs:fillRef idx="0"/>
+    <cs:effectRef idx="0"/>
+    <cs:fontRef idx="minor">
+      <a:schemeClr val="tx1">
+        <a:lumMod val="65000"/>
+        <a:lumOff val="35000"/>
+      </a:schemeClr>
+    </cs:fontRef>
+    <cs:defRPr sz="900" kern="1200"/>
+  </cs:valueAxis>
+  <cs:wall>
+    <cs:lnRef idx="0"/>
+    <cs:fillRef idx="0"/>
+    <cs:effectRef idx="0"/>
+    <cs:fontRef idx="minor">
+      <a:schemeClr val="tx1"/>
+    </cs:fontRef>
+    <cs:spPr>
+      <a:noFill/>
+      <a:ln>
+        <a:noFill/>
+      </a:ln>
+    </cs:spPr>
+  </cs:wall>
+</cs:chartStyle>
+</file>
+
+<file path=ppt/charts/style5.xml><?xml version="1.0" encoding="utf-8"?>
 <cs:chartStyle xmlns:cs="http://schemas.microsoft.com/office/drawing/2012/chartStyle" xmlns:a="http://schemas.openxmlformats.org/drawingml/2006/main" id="297">
   <cs:axisTitle>
     <cs:lnRef idx="0"/>
@@ -4076,6 +6352,50 @@
 </file>
 
 <file path=ppt/notesSlides/notesSlide2.xml><?xml version="1.0" encoding="utf-8"?>
+<p:notes xmlns:a="http://schemas.openxmlformats.org/drawingml/2006/main" xmlns:r="http://schemas.openxmlformats.org/officeDocument/2006/relationships" xmlns:p="http://schemas.openxmlformats.org/presentationml/2006/main">
+  <p:cSld>
+    <p:spTree>
+      <p:nvGrpSpPr>
+        <p:cNvPr id="1" name=""/>
+        <p:cNvGrpSpPr/>
+        <p:nvPr/>
+      </p:nvGrpSpPr>
+      <p:grpSpPr/>
+      <p:sp>
+        <p:nvSpPr>
+          <p:cNvPr id="2" name="幻灯片图像占位符 1"/>
+          <p:cNvSpPr/>
+          <p:nvPr>
+            <p:ph type="sldImg" idx="2"/>
+          </p:nvPr>
+        </p:nvSpPr>
+        <p:spPr/>
+      </p:sp>
+      <p:sp>
+        <p:nvSpPr>
+          <p:cNvPr id="3" name="文本占位符 2"/>
+          <p:cNvSpPr/>
+          <p:nvPr>
+            <p:ph type="body" idx="3"/>
+          </p:nvPr>
+        </p:nvSpPr>
+        <p:spPr/>
+        <p:txBody>
+          <a:bodyPr/>
+          <a:p>
+            <a:endParaRPr lang="zh-CN" altLang="en-US"/>
+          </a:p>
+        </p:txBody>
+      </p:sp>
+    </p:spTree>
+  </p:cSld>
+  <p:clrMapOvr>
+    <a:masterClrMapping/>
+  </p:clrMapOvr>
+</p:notes>
+</file>
+
+<file path=ppt/notesSlides/notesSlide3.xml><?xml version="1.0" encoding="utf-8"?>
 <p:notes xmlns:a="http://schemas.openxmlformats.org/drawingml/2006/main" xmlns:r="http://schemas.openxmlformats.org/officeDocument/2006/relationships" xmlns:p="http://schemas.openxmlformats.org/presentationml/2006/main">
   <p:cSld>
     <p:spTree>
@@ -7533,6 +9853,162 @@
           </a:p>
         </p:txBody>
       </p:sp>
+      <p:sp>
+        <p:nvSpPr>
+          <p:cNvPr id="19" name="文本框 18"/>
+          <p:cNvSpPr txBox="1"/>
+          <p:nvPr/>
+        </p:nvSpPr>
+        <p:spPr>
+          <a:xfrm>
+            <a:off x="0" y="6520815"/>
+            <a:ext cx="11722735" cy="337185"/>
+          </a:xfrm>
+          <a:prstGeom prst="rect">
+            <a:avLst/>
+          </a:prstGeom>
+          <a:noFill/>
+        </p:spPr>
+        <p:txBody>
+          <a:bodyPr wrap="square" rtlCol="0">
+            <a:spAutoFit/>
+          </a:bodyPr>
+          <a:p>
+            <a:r>
+              <a:rPr lang="en-US" altLang="zh-CN" sz="1600">
+                <a:solidFill>
+                  <a:schemeClr val="bg2">
+                    <a:lumMod val="50000"/>
+                  </a:schemeClr>
+                </a:solidFill>
+                <a:sym typeface="+mn-ea"/>
+              </a:rPr>
+              <a:t>[1] Understanding Ephemeral Storage for Serverless Analytics  ATC’18</a:t>
+            </a:r>
+            <a:endParaRPr lang="en-US" altLang="zh-CN" sz="1600">
+              <a:solidFill>
+                <a:schemeClr val="bg2">
+                  <a:lumMod val="50000"/>
+                </a:schemeClr>
+              </a:solidFill>
+              <a:sym typeface="+mn-ea"/>
+            </a:endParaRPr>
+          </a:p>
+        </p:txBody>
+      </p:sp>
+      <p:cxnSp>
+        <p:nvCxnSpPr>
+          <p:cNvPr id="4" name="直接连接符 3"/>
+          <p:cNvCxnSpPr/>
+          <p:nvPr/>
+        </p:nvCxnSpPr>
+        <p:spPr>
+          <a:xfrm>
+            <a:off x="6459220" y="1348105"/>
+            <a:ext cx="0" cy="4773930"/>
+          </a:xfrm>
+          <a:prstGeom prst="line">
+            <a:avLst/>
+          </a:prstGeom>
+          <a:ln w="28575" cmpd="sng">
+            <a:solidFill>
+              <a:schemeClr val="bg2">
+                <a:lumMod val="75000"/>
+              </a:schemeClr>
+            </a:solidFill>
+            <a:prstDash val="sysDash"/>
+            <a:headEnd type="none" w="med" len="med"/>
+            <a:tailEnd type="none" w="med" len="med"/>
+          </a:ln>
+        </p:spPr>
+        <p:style>
+          <a:lnRef idx="1">
+            <a:schemeClr val="accent1"/>
+          </a:lnRef>
+          <a:fillRef idx="0">
+            <a:schemeClr val="accent1"/>
+          </a:fillRef>
+          <a:effectRef idx="0">
+            <a:schemeClr val="accent1"/>
+          </a:effectRef>
+          <a:fontRef idx="minor">
+            <a:schemeClr val="tx1"/>
+          </a:fontRef>
+        </p:style>
+      </p:cxnSp>
+      <p:pic>
+        <p:nvPicPr>
+          <p:cNvPr id="5" name="图片 4"/>
+          <p:cNvPicPr>
+            <a:picLocks noChangeAspect="1"/>
+          </p:cNvPicPr>
+          <p:nvPr/>
+        </p:nvPicPr>
+        <p:blipFill>
+          <a:blip r:embed="rId2"/>
+          <a:stretch>
+            <a:fillRect/>
+          </a:stretch>
+        </p:blipFill>
+        <p:spPr>
+          <a:xfrm>
+            <a:off x="6602095" y="2494915"/>
+            <a:ext cx="5334000" cy="2913380"/>
+          </a:xfrm>
+          <a:prstGeom prst="rect">
+            <a:avLst/>
+          </a:prstGeom>
+        </p:spPr>
+      </p:pic>
+      <p:sp>
+        <p:nvSpPr>
+          <p:cNvPr id="6" name="文本框 5"/>
+          <p:cNvSpPr txBox="1"/>
+          <p:nvPr/>
+        </p:nvSpPr>
+        <p:spPr>
+          <a:xfrm>
+            <a:off x="7379335" y="5604510"/>
+            <a:ext cx="4228465" cy="368300"/>
+          </a:xfrm>
+          <a:prstGeom prst="rect">
+            <a:avLst/>
+          </a:prstGeom>
+          <a:noFill/>
+        </p:spPr>
+        <p:txBody>
+          <a:bodyPr wrap="square" rtlCol="0">
+            <a:spAutoFit/>
+          </a:bodyPr>
+          <a:p>
+            <a:r>
+              <a:rPr lang="zh-CN" altLang="en-US" b="1"/>
+              <a:t>Peak storage throughput per lambda</a:t>
+            </a:r>
+            <a:r>
+              <a:rPr lang="en-US" altLang="zh-CN" b="1" baseline="30000"/>
+              <a:t>[1]</a:t>
+            </a:r>
+            <a:endParaRPr lang="en-US" altLang="zh-CN" b="1" baseline="30000"/>
+          </a:p>
+        </p:txBody>
+      </p:sp>
+      <p:graphicFrame>
+        <p:nvGraphicFramePr>
+          <p:cNvPr id="7" name="图表 6"/>
+          <p:cNvGraphicFramePr/>
+          <p:nvPr/>
+        </p:nvGraphicFramePr>
+        <p:xfrm>
+          <a:off x="715010" y="2424113"/>
+          <a:ext cx="5414010" cy="3390265"/>
+        </p:xfrm>
+        <a:graphic>
+          <a:graphicData uri="http://schemas.openxmlformats.org/drawingml/2006/chart">
+            <c:chart xmlns:c="http://schemas.openxmlformats.org/drawingml/2006/chart" xmlns:r="http://schemas.openxmlformats.org/officeDocument/2006/relationships" r:id="rId1"/>
+          </a:graphicData>
+        </a:graphic>
+      </p:graphicFrame>
     </p:spTree>
   </p:cSld>
   <p:clrMapOvr>
@@ -9083,8 +11559,8 @@
         </p:nvSpPr>
         <p:spPr>
           <a:xfrm>
-            <a:off x="838200" y="1380227"/>
-            <a:ext cx="10515600" cy="4796737"/>
+            <a:off x="838200" y="1380490"/>
+            <a:ext cx="10515600" cy="5352415"/>
           </a:xfrm>
         </p:spPr>
         <p:txBody>
@@ -9109,6 +11585,138 @@
             <a:r>
               <a:rPr lang="en-US" altLang="zh-CN"/>
               <a:t> </a:t>
+            </a:r>
+            <a:r>
+              <a:rPr lang="zh-CN" altLang="en-US"/>
+              <a:t>数据集：</a:t>
+            </a:r>
+            <a:r>
+              <a:rPr lang="en-US" altLang="zh-CN"/>
+              <a:t>Ama</a:t>
+            </a:r>
+            <a:r>
+              <a:rPr lang="en-US" altLang="zh-CN"/>
+              <a:t>zon product rivew </a:t>
+            </a:r>
+            <a:r>
+              <a:rPr lang="en-US" altLang="zh-CN"/>
+              <a:t>dataset - 340MB</a:t>
+            </a:r>
+            <a:endParaRPr lang="en-US" altLang="zh-CN"/>
+          </a:p>
+          <a:p>
+            <a:pPr lvl="1"/>
+            <a:r>
+              <a:rPr lang="en-US" altLang="zh-CN"/>
+              <a:t> </a:t>
+            </a:r>
+            <a:r>
+              <a:rPr lang="zh-CN" altLang="en-US"/>
+              <a:t>四组实验，每组的</a:t>
+            </a:r>
+            <a:r>
+              <a:rPr lang="en-US" altLang="zh-CN"/>
+              <a:t>mapper/reducer</a:t>
+            </a:r>
+            <a:r>
+              <a:rPr lang="zh-CN" altLang="en-US"/>
+              <a:t>数量为：</a:t>
+            </a:r>
+            <a:endParaRPr lang="zh-CN" altLang="en-US"/>
+          </a:p>
+          <a:p>
+            <a:pPr lvl="2"/>
+            <a:r>
+              <a:rPr lang="en-US" altLang="zh-CN"/>
+              <a:t>10</a:t>
+            </a:r>
+            <a:endParaRPr lang="en-US" altLang="zh-CN"/>
+          </a:p>
+          <a:p>
+            <a:pPr lvl="2"/>
+            <a:r>
+              <a:rPr lang="en-US" altLang="zh-CN"/>
+              <a:t> 25</a:t>
+            </a:r>
+            <a:endParaRPr lang="en-US" altLang="zh-CN"/>
+          </a:p>
+          <a:p>
+            <a:pPr lvl="2"/>
+            <a:r>
+              <a:rPr lang="en-US" altLang="zh-CN"/>
+              <a:t> 50</a:t>
+            </a:r>
+            <a:endParaRPr lang="en-US" altLang="zh-CN"/>
+          </a:p>
+          <a:p>
+            <a:pPr lvl="2"/>
+            <a:r>
+              <a:rPr lang="en-US" altLang="zh-CN"/>
+              <a:t> 100</a:t>
+            </a:r>
+            <a:endParaRPr lang="en-US" altLang="zh-CN"/>
+          </a:p>
+          <a:p>
+            <a:pPr lvl="1"/>
+            <a:r>
+              <a:rPr lang="en-US" altLang="zh-CN"/>
+              <a:t> </a:t>
+            </a:r>
+            <a:r>
+              <a:rPr lang="zh-CN" altLang="en-US"/>
+              <a:t>每组实验将运行时间划分为：</a:t>
+            </a:r>
+            <a:endParaRPr lang="zh-CN" altLang="en-US"/>
+          </a:p>
+          <a:p>
+            <a:pPr lvl="2"/>
+            <a:r>
+              <a:rPr lang="en-US" altLang="zh-CN"/>
+              <a:t>Input/Output time</a:t>
+            </a:r>
+            <a:endParaRPr lang="zh-CN" altLang="en-US"/>
+          </a:p>
+          <a:p>
+            <a:pPr lvl="2"/>
+            <a:r>
+              <a:rPr lang="en-US" altLang="zh-CN"/>
+              <a:t>Computing time</a:t>
+            </a:r>
+            <a:endParaRPr lang="zh-CN" altLang="en-US"/>
+          </a:p>
+          <a:p>
+            <a:pPr lvl="2"/>
+            <a:r>
+              <a:rPr lang="en-US" altLang="zh-CN"/>
+              <a:t>Shuffle </a:t>
+            </a:r>
+            <a:r>
+              <a:rPr lang="en-US" altLang="zh-CN"/>
+              <a:t>time</a:t>
+            </a:r>
+            <a:endParaRPr lang="en-US" altLang="zh-CN"/>
+          </a:p>
+          <a:p>
+            <a:pPr lvl="1"/>
+            <a:r>
+              <a:rPr lang="en-US" altLang="zh-CN"/>
+              <a:t> </a:t>
+            </a:r>
+            <a:r>
+              <a:rPr lang="zh-CN" altLang="en-US"/>
+              <a:t>验证对于</a:t>
+            </a:r>
+            <a:r>
+              <a:rPr lang="en-US" altLang="zh-CN"/>
+              <a:t>MapReduce</a:t>
+            </a:r>
+            <a:r>
+              <a:rPr lang="zh-CN" altLang="en-US"/>
+              <a:t>应用，中间数据的传输</a:t>
+            </a:r>
+            <a:r>
+              <a:rPr lang="zh-CN" altLang="en-US"/>
+              <a:t>是瓶颈</a:t>
             </a:r>
             <a:endParaRPr lang="zh-CN" altLang="en-US"/>
           </a:p>
@@ -10018,6 +12626,68 @@
             <a:r>
               <a:rPr lang="zh-CN" altLang="en-US"/>
               <a:t>方案</a:t>
+            </a:r>
+            <a:endParaRPr lang="zh-CN" altLang="en-US"/>
+          </a:p>
+          <a:p>
+            <a:pPr lvl="1"/>
+            <a:r>
+              <a:rPr lang="zh-CN" altLang="en-US"/>
+              <a:t>三组实验，函数并发度依次为：</a:t>
+            </a:r>
+            <a:endParaRPr lang="zh-CN" altLang="en-US"/>
+          </a:p>
+          <a:p>
+            <a:pPr lvl="2"/>
+            <a:r>
+              <a:rPr lang="en-US" altLang="zh-CN"/>
+              <a:t>100</a:t>
+            </a:r>
+            <a:endParaRPr lang="en-US" altLang="zh-CN"/>
+          </a:p>
+          <a:p>
+            <a:pPr lvl="2"/>
+            <a:r>
+              <a:rPr lang="en-US" altLang="zh-CN"/>
+              <a:t>300</a:t>
+            </a:r>
+            <a:endParaRPr lang="zh-CN" altLang="en-US"/>
+          </a:p>
+          <a:p>
+            <a:pPr lvl="2"/>
+            <a:r>
+              <a:rPr lang="en-US" altLang="zh-CN"/>
+              <a:t>1000</a:t>
+            </a:r>
+            <a:endParaRPr lang="en-US" altLang="zh-CN"/>
+          </a:p>
+          <a:p>
+            <a:pPr lvl="1"/>
+            <a:r>
+              <a:rPr lang="en-US" altLang="zh-CN"/>
+              <a:t> </a:t>
+            </a:r>
+            <a:r>
+              <a:rPr lang="zh-CN" altLang="en-US"/>
+              <a:t>每组实验函数运行矩阵计算（计算密集型）应用，测试阿里云的函数并发</a:t>
+            </a:r>
+            <a:r>
+              <a:rPr lang="zh-CN" altLang="en-US"/>
+              <a:t>度</a:t>
+            </a:r>
+            <a:endParaRPr lang="zh-CN" altLang="en-US"/>
+          </a:p>
+          <a:p>
+            <a:pPr marL="457200" lvl="1" indent="0">
+              <a:buNone/>
+            </a:pPr>
+            <a:r>
+              <a:rPr lang="zh-CN" altLang="en-US"/>
+              <a:t>支持</a:t>
+            </a:r>
+            <a:r>
+              <a:rPr lang="zh-CN" altLang="en-US"/>
+              <a:t>情况</a:t>
             </a:r>
             <a:endParaRPr lang="zh-CN" altLang="en-US"/>
           </a:p>
@@ -10389,6 +13059,98 @@
               <a:rPr lang="en-US" altLang="zh-CN"/>
               <a:t> </a:t>
             </a:r>
+            <a:r>
+              <a:rPr lang="zh-CN" altLang="en-US"/>
+              <a:t>五组实验，每组实验的</a:t>
+            </a:r>
+            <a:r>
+              <a:rPr lang="en-US" altLang="zh-CN"/>
+              <a:t>I/O Size</a:t>
+            </a:r>
+            <a:r>
+              <a:rPr lang="zh-CN" altLang="en-US"/>
+              <a:t>为：</a:t>
+            </a:r>
+            <a:endParaRPr lang="zh-CN" altLang="en-US"/>
+          </a:p>
+          <a:p>
+            <a:pPr lvl="2"/>
+            <a:r>
+              <a:rPr lang="en-US" altLang="zh-CN"/>
+              <a:t>1KB</a:t>
+            </a:r>
+            <a:endParaRPr lang="zh-CN" altLang="en-US"/>
+          </a:p>
+          <a:p>
+            <a:pPr lvl="2"/>
+            <a:r>
+              <a:rPr lang="en-US" altLang="zh-CN"/>
+              <a:t>10KB</a:t>
+            </a:r>
+            <a:endParaRPr lang="zh-CN" altLang="en-US"/>
+          </a:p>
+          <a:p>
+            <a:pPr lvl="2"/>
+            <a:r>
+              <a:rPr lang="en-US" altLang="zh-CN"/>
+              <a:t>100KB</a:t>
+            </a:r>
+            <a:endParaRPr lang="en-US" altLang="zh-CN"/>
+          </a:p>
+          <a:p>
+            <a:pPr lvl="2"/>
+            <a:r>
+              <a:rPr lang="en-US" altLang="zh-CN"/>
+              <a:t>1MB</a:t>
+            </a:r>
+            <a:endParaRPr lang="en-US" altLang="zh-CN"/>
+          </a:p>
+          <a:p>
+            <a:pPr lvl="2"/>
+            <a:r>
+              <a:rPr lang="en-US" altLang="zh-CN"/>
+              <a:t>10MB</a:t>
+            </a:r>
+            <a:endParaRPr lang="en-US" altLang="zh-CN"/>
+          </a:p>
+          <a:p>
+            <a:pPr lvl="1"/>
+            <a:r>
+              <a:rPr lang="en-US" altLang="zh-CN"/>
+              <a:t> </a:t>
+            </a:r>
+            <a:r>
+              <a:rPr lang="zh-CN" altLang="en-US"/>
+              <a:t>测试</a:t>
+            </a:r>
+            <a:r>
+              <a:rPr lang="en-US" altLang="zh-CN"/>
+              <a:t>OSS</a:t>
+            </a:r>
+            <a:r>
+              <a:rPr lang="zh-CN" altLang="en-US"/>
+              <a:t>读写时延与</a:t>
+            </a:r>
+            <a:r>
+              <a:rPr lang="en-US" altLang="zh-CN"/>
+              <a:t>I/O Size</a:t>
+            </a:r>
+            <a:r>
+              <a:rPr lang="zh-CN" altLang="en-US"/>
+              <a:t>的关系，验证</a:t>
+            </a:r>
+            <a:r>
+              <a:rPr lang="en-US" altLang="zh-CN"/>
+              <a:t>OSS</a:t>
+            </a:r>
+            <a:r>
+              <a:rPr lang="zh-CN" altLang="en-US"/>
+              <a:t>的读写时延</a:t>
+            </a:r>
+            <a:r>
+              <a:rPr lang="zh-CN" altLang="en-US"/>
+              <a:t>问题</a:t>
+            </a:r>
             <a:endParaRPr lang="zh-CN" altLang="en-US"/>
           </a:p>
         </p:txBody>
@@ -10478,8 +13240,44 @@
             <a:pPr lvl="1"/>
             <a:r>
               <a:rPr lang="en-US" altLang="zh-CN"/>
-              <a:t> </a:t>
-            </a:r>
+              <a:t>1KB</a:t>
+            </a:r>
+            <a:endParaRPr lang="en-US" altLang="zh-CN"/>
+          </a:p>
+          <a:p>
+            <a:pPr lvl="2"/>
+            <a:r>
+              <a:rPr lang="en-US" altLang="zh-CN"/>
+              <a:t>Read</a:t>
+            </a:r>
+            <a:r>
+              <a:rPr lang="zh-CN" altLang="en-US"/>
+              <a:t>：</a:t>
+            </a:r>
+            <a:r>
+              <a:rPr lang="en-US" altLang="zh-CN"/>
+              <a:t>16.4ms</a:t>
+            </a:r>
+            <a:endParaRPr lang="zh-CN" altLang="en-US"/>
+          </a:p>
+          <a:p>
+            <a:pPr lvl="2"/>
+            <a:r>
+              <a:rPr lang="en-US" altLang="zh-CN"/>
+              <a:t>Write</a:t>
+            </a:r>
+            <a:r>
+              <a:rPr lang="zh-CN" altLang="en-US"/>
+              <a:t>：</a:t>
+            </a:r>
+            <a:r>
+              <a:rPr lang="en-US" altLang="zh-CN"/>
+              <a:t>24.6ms</a:t>
+            </a:r>
+            <a:endParaRPr lang="zh-CN" altLang="en-US"/>
+          </a:p>
+          <a:p>
+            <a:pPr lvl="2"/>
             <a:endParaRPr lang="zh-CN" altLang="en-US"/>
           </a:p>
         </p:txBody>
@@ -10491,7 +13289,7 @@
           <p:nvPr/>
         </p:nvGraphicFramePr>
         <p:xfrm>
-          <a:off x="3364230" y="2294255"/>
+          <a:off x="3710305" y="2112645"/>
           <a:ext cx="5462905" cy="4005580"/>
         </p:xfrm>
         <a:graphic>
@@ -10606,8 +13404,8 @@
           <p:nvPr/>
         </p:nvGraphicFramePr>
         <p:xfrm>
-          <a:off x="990600" y="2396490"/>
-          <a:ext cx="5462905" cy="4005580"/>
+          <a:off x="971550" y="2468880"/>
+          <a:ext cx="4810760" cy="3708400"/>
         </p:xfrm>
         <a:graphic>
           <a:graphicData uri="http://schemas.openxmlformats.org/drawingml/2006/chart">
@@ -10615,6 +13413,341 @@
           </a:graphicData>
         </a:graphic>
       </p:graphicFrame>
+      <p:graphicFrame>
+        <p:nvGraphicFramePr>
+          <p:cNvPr id="27" name="表格 2"/>
+          <p:cNvGraphicFramePr>
+            <a:graphicFrameLocks noGrp="1"/>
+          </p:cNvGraphicFramePr>
+          <p:nvPr>
+            <p:custDataLst>
+              <p:tags r:id="rId2"/>
+            </p:custDataLst>
+          </p:nvPr>
+        </p:nvGraphicFramePr>
+        <p:xfrm>
+          <a:off x="7091680" y="1340485"/>
+          <a:ext cx="4451350" cy="1129030"/>
+        </p:xfrm>
+        <a:graphic>
+          <a:graphicData uri="http://schemas.openxmlformats.org/drawingml/2006/table">
+            <a:tbl>
+              <a:tblPr firstRow="1" bandRow="1">
+                <a:tableStyleId>{5C22544A-7EE6-4342-B048-85BDC9FD1C3A}</a:tableStyleId>
+              </a:tblPr>
+              <a:tblGrid>
+                <a:gridCol w="1411605"/>
+                <a:gridCol w="1466850"/>
+                <a:gridCol w="1572895"/>
+              </a:tblGrid>
+              <a:tr h="529590">
+                <a:tc>
+                  <a:txBody>
+                    <a:bodyPr/>
+                    <a:p>
+                      <a:pPr algn="ctr"/>
+                      <a:r>
+                        <a:rPr lang="en-US" altLang="zh-CN" dirty="0"/>
+                        <a:t> </a:t>
+                      </a:r>
+                      <a:endParaRPr lang="en-US" altLang="zh-CN" dirty="0"/>
+                    </a:p>
+                  </a:txBody>
+                  <a:tcPr/>
+                </a:tc>
+                <a:tc>
+                  <a:txBody>
+                    <a:bodyPr/>
+                    <a:p>
+                      <a:pPr algn="ctr"/>
+                      <a:r>
+                        <a:rPr lang="en-US" altLang="zh-CN" dirty="0"/>
+                        <a:t>R</a:t>
+                      </a:r>
+                      <a:r>
+                        <a:rPr lang="en-US" altLang="zh-CN" dirty="0"/>
+                        <a:t>ead </a:t>
+                      </a:r>
+                      <a:endParaRPr lang="en-US" altLang="zh-CN" dirty="0"/>
+                    </a:p>
+                  </a:txBody>
+                  <a:tcPr/>
+                </a:tc>
+                <a:tc>
+                  <a:txBody>
+                    <a:bodyPr/>
+                    <a:p>
+                      <a:pPr algn="ctr">
+                        <a:buNone/>
+                      </a:pPr>
+                      <a:r>
+                        <a:rPr lang="zh-CN" altLang="en-US" dirty="0"/>
+                        <a:t> </a:t>
+                      </a:r>
+                      <a:r>
+                        <a:rPr lang="en-US" altLang="zh-CN" dirty="0"/>
+                        <a:t>Write</a:t>
+                      </a:r>
+                      <a:r>
+                        <a:rPr lang="zh-CN" altLang="en-US" dirty="0"/>
+                        <a:t> </a:t>
+                      </a:r>
+                      <a:endParaRPr lang="zh-CN" altLang="en-US" dirty="0"/>
+                    </a:p>
+                  </a:txBody>
+                  <a:tcPr/>
+                </a:tc>
+              </a:tr>
+              <a:tr h="599440">
+                <a:tc>
+                  <a:txBody>
+                    <a:bodyPr/>
+                    <a:p>
+                      <a:pPr algn="ctr"/>
+                      <a:r>
+                        <a:rPr lang="en-US" altLang="zh-CN" dirty="0"/>
+                        <a:t>S3</a:t>
+                      </a:r>
+                      <a:endParaRPr lang="en-US" altLang="zh-CN" dirty="0"/>
+                    </a:p>
+                  </a:txBody>
+                  <a:tcPr/>
+                </a:tc>
+                <a:tc>
+                  <a:txBody>
+                    <a:bodyPr/>
+                    <a:p>
+                      <a:pPr algn="ctr"/>
+                      <a:r>
+                        <a:rPr lang="en-US" altLang="zh-CN" dirty="0"/>
+                        <a:t> 12.1 ms️</a:t>
+                      </a:r>
+                      <a:endParaRPr lang="en-US" altLang="zh-CN" dirty="0"/>
+                    </a:p>
+                  </a:txBody>
+                  <a:tcPr/>
+                </a:tc>
+                <a:tc>
+                  <a:txBody>
+                    <a:bodyPr/>
+                    <a:p>
+                      <a:pPr algn="ctr">
+                        <a:buNone/>
+                      </a:pPr>
+                      <a:r>
+                        <a:rPr lang="en-US" altLang="zh-CN" sz="1800" dirty="0">
+                          <a:sym typeface="+mn-ea"/>
+                        </a:rPr>
+                        <a:t> 25.8 ms</a:t>
+                      </a:r>
+                      <a:endParaRPr lang="en-US" altLang="zh-CN" dirty="0"/>
+                    </a:p>
+                  </a:txBody>
+                  <a:tcPr/>
+                </a:tc>
+              </a:tr>
+            </a:tbl>
+          </a:graphicData>
+        </a:graphic>
+      </p:graphicFrame>
+      <p:cxnSp>
+        <p:nvCxnSpPr>
+          <p:cNvPr id="4" name="直接连接符 3"/>
+          <p:cNvCxnSpPr/>
+          <p:nvPr/>
+        </p:nvCxnSpPr>
+        <p:spPr>
+          <a:xfrm>
+            <a:off x="6459220" y="1348105"/>
+            <a:ext cx="0" cy="4773930"/>
+          </a:xfrm>
+          <a:prstGeom prst="line">
+            <a:avLst/>
+          </a:prstGeom>
+          <a:ln w="28575" cmpd="sng">
+            <a:solidFill>
+              <a:schemeClr val="bg2">
+                <a:lumMod val="75000"/>
+              </a:schemeClr>
+            </a:solidFill>
+            <a:prstDash val="sysDash"/>
+            <a:headEnd type="none" w="med" len="med"/>
+            <a:tailEnd type="none" w="med" len="med"/>
+          </a:ln>
+        </p:spPr>
+        <p:style>
+          <a:lnRef idx="1">
+            <a:schemeClr val="accent1"/>
+          </a:lnRef>
+          <a:fillRef idx="0">
+            <a:schemeClr val="accent1"/>
+          </a:fillRef>
+          <a:effectRef idx="0">
+            <a:schemeClr val="accent1"/>
+          </a:effectRef>
+          <a:fontRef idx="minor">
+            <a:schemeClr val="tx1"/>
+          </a:fontRef>
+        </p:style>
+      </p:cxnSp>
+      <p:sp>
+        <p:nvSpPr>
+          <p:cNvPr id="6" name="文本框 5"/>
+          <p:cNvSpPr txBox="1"/>
+          <p:nvPr/>
+        </p:nvSpPr>
+        <p:spPr>
+          <a:xfrm>
+            <a:off x="6993890" y="2589530"/>
+            <a:ext cx="4858385" cy="368300"/>
+          </a:xfrm>
+          <a:prstGeom prst="rect">
+            <a:avLst/>
+          </a:prstGeom>
+          <a:noFill/>
+        </p:spPr>
+        <p:txBody>
+          <a:bodyPr wrap="square" rtlCol="0">
+            <a:spAutoFit/>
+          </a:bodyPr>
+          <a:p>
+            <a:r>
+              <a:rPr lang="zh-CN" altLang="en-US" b="1"/>
+              <a:t>Average unloaded latency for 1KB requests</a:t>
+            </a:r>
+            <a:r>
+              <a:rPr lang="en-US" altLang="zh-CN" b="1" baseline="30000"/>
+              <a:t>[1]</a:t>
+            </a:r>
+            <a:endParaRPr lang="en-US" altLang="zh-CN" b="1" baseline="30000"/>
+          </a:p>
+        </p:txBody>
+      </p:sp>
+      <p:sp>
+        <p:nvSpPr>
+          <p:cNvPr id="19" name="文本框 18"/>
+          <p:cNvSpPr txBox="1"/>
+          <p:nvPr/>
+        </p:nvSpPr>
+        <p:spPr>
+          <a:xfrm>
+            <a:off x="0" y="6281420"/>
+            <a:ext cx="11722735" cy="583565"/>
+          </a:xfrm>
+          <a:prstGeom prst="rect">
+            <a:avLst/>
+          </a:prstGeom>
+          <a:noFill/>
+        </p:spPr>
+        <p:txBody>
+          <a:bodyPr wrap="square" rtlCol="0">
+            <a:spAutoFit/>
+          </a:bodyPr>
+          <a:p>
+            <a:r>
+              <a:rPr lang="en-US" altLang="zh-CN" sz="1600">
+                <a:solidFill>
+                  <a:schemeClr val="bg2">
+                    <a:lumMod val="50000"/>
+                  </a:schemeClr>
+                </a:solidFill>
+                <a:sym typeface="+mn-ea"/>
+              </a:rPr>
+              <a:t>[1] Understanding Ephemeral Storage for Serverless Analytics  ATC’18</a:t>
+            </a:r>
+            <a:endParaRPr lang="en-US" altLang="zh-CN" sz="1600">
+              <a:solidFill>
+                <a:schemeClr val="bg2">
+                  <a:lumMod val="50000"/>
+                </a:schemeClr>
+              </a:solidFill>
+              <a:sym typeface="+mn-ea"/>
+            </a:endParaRPr>
+          </a:p>
+          <a:p>
+            <a:r>
+              <a:rPr lang="en-US" altLang="zh-CN" sz="1600">
+                <a:solidFill>
+                  <a:schemeClr val="bg2">
+                    <a:lumMod val="50000"/>
+                  </a:schemeClr>
+                </a:solidFill>
+                <a:sym typeface="+mn-ea"/>
+              </a:rPr>
+              <a:t>[2] Towards Latency Sensitive Cloud Native Applications: A Performance Study on AWS  CLOUD’19</a:t>
+            </a:r>
+            <a:endParaRPr lang="en-US" altLang="zh-CN" sz="1600">
+              <a:solidFill>
+                <a:schemeClr val="bg2">
+                  <a:lumMod val="50000"/>
+                </a:schemeClr>
+              </a:solidFill>
+              <a:sym typeface="+mn-ea"/>
+            </a:endParaRPr>
+          </a:p>
+        </p:txBody>
+      </p:sp>
+      <p:pic>
+        <p:nvPicPr>
+          <p:cNvPr id="7" name="图片 6"/>
+          <p:cNvPicPr>
+            <a:picLocks noChangeAspect="1"/>
+          </p:cNvPicPr>
+          <p:nvPr/>
+        </p:nvPicPr>
+        <p:blipFill>
+          <a:blip r:embed="rId3"/>
+          <a:stretch>
+            <a:fillRect/>
+          </a:stretch>
+        </p:blipFill>
+        <p:spPr>
+          <a:xfrm>
+            <a:off x="7091680" y="2951480"/>
+            <a:ext cx="4455160" cy="3086735"/>
+          </a:xfrm>
+          <a:prstGeom prst="rect">
+            <a:avLst/>
+          </a:prstGeom>
+        </p:spPr>
+      </p:pic>
+      <p:sp>
+        <p:nvSpPr>
+          <p:cNvPr id="8" name="文本框 7"/>
+          <p:cNvSpPr txBox="1"/>
+          <p:nvPr/>
+        </p:nvSpPr>
+        <p:spPr>
+          <a:xfrm>
+            <a:off x="7980680" y="6038215"/>
+            <a:ext cx="2951480" cy="368300"/>
+          </a:xfrm>
+          <a:prstGeom prst="rect">
+            <a:avLst/>
+          </a:prstGeom>
+          <a:noFill/>
+        </p:spPr>
+        <p:txBody>
+          <a:bodyPr wrap="square" rtlCol="0">
+            <a:spAutoFit/>
+          </a:bodyPr>
+          <a:p>
+            <a:r>
+              <a:rPr lang="zh-CN" altLang="en-US" b="1"/>
+              <a:t>Latency of write using </a:t>
+            </a:r>
+            <a:r>
+              <a:rPr lang="en-US" altLang="zh-CN" b="1"/>
+              <a:t>S3</a:t>
+            </a:r>
+            <a:r>
+              <a:rPr lang="en-US" altLang="zh-CN" b="1" baseline="30000"/>
+              <a:t>[2]</a:t>
+            </a:r>
+            <a:endParaRPr lang="en-US" altLang="zh-CN" b="1" baseline="30000"/>
+          </a:p>
+        </p:txBody>
+      </p:sp>
     </p:spTree>
   </p:cSld>
   <p:clrMapOvr>
@@ -10699,10 +13832,160 @@
           <a:p>
             <a:pPr lvl="1"/>
             <a:r>
-              <a:rPr lang="en-US" altLang="zh-CN"/>
+              <a:rPr lang="en-US" altLang="zh-CN" sz="2200">
+                <a:sym typeface="+mn-ea"/>
+              </a:rPr>
               <a:t> </a:t>
             </a:r>
-            <a:endParaRPr lang="zh-CN" altLang="en-US"/>
+            <a:r>
+              <a:rPr lang="zh-CN" altLang="en-US" sz="2200">
+                <a:sym typeface="+mn-ea"/>
+              </a:rPr>
+              <a:t>五组实验，每组实验的</a:t>
+            </a:r>
+            <a:r>
+              <a:rPr lang="en-US" altLang="zh-CN" sz="2200">
+                <a:sym typeface="+mn-ea"/>
+              </a:rPr>
+              <a:t>I/O Size</a:t>
+            </a:r>
+            <a:r>
+              <a:rPr lang="zh-CN" altLang="en-US" sz="2200">
+                <a:sym typeface="+mn-ea"/>
+              </a:rPr>
+              <a:t>为：</a:t>
+            </a:r>
+            <a:endParaRPr lang="zh-CN" altLang="en-US" sz="2200"/>
+          </a:p>
+          <a:p>
+            <a:pPr lvl="2"/>
+            <a:r>
+              <a:rPr lang="en-US" altLang="zh-CN" sz="2200">
+                <a:sym typeface="+mn-ea"/>
+              </a:rPr>
+              <a:t>1KB</a:t>
+            </a:r>
+            <a:endParaRPr lang="zh-CN" altLang="en-US" sz="2200"/>
+          </a:p>
+          <a:p>
+            <a:pPr lvl="2"/>
+            <a:r>
+              <a:rPr lang="en-US" altLang="zh-CN" sz="2200">
+                <a:sym typeface="+mn-ea"/>
+              </a:rPr>
+              <a:t>10KB</a:t>
+            </a:r>
+            <a:endParaRPr lang="zh-CN" altLang="en-US" sz="2200"/>
+          </a:p>
+          <a:p>
+            <a:pPr lvl="2"/>
+            <a:r>
+              <a:rPr lang="en-US" altLang="zh-CN" sz="2200">
+                <a:sym typeface="+mn-ea"/>
+              </a:rPr>
+              <a:t>100KB</a:t>
+            </a:r>
+            <a:endParaRPr lang="en-US" altLang="zh-CN" sz="2200"/>
+          </a:p>
+          <a:p>
+            <a:pPr lvl="2"/>
+            <a:r>
+              <a:rPr lang="en-US" altLang="zh-CN" sz="2200">
+                <a:sym typeface="+mn-ea"/>
+              </a:rPr>
+              <a:t>1MB</a:t>
+            </a:r>
+            <a:endParaRPr lang="en-US" altLang="zh-CN" sz="2200"/>
+          </a:p>
+          <a:p>
+            <a:pPr lvl="2"/>
+            <a:r>
+              <a:rPr lang="en-US" altLang="zh-CN" sz="2200">
+                <a:sym typeface="+mn-ea"/>
+              </a:rPr>
+              <a:t>10MB</a:t>
+            </a:r>
+            <a:endParaRPr lang="en-US" altLang="zh-CN" sz="2200"/>
+          </a:p>
+          <a:p>
+            <a:pPr lvl="1"/>
+            <a:r>
+              <a:rPr lang="en-US" altLang="zh-CN" sz="2200">
+                <a:sym typeface="+mn-ea"/>
+              </a:rPr>
+              <a:t> </a:t>
+            </a:r>
+            <a:r>
+              <a:rPr lang="zh-CN" altLang="en-US" sz="2200">
+                <a:sym typeface="+mn-ea"/>
+              </a:rPr>
+              <a:t>测试</a:t>
+            </a:r>
+            <a:r>
+              <a:rPr lang="en-US" altLang="zh-CN" sz="2200">
+                <a:sym typeface="+mn-ea"/>
+              </a:rPr>
+              <a:t>OSS</a:t>
+            </a:r>
+            <a:r>
+              <a:rPr lang="zh-CN" altLang="en-US" sz="2200">
+                <a:sym typeface="+mn-ea"/>
+              </a:rPr>
+              <a:t>读写吞吐量与</a:t>
+            </a:r>
+            <a:r>
+              <a:rPr lang="en-US" altLang="zh-CN" sz="2200">
+                <a:sym typeface="+mn-ea"/>
+              </a:rPr>
+              <a:t>I/O Size</a:t>
+            </a:r>
+            <a:r>
+              <a:rPr lang="zh-CN" altLang="en-US" sz="2200">
+                <a:sym typeface="+mn-ea"/>
+              </a:rPr>
+              <a:t>的关系，验证</a:t>
+            </a:r>
+            <a:r>
+              <a:rPr lang="en-US" altLang="zh-CN" sz="2200">
+                <a:sym typeface="+mn-ea"/>
+              </a:rPr>
+              <a:t>OSS</a:t>
+            </a:r>
+            <a:r>
+              <a:rPr lang="zh-CN" altLang="en-US" sz="2200">
+                <a:sym typeface="+mn-ea"/>
+              </a:rPr>
+              <a:t>对小文件不支持较高的</a:t>
+            </a:r>
+            <a:r>
+              <a:rPr lang="zh-CN" altLang="en-US" sz="2200">
+                <a:sym typeface="+mn-ea"/>
+              </a:rPr>
+              <a:t>读写</a:t>
+            </a:r>
+            <a:endParaRPr lang="zh-CN" altLang="en-US" sz="2200">
+              <a:sym typeface="+mn-ea"/>
+            </a:endParaRPr>
+          </a:p>
+          <a:p>
+            <a:pPr marL="457200" lvl="1" indent="0">
+              <a:buNone/>
+            </a:pPr>
+            <a:r>
+              <a:rPr lang="zh-CN" altLang="en-US" sz="2200">
+                <a:sym typeface="+mn-ea"/>
+              </a:rPr>
+              <a:t>吞吐量的</a:t>
+            </a:r>
+            <a:r>
+              <a:rPr lang="zh-CN" altLang="en-US" sz="2200">
+                <a:sym typeface="+mn-ea"/>
+              </a:rPr>
+              <a:t>问题</a:t>
+            </a:r>
+            <a:endParaRPr lang="zh-CN" altLang="en-US" sz="2200">
+              <a:sym typeface="+mn-ea"/>
+            </a:endParaRPr>
           </a:p>
         </p:txBody>
       </p:sp>
@@ -10785,12 +14068,36 @@
           </a:p>
         </p:txBody>
       </p:sp>
+      <p:graphicFrame>
+        <p:nvGraphicFramePr>
+          <p:cNvPr id="4" name="图表 3"/>
+          <p:cNvGraphicFramePr/>
+          <p:nvPr/>
+        </p:nvGraphicFramePr>
+        <p:xfrm>
+          <a:off x="3269615" y="2434590"/>
+          <a:ext cx="5653405" cy="3533140"/>
+        </p:xfrm>
+        <a:graphic>
+          <a:graphicData uri="http://schemas.openxmlformats.org/drawingml/2006/chart">
+            <c:chart xmlns:c="http://schemas.openxmlformats.org/drawingml/2006/chart" xmlns:r="http://schemas.openxmlformats.org/officeDocument/2006/relationships" r:id="rId1"/>
+          </a:graphicData>
+        </a:graphic>
+      </p:graphicFrame>
     </p:spTree>
   </p:cSld>
   <p:clrMapOvr>
     <a:masterClrMapping/>
   </p:clrMapOvr>
 </p:sld>
+</file>
+
+<file path=ppt/tags/tag1.xml><?xml version="1.0" encoding="utf-8"?>
+<p:tagLst xmlns:p="http://schemas.openxmlformats.org/presentationml/2006/main">
+  <p:tag name="KSO_WM_UNIT_TABLE_BEAUTIFY" val="smartTable{684462c9-b9e8-466e-b42e-9dfab25d1906}"/>
+  <p:tag name="TABLE_ENDDRAG_ORIGIN_RECT" val="350*88"/>
+  <p:tag name="TABLE_ENDDRAG_RECT" val="558*105*350*88"/>
+</p:tagLst>
 </file>
 
 <file path=ppt/theme/theme1.xml><?xml version="1.0" encoding="utf-8"?>

--- a/meeting/Lithops实验.pptx
+++ b/meeting/Lithops实验.pptx
@@ -22,8 +22,7 @@
     <p:sldId id="609" r:id="rId15"/>
     <p:sldId id="610" r:id="rId16"/>
     <p:sldId id="593" r:id="rId17"/>
-    <p:sldId id="600" r:id="rId18"/>
-    <p:sldId id="464" r:id="rId19"/>
+    <p:sldId id="630" r:id="rId18"/>
   </p:sldIdLst>
   <p:sldSz cx="12192000" cy="6858000"/>
   <p:notesSz cx="6858000" cy="9144000"/>
@@ -6396,6 +6395,50 @@
 </file>
 
 <file path=ppt/notesSlides/notesSlide3.xml><?xml version="1.0" encoding="utf-8"?>
+<p:notes xmlns:a="http://schemas.openxmlformats.org/drawingml/2006/main" xmlns:r="http://schemas.openxmlformats.org/officeDocument/2006/relationships" xmlns:p="http://schemas.openxmlformats.org/presentationml/2006/main">
+  <p:cSld>
+    <p:spTree>
+      <p:nvGrpSpPr>
+        <p:cNvPr id="1" name=""/>
+        <p:cNvGrpSpPr/>
+        <p:nvPr/>
+      </p:nvGrpSpPr>
+      <p:grpSpPr/>
+      <p:sp>
+        <p:nvSpPr>
+          <p:cNvPr id="2" name="幻灯片图像占位符 1"/>
+          <p:cNvSpPr/>
+          <p:nvPr>
+            <p:ph type="sldImg" idx="2"/>
+          </p:nvPr>
+        </p:nvSpPr>
+        <p:spPr/>
+      </p:sp>
+      <p:sp>
+        <p:nvSpPr>
+          <p:cNvPr id="3" name="文本占位符 2"/>
+          <p:cNvSpPr/>
+          <p:nvPr>
+            <p:ph type="body" idx="3"/>
+          </p:nvPr>
+        </p:nvSpPr>
+        <p:spPr/>
+        <p:txBody>
+          <a:bodyPr/>
+          <a:p>
+            <a:endParaRPr lang="zh-CN" altLang="en-US"/>
+          </a:p>
+        </p:txBody>
+      </p:sp>
+    </p:spTree>
+  </p:cSld>
+  <p:clrMapOvr>
+    <a:masterClrMapping/>
+  </p:clrMapOvr>
+</p:notes>
+</file>
+
+<file path=ppt/notesSlides/notesSlide4.xml><?xml version="1.0" encoding="utf-8"?>
 <p:notes xmlns:a="http://schemas.openxmlformats.org/drawingml/2006/main" xmlns:r="http://schemas.openxmlformats.org/officeDocument/2006/relationships" xmlns:p="http://schemas.openxmlformats.org/presentationml/2006/main">
   <p:cSld>
     <p:spTree>
@@ -11889,110 +11932,100 @@
             </a:r>
             <a:r>
               <a:rPr lang="zh-CN" altLang="en-US"/>
-              <a:t>在</a:t>
+              <a:t>实现</a:t>
             </a:r>
             <a:r>
               <a:rPr lang="en-US" altLang="zh-CN"/>
-              <a:t>Wordcount</a:t>
-            </a:r>
+              <a:t>Multistage </a:t>
+            </a:r>
+            <a:r>
+              <a:rPr lang="en-US" altLang="zh-CN"/>
+              <a:t>shuffle Wordcount</a:t>
+            </a:r>
+            <a:endParaRPr lang="en-US" altLang="zh-CN"/>
+          </a:p>
+          <a:p>
+            <a:pPr lvl="0"/>
+            <a:r>
+              <a:rPr lang="en-US" altLang="zh-CN"/>
+              <a:t> Wordcount </a:t>
+            </a:r>
+            <a:r>
+              <a:rPr lang="en-US" altLang="zh-CN" i="1"/>
+              <a:t>vs </a:t>
+            </a:r>
+            <a:r>
+              <a:rPr lang="en-US" altLang="zh-CN"/>
+              <a:t>Multistage shuffle WordC</a:t>
+            </a:r>
+            <a:r>
+              <a:rPr lang="en-US" altLang="zh-CN"/>
+              <a:t>ount </a:t>
+            </a:r>
+            <a:endParaRPr lang="en-US" altLang="zh-CN"/>
+          </a:p>
+          <a:p>
+            <a:pPr lvl="1"/>
+            <a:r>
+              <a:rPr lang="en-US" altLang="zh-CN"/>
+              <a:t> Cost</a:t>
+            </a:r>
+            <a:endParaRPr lang="en-US" altLang="zh-CN"/>
+          </a:p>
+          <a:p>
+            <a:pPr lvl="2"/>
             <a:r>
               <a:rPr lang="zh-CN" altLang="en-US"/>
-              <a:t>上实现</a:t>
+              <a:t>读写请求数</a:t>
+            </a:r>
+            <a:endParaRPr lang="zh-CN" altLang="en-US"/>
+          </a:p>
+          <a:p>
+            <a:pPr lvl="2"/>
+            <a:r>
+              <a:rPr lang="zh-CN" altLang="en-US"/>
+              <a:t>读写数据量（</a:t>
             </a:r>
             <a:r>
               <a:rPr lang="en-US" altLang="zh-CN"/>
-              <a:t>MultiStage </a:t>
-            </a:r>
+              <a:t>*</a:t>
+            </a:r>
+            <a:r>
+              <a:rPr lang="zh-CN" altLang="en-US"/>
+              <a:t>）</a:t>
+            </a:r>
+            <a:endParaRPr lang="en-US" altLang="zh-CN"/>
+          </a:p>
+          <a:p>
+            <a:pPr lvl="1"/>
             <a:r>
               <a:rPr lang="en-US" altLang="zh-CN"/>
-              <a:t>shuffle</a:t>
+              <a:t> Runtime</a:t>
             </a:r>
             <a:endParaRPr lang="en-US" altLang="zh-CN"/>
           </a:p>
           <a:p>
-            <a:pPr lvl="0"/>
+            <a:pPr lvl="2"/>
+            <a:r>
+              <a:rPr lang="en-US" altLang="zh-CN"/>
+              <a:t> Input/Output time</a:t>
+            </a:r>
             <a:endParaRPr lang="en-US" altLang="zh-CN"/>
           </a:p>
           <a:p>
-            <a:pPr lvl="0"/>
+            <a:pPr lvl="2"/>
             <a:r>
               <a:rPr lang="en-US" altLang="zh-CN"/>
-              <a:t> </a:t>
-            </a:r>
-            <a:r>
-              <a:rPr lang="zh-CN" altLang="en-US">
-                <a:sym typeface="+mn-ea"/>
-              </a:rPr>
-              <a:t>利用</a:t>
-            </a:r>
-            <a:r>
-              <a:rPr lang="en-US" altLang="zh-CN">
-                <a:sym typeface="+mn-ea"/>
-              </a:rPr>
-              <a:t>Lithops</a:t>
-            </a:r>
-            <a:r>
-              <a:rPr lang="zh-CN" altLang="en-US">
-                <a:sym typeface="+mn-ea"/>
-              </a:rPr>
-              <a:t>实现</a:t>
-            </a:r>
-            <a:r>
-              <a:rPr lang="en-US" altLang="zh-CN">
-                <a:sym typeface="+mn-ea"/>
-              </a:rPr>
-              <a:t>Terasort</a:t>
-            </a:r>
-            <a:endParaRPr lang="en-US" altLang="zh-CN">
-              <a:sym typeface="+mn-ea"/>
-            </a:endParaRPr>
-          </a:p>
-          <a:p>
-            <a:pPr lvl="0"/>
-            <a:endParaRPr lang="en-US" altLang="zh-CN">
-              <a:sym typeface="+mn-ea"/>
-            </a:endParaRPr>
-          </a:p>
-          <a:p>
-            <a:pPr lvl="0"/>
-            <a:r>
-              <a:rPr lang="en-US" altLang="zh-CN">
-                <a:sym typeface="+mn-ea"/>
-              </a:rPr>
-              <a:t> </a:t>
-            </a:r>
-            <a:r>
-              <a:rPr lang="zh-CN" altLang="en-US">
-                <a:sym typeface="+mn-ea"/>
-              </a:rPr>
-              <a:t>测试</a:t>
-            </a:r>
-            <a:r>
-              <a:rPr lang="en-US" altLang="zh-CN">
-                <a:sym typeface="+mn-ea"/>
-              </a:rPr>
-              <a:t>Terasort</a:t>
-            </a:r>
-            <a:r>
-              <a:rPr lang="zh-CN" altLang="en-US">
-                <a:sym typeface="+mn-ea"/>
-              </a:rPr>
-              <a:t>运行时间的</a:t>
-            </a:r>
-            <a:r>
-              <a:rPr lang="en-US" altLang="zh-CN">
-                <a:sym typeface="+mn-ea"/>
-              </a:rPr>
-              <a:t>breakdown</a:t>
-            </a:r>
-            <a:endParaRPr lang="en-US" altLang="zh-CN">
-              <a:sym typeface="+mn-ea"/>
-            </a:endParaRPr>
-          </a:p>
-          <a:p>
-            <a:pPr marL="0" lvl="0" indent="0">
-              <a:buNone/>
-            </a:pPr>
+              <a:t> Computing time</a:t>
+            </a:r>
+            <a:endParaRPr lang="en-US" altLang="zh-CN"/>
+          </a:p>
+          <a:p>
+            <a:pPr lvl="2"/>
+            <a:r>
+              <a:rPr lang="en-US" altLang="zh-CN"/>
+              <a:t> Shuffle time</a:t>
+            </a:r>
             <a:endParaRPr lang="zh-CN" altLang="en-US"/>
           </a:p>
           <a:p>
@@ -12034,184 +12067,6 @@
           <a:bodyPr/>
           <a:p>
             <a:r>
-              <a:rPr lang="zh-CN" altLang="en-US"/>
-              <a:t>毕设提纲</a:t>
-            </a:r>
-            <a:endParaRPr lang="zh-CN" altLang="en-US"/>
-          </a:p>
-        </p:txBody>
-      </p:sp>
-      <p:sp>
-        <p:nvSpPr>
-          <p:cNvPr id="3" name="内容占位符 2"/>
-          <p:cNvSpPr>
-            <a:spLocks noGrp="1"/>
-          </p:cNvSpPr>
-          <p:nvPr>
-            <p:ph idx="1"/>
-          </p:nvPr>
-        </p:nvSpPr>
-        <p:spPr>
-          <a:xfrm>
-            <a:off x="838200" y="1380227"/>
-            <a:ext cx="10515600" cy="4796737"/>
-          </a:xfrm>
-        </p:spPr>
-        <p:txBody>
-          <a:bodyPr/>
-          <a:p>
-            <a:pPr lvl="0"/>
-            <a:r>
-              <a:rPr lang="en-US" altLang="zh-CN"/>
-              <a:t> </a:t>
-            </a:r>
-            <a:r>
-              <a:rPr lang="zh-CN" altLang="en-US"/>
-              <a:t>在</a:t>
-            </a:r>
-            <a:r>
-              <a:rPr lang="en-US" altLang="zh-CN"/>
-              <a:t>Wordcount</a:t>
-            </a:r>
-            <a:r>
-              <a:rPr lang="zh-CN" altLang="en-US"/>
-              <a:t>上实现</a:t>
-            </a:r>
-            <a:r>
-              <a:rPr lang="en-US" altLang="zh-CN"/>
-              <a:t>Multistage </a:t>
-            </a:r>
-            <a:r>
-              <a:rPr lang="en-US" altLang="zh-CN"/>
-              <a:t>shuffle</a:t>
-            </a:r>
-            <a:endParaRPr lang="en-US" altLang="zh-CN"/>
-          </a:p>
-          <a:p>
-            <a:pPr lvl="0"/>
-            <a:endParaRPr lang="en-US" altLang="zh-CN"/>
-          </a:p>
-          <a:p>
-            <a:pPr lvl="0"/>
-            <a:r>
-              <a:rPr lang="en-US" altLang="zh-CN"/>
-              <a:t> </a:t>
-            </a:r>
-            <a:r>
-              <a:rPr lang="zh-CN" altLang="en-US">
-                <a:sym typeface="+mn-ea"/>
-              </a:rPr>
-              <a:t>利用</a:t>
-            </a:r>
-            <a:r>
-              <a:rPr lang="en-US" altLang="zh-CN">
-                <a:sym typeface="+mn-ea"/>
-              </a:rPr>
-              <a:t>Lithops</a:t>
-            </a:r>
-            <a:r>
-              <a:rPr lang="zh-CN" altLang="en-US">
-                <a:sym typeface="+mn-ea"/>
-              </a:rPr>
-              <a:t>实现</a:t>
-            </a:r>
-            <a:r>
-              <a:rPr lang="en-US" altLang="zh-CN">
-                <a:sym typeface="+mn-ea"/>
-              </a:rPr>
-              <a:t>Terasort</a:t>
-            </a:r>
-            <a:endParaRPr lang="en-US" altLang="zh-CN">
-              <a:sym typeface="+mn-ea"/>
-            </a:endParaRPr>
-          </a:p>
-          <a:p>
-            <a:pPr lvl="0"/>
-            <a:endParaRPr lang="en-US" altLang="zh-CN">
-              <a:sym typeface="+mn-ea"/>
-            </a:endParaRPr>
-          </a:p>
-          <a:p>
-            <a:pPr lvl="0"/>
-            <a:r>
-              <a:rPr lang="en-US" altLang="zh-CN">
-                <a:sym typeface="+mn-ea"/>
-              </a:rPr>
-              <a:t> </a:t>
-            </a:r>
-            <a:r>
-              <a:rPr lang="zh-CN" altLang="en-US">
-                <a:sym typeface="+mn-ea"/>
-              </a:rPr>
-              <a:t>测试</a:t>
-            </a:r>
-            <a:r>
-              <a:rPr lang="en-US" altLang="zh-CN">
-                <a:sym typeface="+mn-ea"/>
-              </a:rPr>
-              <a:t>Terasort</a:t>
-            </a:r>
-            <a:r>
-              <a:rPr lang="zh-CN" altLang="en-US">
-                <a:sym typeface="+mn-ea"/>
-              </a:rPr>
-              <a:t>运行时间的</a:t>
-            </a:r>
-            <a:r>
-              <a:rPr lang="en-US" altLang="zh-CN">
-                <a:sym typeface="+mn-ea"/>
-              </a:rPr>
-              <a:t>breakdown</a:t>
-            </a:r>
-            <a:endParaRPr lang="en-US" altLang="zh-CN">
-              <a:sym typeface="+mn-ea"/>
-            </a:endParaRPr>
-          </a:p>
-          <a:p>
-            <a:pPr marL="0" lvl="0" indent="0">
-              <a:buNone/>
-            </a:pPr>
-            <a:endParaRPr lang="zh-CN" altLang="en-US"/>
-          </a:p>
-          <a:p>
-            <a:pPr lvl="0"/>
-            <a:endParaRPr lang="en-US" altLang="zh-CN"/>
-          </a:p>
-        </p:txBody>
-      </p:sp>
-    </p:spTree>
-  </p:cSld>
-  <p:clrMapOvr>
-    <a:masterClrMapping/>
-  </p:clrMapOvr>
-</p:sld>
-</file>
-
-<file path=ppt/slides/slide16.xml><?xml version="1.0" encoding="utf-8"?>
-<p:sld xmlns:a="http://schemas.openxmlformats.org/drawingml/2006/main" xmlns:r="http://schemas.openxmlformats.org/officeDocument/2006/relationships" xmlns:p="http://schemas.openxmlformats.org/presentationml/2006/main">
-  <p:cSld>
-    <p:spTree>
-      <p:nvGrpSpPr>
-        <p:cNvPr id="1" name=""/>
-        <p:cNvGrpSpPr/>
-        <p:nvPr/>
-      </p:nvGrpSpPr>
-      <p:grpSpPr/>
-      <p:sp>
-        <p:nvSpPr>
-          <p:cNvPr id="2" name="标题 1"/>
-          <p:cNvSpPr>
-            <a:spLocks noGrp="1"/>
-          </p:cNvSpPr>
-          <p:nvPr>
-            <p:ph type="title"/>
-          </p:nvPr>
-        </p:nvSpPr>
-        <p:spPr/>
-        <p:txBody>
-          <a:bodyPr/>
-          <a:p>
-            <a:r>
               <a:rPr lang="en-US" altLang="zh-CN"/>
               <a:t>Reference</a:t>
             </a:r>
@@ -12228,7 +12083,7 @@
         <p:spPr>
           <a:xfrm>
             <a:off x="838200" y="1380490"/>
-            <a:ext cx="11238865" cy="2553335"/>
+            <a:ext cx="11238865" cy="1938020"/>
           </a:xfrm>
           <a:prstGeom prst="rect">
             <a:avLst/>
@@ -12328,65 +12183,6 @@
                 <a:spcPct val="200000"/>
               </a:lnSpc>
             </a:pPr>
-            <a:r>
-              <a:rPr lang="en-US" altLang="zh-CN" sz="2000">
-                <a:solidFill>
-                  <a:schemeClr val="bg2">
-                    <a:lumMod val="50000"/>
-                  </a:schemeClr>
-                </a:solidFill>
-                <a:sym typeface="+mn-ea"/>
-              </a:rPr>
-              <a:t>[3] Locus: Shuffling, Fast and Slow: Scalable Analytics on Serverless Infrastructure  NSDI’19</a:t>
-            </a:r>
-            <a:endParaRPr lang="en-US" altLang="zh-CN" sz="2000">
-              <a:solidFill>
-                <a:schemeClr val="bg2">
-                  <a:lumMod val="50000"/>
-                </a:schemeClr>
-              </a:solidFill>
-              <a:sym typeface="+mn-ea"/>
-            </a:endParaRPr>
-          </a:p>
-          <a:p>
-            <a:pPr>
-              <a:lnSpc>
-                <a:spcPct val="200000"/>
-              </a:lnSpc>
-            </a:pPr>
-            <a:r>
-              <a:rPr lang="en-US" altLang="zh-CN" sz="2000">
-                <a:solidFill>
-                  <a:schemeClr val="bg2">
-                    <a:lumMod val="50000"/>
-                  </a:schemeClr>
-                </a:solidFill>
-                <a:sym typeface="+mn-ea"/>
-              </a:rPr>
-              <a:t>[4]</a:t>
-            </a:r>
-            <a:r>
-              <a:rPr lang="en-US" altLang="zh-CN" sz="2000">
-                <a:solidFill>
-                  <a:schemeClr val="bg2">
-                    <a:lumMod val="75000"/>
-                  </a:schemeClr>
-                </a:solidFill>
-                <a:sym typeface="+mn-ea"/>
-              </a:rPr>
-              <a:t> </a:t>
-            </a:r>
-            <a:r>
-              <a:rPr lang="en-US" altLang="zh-CN" sz="2000">
-                <a:solidFill>
-                  <a:schemeClr val="bg2">
-                    <a:lumMod val="50000"/>
-                  </a:schemeClr>
-                </a:solidFill>
-                <a:sym typeface="+mn-ea"/>
-              </a:rPr>
-              <a:t>Caerus: NIMBLE Task Scheduling for Serverless Analytics  NSDI’21</a:t>
-            </a:r>
             <a:endParaRPr lang="en-US" altLang="zh-CN" sz="2000">
               <a:solidFill>
                 <a:schemeClr val="bg2">
@@ -13808,12 +13604,14 @@
         </p:nvSpPr>
         <p:spPr>
           <a:xfrm>
-            <a:off x="838200" y="1380227"/>
-            <a:ext cx="10515600" cy="4796737"/>
+            <a:off x="838200" y="1380490"/>
+            <a:ext cx="10515600" cy="5313045"/>
           </a:xfrm>
         </p:spPr>
         <p:txBody>
-          <a:bodyPr/>
+          <a:bodyPr>
+            <a:normAutofit lnSpcReduction="10000"/>
+          </a:bodyPr>
           <a:p>
             <a:r>
               <a:rPr lang="en-US" altLang="zh-CN"/>
@@ -13905,7 +13703,45 @@
               </a:rPr>
               <a:t>10MB</a:t>
             </a:r>
-            <a:endParaRPr lang="en-US" altLang="zh-CN" sz="2200"/>
+            <a:endParaRPr lang="en-US" altLang="zh-CN" sz="2200">
+              <a:sym typeface="+mn-ea"/>
+            </a:endParaRPr>
+          </a:p>
+          <a:p>
+            <a:pPr lvl="1"/>
+            <a:r>
+              <a:rPr lang="en-US" altLang="zh-CN" sz="2420"/>
+              <a:t> </a:t>
+            </a:r>
+            <a:r>
+              <a:rPr lang="zh-CN" altLang="en-US" sz="2420"/>
+              <a:t>每组实验并发</a:t>
+            </a:r>
+            <a:r>
+              <a:rPr lang="en-US" altLang="zh-CN" sz="2420"/>
+              <a:t>100</a:t>
+            </a:r>
+            <a:r>
+              <a:rPr lang="zh-CN" altLang="en-US" sz="2420"/>
+              <a:t>个函数读</a:t>
+            </a:r>
+            <a:r>
+              <a:rPr lang="en-US" altLang="zh-CN" sz="2420"/>
+              <a:t>(</a:t>
+            </a:r>
+            <a:r>
+              <a:rPr lang="zh-CN" altLang="en-US" sz="2420"/>
+              <a:t>写</a:t>
+            </a:r>
+            <a:r>
+              <a:rPr lang="en-US" altLang="zh-CN" sz="2420"/>
+              <a:t>)</a:t>
+            </a:r>
+            <a:r>
+              <a:rPr lang="zh-CN" altLang="en-US" sz="2420"/>
+              <a:t>数据，记录下可以达到的最大带宽</a:t>
+            </a:r>
+            <a:endParaRPr lang="en-US" altLang="zh-CN" sz="2420"/>
           </a:p>
           <a:p>
             <a:pPr lvl="1"/>
@@ -14084,6 +13920,39 @@
           </a:graphicData>
         </a:graphic>
       </p:graphicFrame>
+      <p:sp>
+        <p:nvSpPr>
+          <p:cNvPr id="6" name="文本框 5"/>
+          <p:cNvSpPr txBox="1"/>
+          <p:nvPr/>
+        </p:nvSpPr>
+        <p:spPr>
+          <a:xfrm>
+            <a:off x="4174490" y="6177280"/>
+            <a:ext cx="4137025" cy="368300"/>
+          </a:xfrm>
+          <a:prstGeom prst="rect">
+            <a:avLst/>
+          </a:prstGeom>
+          <a:noFill/>
+        </p:spPr>
+        <p:txBody>
+          <a:bodyPr wrap="square" rtlCol="0">
+            <a:spAutoFit/>
+          </a:bodyPr>
+          <a:p>
+            <a:r>
+              <a:rPr lang="zh-CN" altLang="en-US" b="1"/>
+              <a:t>Peak storage throughput per </a:t>
+            </a:r>
+            <a:r>
+              <a:rPr lang="en-US" altLang="zh-CN" b="1"/>
+              <a:t>function</a:t>
+            </a:r>
+            <a:endParaRPr lang="en-US" altLang="zh-CN" b="1"/>
+          </a:p>
+        </p:txBody>
+      </p:sp>
     </p:spTree>
   </p:cSld>
   <p:clrMapOvr>
